--- a/papers/dallin_skouson/flow.pptx
+++ b/papers/dallin_skouson/flow.pptx
@@ -2,12 +2,12 @@
 <file path=ppt/presentation.xml><?xml version="1.0" encoding="utf-8"?>
 <p:presentation xmlns:a="http://schemas.openxmlformats.org/drawingml/2006/main" xmlns:r="http://schemas.openxmlformats.org/officeDocument/2006/relationships" xmlns:p="http://schemas.openxmlformats.org/presentationml/2006/main" saveSubsetFonts="1">
   <p:sldMasterIdLst>
-    <p:sldMasterId id="2147483684" r:id="rId1"/>
+    <p:sldMasterId id="2147483660" r:id="rId1"/>
   </p:sldMasterIdLst>
   <p:sldIdLst>
-    <p:sldId id="256" r:id="rId2"/>
+    <p:sldId id="257" r:id="rId2"/>
   </p:sldIdLst>
-  <p:sldSz cx="5943600" cy="2286000"/>
+  <p:sldSz cx="12192000" cy="4800600"/>
   <p:notesSz cx="6858000" cy="9144000"/>
   <p:defaultTextStyle>
     <a:defPPr>
@@ -141,15 +141,15 @@
         </p:nvSpPr>
         <p:spPr>
           <a:xfrm>
-            <a:off x="742950" y="374121"/>
-            <a:ext cx="4457700" cy="795867"/>
+            <a:off x="1524000" y="785654"/>
+            <a:ext cx="9144000" cy="1671320"/>
           </a:xfrm>
         </p:spPr>
         <p:txBody>
           <a:bodyPr anchor="b"/>
           <a:lstStyle>
             <a:lvl1pPr algn="ctr">
-              <a:defRPr sz="2000"/>
+              <a:defRPr sz="4200"/>
             </a:lvl1pPr>
           </a:lstStyle>
           <a:p>
@@ -173,8 +173,8 @@
         </p:nvSpPr>
         <p:spPr>
           <a:xfrm>
-            <a:off x="742950" y="1200679"/>
-            <a:ext cx="4457700" cy="551921"/>
+            <a:off x="1524000" y="2521427"/>
+            <a:ext cx="9144000" cy="1159033"/>
           </a:xfrm>
         </p:spPr>
         <p:txBody>
@@ -182,39 +182,39 @@
           <a:lstStyle>
             <a:lvl1pPr marL="0" indent="0" algn="ctr">
               <a:buNone/>
-              <a:defRPr sz="800"/>
+              <a:defRPr sz="1680"/>
             </a:lvl1pPr>
-            <a:lvl2pPr marL="152385" indent="0" algn="ctr">
+            <a:lvl2pPr marL="320040" indent="0" algn="ctr">
               <a:buNone/>
-              <a:defRPr sz="667"/>
+              <a:defRPr sz="1400"/>
             </a:lvl2pPr>
-            <a:lvl3pPr marL="304770" indent="0" algn="ctr">
+            <a:lvl3pPr marL="640080" indent="0" algn="ctr">
               <a:buNone/>
-              <a:defRPr sz="600"/>
+              <a:defRPr sz="1260"/>
             </a:lvl3pPr>
-            <a:lvl4pPr marL="457154" indent="0" algn="ctr">
+            <a:lvl4pPr marL="960120" indent="0" algn="ctr">
               <a:buNone/>
-              <a:defRPr sz="533"/>
+              <a:defRPr sz="1120"/>
             </a:lvl4pPr>
-            <a:lvl5pPr marL="609539" indent="0" algn="ctr">
+            <a:lvl5pPr marL="1280160" indent="0" algn="ctr">
               <a:buNone/>
-              <a:defRPr sz="533"/>
+              <a:defRPr sz="1120"/>
             </a:lvl5pPr>
-            <a:lvl6pPr marL="761924" indent="0" algn="ctr">
+            <a:lvl6pPr marL="1600200" indent="0" algn="ctr">
               <a:buNone/>
-              <a:defRPr sz="533"/>
+              <a:defRPr sz="1120"/>
             </a:lvl6pPr>
-            <a:lvl7pPr marL="914309" indent="0" algn="ctr">
+            <a:lvl7pPr marL="1920240" indent="0" algn="ctr">
               <a:buNone/>
-              <a:defRPr sz="533"/>
+              <a:defRPr sz="1120"/>
             </a:lvl7pPr>
-            <a:lvl8pPr marL="1066693" indent="0" algn="ctr">
+            <a:lvl8pPr marL="2240280" indent="0" algn="ctr">
               <a:buNone/>
-              <a:defRPr sz="533"/>
+              <a:defRPr sz="1120"/>
             </a:lvl8pPr>
-            <a:lvl9pPr marL="1219078" indent="0" algn="ctr">
+            <a:lvl9pPr marL="2560320" indent="0" algn="ctr">
               <a:buNone/>
-              <a:defRPr sz="533"/>
+              <a:defRPr sz="1120"/>
             </a:lvl9pPr>
           </a:lstStyle>
           <a:p>
@@ -241,9 +241,9 @@
           <a:bodyPr/>
           <a:lstStyle/>
           <a:p>
-            <a:fld id="{2BCCED57-25DD-474A-969A-916086AE8F09}" type="datetimeFigureOut">
+            <a:fld id="{76757E98-4CC1-4D9D-BA84-48E6EADFF2FE}" type="datetimeFigureOut">
               <a:rPr lang="en-US" smtClean="0"/>
-              <a:t>7/1/2020</a:t>
+              <a:t>7/2/2020</a:t>
             </a:fld>
             <a:endParaRPr lang="en-US"/>
           </a:p>
@@ -283,7 +283,7 @@
           <a:bodyPr/>
           <a:lstStyle/>
           <a:p>
-            <a:fld id="{702AED05-60C4-4CDC-82D4-CA73A0F68E64}" type="slidenum">
+            <a:fld id="{DB7E672A-09D5-4C98-92AC-1F531B0CDDA6}" type="slidenum">
               <a:rPr lang="en-US" smtClean="0"/>
               <a:t>‹#›</a:t>
             </a:fld>
@@ -294,7 +294,7 @@
     </p:spTree>
     <p:extLst>
       <p:ext uri="{BB962C8B-B14F-4D97-AF65-F5344CB8AC3E}">
-        <p14:creationId xmlns:p14="http://schemas.microsoft.com/office/powerpoint/2010/main" val="2362097424"/>
+        <p14:creationId xmlns:p14="http://schemas.microsoft.com/office/powerpoint/2010/main" val="1200911683"/>
       </p:ext>
     </p:extLst>
   </p:cSld>
@@ -411,9 +411,9 @@
           <a:bodyPr/>
           <a:lstStyle/>
           <a:p>
-            <a:fld id="{2BCCED57-25DD-474A-969A-916086AE8F09}" type="datetimeFigureOut">
+            <a:fld id="{76757E98-4CC1-4D9D-BA84-48E6EADFF2FE}" type="datetimeFigureOut">
               <a:rPr lang="en-US" smtClean="0"/>
-              <a:t>7/1/2020</a:t>
+              <a:t>7/2/2020</a:t>
             </a:fld>
             <a:endParaRPr lang="en-US"/>
           </a:p>
@@ -453,7 +453,7 @@
           <a:bodyPr/>
           <a:lstStyle/>
           <a:p>
-            <a:fld id="{702AED05-60C4-4CDC-82D4-CA73A0F68E64}" type="slidenum">
+            <a:fld id="{DB7E672A-09D5-4C98-92AC-1F531B0CDDA6}" type="slidenum">
               <a:rPr lang="en-US" smtClean="0"/>
               <a:t>‹#›</a:t>
             </a:fld>
@@ -464,7 +464,7 @@
     </p:spTree>
     <p:extLst>
       <p:ext uri="{BB962C8B-B14F-4D97-AF65-F5344CB8AC3E}">
-        <p14:creationId xmlns:p14="http://schemas.microsoft.com/office/powerpoint/2010/main" val="4090937900"/>
+        <p14:creationId xmlns:p14="http://schemas.microsoft.com/office/powerpoint/2010/main" val="4246762105"/>
       </p:ext>
     </p:extLst>
   </p:cSld>
@@ -503,8 +503,8 @@
         </p:nvSpPr>
         <p:spPr>
           <a:xfrm>
-            <a:off x="4253389" y="121709"/>
-            <a:ext cx="1281589" cy="1937279"/>
+            <a:off x="8724900" y="255587"/>
+            <a:ext cx="2628900" cy="4068287"/>
           </a:xfrm>
         </p:spPr>
         <p:txBody>
@@ -531,8 +531,8 @@
         </p:nvSpPr>
         <p:spPr>
           <a:xfrm>
-            <a:off x="408623" y="121709"/>
-            <a:ext cx="3770471" cy="1937279"/>
+            <a:off x="838200" y="255587"/>
+            <a:ext cx="7734300" cy="4068287"/>
           </a:xfrm>
         </p:spPr>
         <p:txBody>
@@ -591,9 +591,9 @@
           <a:bodyPr/>
           <a:lstStyle/>
           <a:p>
-            <a:fld id="{2BCCED57-25DD-474A-969A-916086AE8F09}" type="datetimeFigureOut">
+            <a:fld id="{76757E98-4CC1-4D9D-BA84-48E6EADFF2FE}" type="datetimeFigureOut">
               <a:rPr lang="en-US" smtClean="0"/>
-              <a:t>7/1/2020</a:t>
+              <a:t>7/2/2020</a:t>
             </a:fld>
             <a:endParaRPr lang="en-US"/>
           </a:p>
@@ -633,7 +633,7 @@
           <a:bodyPr/>
           <a:lstStyle/>
           <a:p>
-            <a:fld id="{702AED05-60C4-4CDC-82D4-CA73A0F68E64}" type="slidenum">
+            <a:fld id="{DB7E672A-09D5-4C98-92AC-1F531B0CDDA6}" type="slidenum">
               <a:rPr lang="en-US" smtClean="0"/>
               <a:t>‹#›</a:t>
             </a:fld>
@@ -644,7 +644,7 @@
     </p:spTree>
     <p:extLst>
       <p:ext uri="{BB962C8B-B14F-4D97-AF65-F5344CB8AC3E}">
-        <p14:creationId xmlns:p14="http://schemas.microsoft.com/office/powerpoint/2010/main" val="3645110993"/>
+        <p14:creationId xmlns:p14="http://schemas.microsoft.com/office/powerpoint/2010/main" val="3357898808"/>
       </p:ext>
     </p:extLst>
   </p:cSld>
@@ -761,9 +761,9 @@
           <a:bodyPr/>
           <a:lstStyle/>
           <a:p>
-            <a:fld id="{2BCCED57-25DD-474A-969A-916086AE8F09}" type="datetimeFigureOut">
+            <a:fld id="{76757E98-4CC1-4D9D-BA84-48E6EADFF2FE}" type="datetimeFigureOut">
               <a:rPr lang="en-US" smtClean="0"/>
-              <a:t>7/1/2020</a:t>
+              <a:t>7/2/2020</a:t>
             </a:fld>
             <a:endParaRPr lang="en-US"/>
           </a:p>
@@ -803,7 +803,7 @@
           <a:bodyPr/>
           <a:lstStyle/>
           <a:p>
-            <a:fld id="{702AED05-60C4-4CDC-82D4-CA73A0F68E64}" type="slidenum">
+            <a:fld id="{DB7E672A-09D5-4C98-92AC-1F531B0CDDA6}" type="slidenum">
               <a:rPr lang="en-US" smtClean="0"/>
               <a:t>‹#›</a:t>
             </a:fld>
@@ -814,7 +814,7 @@
     </p:spTree>
     <p:extLst>
       <p:ext uri="{BB962C8B-B14F-4D97-AF65-F5344CB8AC3E}">
-        <p14:creationId xmlns:p14="http://schemas.microsoft.com/office/powerpoint/2010/main" val="2151764017"/>
+        <p14:creationId xmlns:p14="http://schemas.microsoft.com/office/powerpoint/2010/main" val="2116866134"/>
       </p:ext>
     </p:extLst>
   </p:cSld>
@@ -853,15 +853,15 @@
         </p:nvSpPr>
         <p:spPr>
           <a:xfrm>
-            <a:off x="405527" y="569913"/>
-            <a:ext cx="5126355" cy="950912"/>
+            <a:off x="831850" y="1196817"/>
+            <a:ext cx="10515600" cy="1996916"/>
           </a:xfrm>
         </p:spPr>
         <p:txBody>
           <a:bodyPr anchor="b"/>
           <a:lstStyle>
             <a:lvl1pPr>
-              <a:defRPr sz="2000"/>
+              <a:defRPr sz="4200"/>
             </a:lvl1pPr>
           </a:lstStyle>
           <a:p>
@@ -885,8 +885,8 @@
         </p:nvSpPr>
         <p:spPr>
           <a:xfrm>
-            <a:off x="405527" y="1529821"/>
-            <a:ext cx="5126355" cy="500062"/>
+            <a:off x="831850" y="3212624"/>
+            <a:ext cx="10515600" cy="1050131"/>
           </a:xfrm>
         </p:spPr>
         <p:txBody>
@@ -894,7 +894,7 @@
           <a:lstStyle>
             <a:lvl1pPr marL="0" indent="0">
               <a:buNone/>
-              <a:defRPr sz="800">
+              <a:defRPr sz="1680">
                 <a:solidFill>
                   <a:schemeClr val="tx1">
                     <a:tint val="75000"/>
@@ -902,9 +902,9 @@
                 </a:solidFill>
               </a:defRPr>
             </a:lvl1pPr>
-            <a:lvl2pPr marL="152385" indent="0">
+            <a:lvl2pPr marL="320040" indent="0">
               <a:buNone/>
-              <a:defRPr sz="667">
+              <a:defRPr sz="1400">
                 <a:solidFill>
                   <a:schemeClr val="tx1">
                     <a:tint val="75000"/>
@@ -912,9 +912,9 @@
                 </a:solidFill>
               </a:defRPr>
             </a:lvl2pPr>
-            <a:lvl3pPr marL="304770" indent="0">
+            <a:lvl3pPr marL="640080" indent="0">
               <a:buNone/>
-              <a:defRPr sz="600">
+              <a:defRPr sz="1260">
                 <a:solidFill>
                   <a:schemeClr val="tx1">
                     <a:tint val="75000"/>
@@ -922,9 +922,9 @@
                 </a:solidFill>
               </a:defRPr>
             </a:lvl3pPr>
-            <a:lvl4pPr marL="457154" indent="0">
+            <a:lvl4pPr marL="960120" indent="0">
               <a:buNone/>
-              <a:defRPr sz="533">
+              <a:defRPr sz="1120">
                 <a:solidFill>
                   <a:schemeClr val="tx1">
                     <a:tint val="75000"/>
@@ -932,9 +932,9 @@
                 </a:solidFill>
               </a:defRPr>
             </a:lvl4pPr>
-            <a:lvl5pPr marL="609539" indent="0">
+            <a:lvl5pPr marL="1280160" indent="0">
               <a:buNone/>
-              <a:defRPr sz="533">
+              <a:defRPr sz="1120">
                 <a:solidFill>
                   <a:schemeClr val="tx1">
                     <a:tint val="75000"/>
@@ -942,9 +942,9 @@
                 </a:solidFill>
               </a:defRPr>
             </a:lvl5pPr>
-            <a:lvl6pPr marL="761924" indent="0">
+            <a:lvl6pPr marL="1600200" indent="0">
               <a:buNone/>
-              <a:defRPr sz="533">
+              <a:defRPr sz="1120">
                 <a:solidFill>
                   <a:schemeClr val="tx1">
                     <a:tint val="75000"/>
@@ -952,9 +952,9 @@
                 </a:solidFill>
               </a:defRPr>
             </a:lvl6pPr>
-            <a:lvl7pPr marL="914309" indent="0">
+            <a:lvl7pPr marL="1920240" indent="0">
               <a:buNone/>
-              <a:defRPr sz="533">
+              <a:defRPr sz="1120">
                 <a:solidFill>
                   <a:schemeClr val="tx1">
                     <a:tint val="75000"/>
@@ -962,9 +962,9 @@
                 </a:solidFill>
               </a:defRPr>
             </a:lvl7pPr>
-            <a:lvl8pPr marL="1066693" indent="0">
+            <a:lvl8pPr marL="2240280" indent="0">
               <a:buNone/>
-              <a:defRPr sz="533">
+              <a:defRPr sz="1120">
                 <a:solidFill>
                   <a:schemeClr val="tx1">
                     <a:tint val="75000"/>
@@ -972,9 +972,9 @@
                 </a:solidFill>
               </a:defRPr>
             </a:lvl8pPr>
-            <a:lvl9pPr marL="1219078" indent="0">
+            <a:lvl9pPr marL="2560320" indent="0">
               <a:buNone/>
-              <a:defRPr sz="533">
+              <a:defRPr sz="1120">
                 <a:solidFill>
                   <a:schemeClr val="tx1">
                     <a:tint val="75000"/>
@@ -1007,9 +1007,9 @@
           <a:bodyPr/>
           <a:lstStyle/>
           <a:p>
-            <a:fld id="{2BCCED57-25DD-474A-969A-916086AE8F09}" type="datetimeFigureOut">
+            <a:fld id="{76757E98-4CC1-4D9D-BA84-48E6EADFF2FE}" type="datetimeFigureOut">
               <a:rPr lang="en-US" smtClean="0"/>
-              <a:t>7/1/2020</a:t>
+              <a:t>7/2/2020</a:t>
             </a:fld>
             <a:endParaRPr lang="en-US"/>
           </a:p>
@@ -1049,7 +1049,7 @@
           <a:bodyPr/>
           <a:lstStyle/>
           <a:p>
-            <a:fld id="{702AED05-60C4-4CDC-82D4-CA73A0F68E64}" type="slidenum">
+            <a:fld id="{DB7E672A-09D5-4C98-92AC-1F531B0CDDA6}" type="slidenum">
               <a:rPr lang="en-US" smtClean="0"/>
               <a:t>‹#›</a:t>
             </a:fld>
@@ -1060,7 +1060,7 @@
     </p:spTree>
     <p:extLst>
       <p:ext uri="{BB962C8B-B14F-4D97-AF65-F5344CB8AC3E}">
-        <p14:creationId xmlns:p14="http://schemas.microsoft.com/office/powerpoint/2010/main" val="1053467877"/>
+        <p14:creationId xmlns:p14="http://schemas.microsoft.com/office/powerpoint/2010/main" val="487410648"/>
       </p:ext>
     </p:extLst>
   </p:cSld>
@@ -1122,8 +1122,8 @@
         </p:nvSpPr>
         <p:spPr>
           <a:xfrm>
-            <a:off x="408623" y="608542"/>
-            <a:ext cx="2526030" cy="1450446"/>
+            <a:off x="838200" y="1277937"/>
+            <a:ext cx="5181600" cy="3045937"/>
           </a:xfrm>
         </p:spPr>
         <p:txBody>
@@ -1179,8 +1179,8 @@
         </p:nvSpPr>
         <p:spPr>
           <a:xfrm>
-            <a:off x="3008948" y="608542"/>
-            <a:ext cx="2526030" cy="1450446"/>
+            <a:off x="6172200" y="1277937"/>
+            <a:ext cx="5181600" cy="3045937"/>
           </a:xfrm>
         </p:spPr>
         <p:txBody>
@@ -1239,9 +1239,9 @@
           <a:bodyPr/>
           <a:lstStyle/>
           <a:p>
-            <a:fld id="{2BCCED57-25DD-474A-969A-916086AE8F09}" type="datetimeFigureOut">
+            <a:fld id="{76757E98-4CC1-4D9D-BA84-48E6EADFF2FE}" type="datetimeFigureOut">
               <a:rPr lang="en-US" smtClean="0"/>
-              <a:t>7/1/2020</a:t>
+              <a:t>7/2/2020</a:t>
             </a:fld>
             <a:endParaRPr lang="en-US"/>
           </a:p>
@@ -1281,7 +1281,7 @@
           <a:bodyPr/>
           <a:lstStyle/>
           <a:p>
-            <a:fld id="{702AED05-60C4-4CDC-82D4-CA73A0F68E64}" type="slidenum">
+            <a:fld id="{DB7E672A-09D5-4C98-92AC-1F531B0CDDA6}" type="slidenum">
               <a:rPr lang="en-US" smtClean="0"/>
               <a:t>‹#›</a:t>
             </a:fld>
@@ -1292,7 +1292,7 @@
     </p:spTree>
     <p:extLst>
       <p:ext uri="{BB962C8B-B14F-4D97-AF65-F5344CB8AC3E}">
-        <p14:creationId xmlns:p14="http://schemas.microsoft.com/office/powerpoint/2010/main" val="3347956158"/>
+        <p14:creationId xmlns:p14="http://schemas.microsoft.com/office/powerpoint/2010/main" val="3862934833"/>
       </p:ext>
     </p:extLst>
   </p:cSld>
@@ -1331,8 +1331,8 @@
         </p:nvSpPr>
         <p:spPr>
           <a:xfrm>
-            <a:off x="409397" y="121709"/>
-            <a:ext cx="5126355" cy="441854"/>
+            <a:off x="839788" y="255588"/>
+            <a:ext cx="10515600" cy="927894"/>
           </a:xfrm>
         </p:spPr>
         <p:txBody>
@@ -1359,8 +1359,8 @@
         </p:nvSpPr>
         <p:spPr>
           <a:xfrm>
-            <a:off x="409397" y="560388"/>
-            <a:ext cx="2514421" cy="274637"/>
+            <a:off x="839789" y="1176814"/>
+            <a:ext cx="5157787" cy="576738"/>
           </a:xfrm>
         </p:spPr>
         <p:txBody>
@@ -1368,39 +1368,39 @@
           <a:lstStyle>
             <a:lvl1pPr marL="0" indent="0">
               <a:buNone/>
-              <a:defRPr sz="800" b="1"/>
+              <a:defRPr sz="1680" b="1"/>
             </a:lvl1pPr>
-            <a:lvl2pPr marL="152385" indent="0">
+            <a:lvl2pPr marL="320040" indent="0">
               <a:buNone/>
-              <a:defRPr sz="667" b="1"/>
+              <a:defRPr sz="1400" b="1"/>
             </a:lvl2pPr>
-            <a:lvl3pPr marL="304770" indent="0">
+            <a:lvl3pPr marL="640080" indent="0">
               <a:buNone/>
-              <a:defRPr sz="600" b="1"/>
+              <a:defRPr sz="1260" b="1"/>
             </a:lvl3pPr>
-            <a:lvl4pPr marL="457154" indent="0">
+            <a:lvl4pPr marL="960120" indent="0">
               <a:buNone/>
-              <a:defRPr sz="533" b="1"/>
+              <a:defRPr sz="1120" b="1"/>
             </a:lvl4pPr>
-            <a:lvl5pPr marL="609539" indent="0">
+            <a:lvl5pPr marL="1280160" indent="0">
               <a:buNone/>
-              <a:defRPr sz="533" b="1"/>
+              <a:defRPr sz="1120" b="1"/>
             </a:lvl5pPr>
-            <a:lvl6pPr marL="761924" indent="0">
+            <a:lvl6pPr marL="1600200" indent="0">
               <a:buNone/>
-              <a:defRPr sz="533" b="1"/>
+              <a:defRPr sz="1120" b="1"/>
             </a:lvl6pPr>
-            <a:lvl7pPr marL="914309" indent="0">
+            <a:lvl7pPr marL="1920240" indent="0">
               <a:buNone/>
-              <a:defRPr sz="533" b="1"/>
+              <a:defRPr sz="1120" b="1"/>
             </a:lvl7pPr>
-            <a:lvl8pPr marL="1066693" indent="0">
+            <a:lvl8pPr marL="2240280" indent="0">
               <a:buNone/>
-              <a:defRPr sz="533" b="1"/>
+              <a:defRPr sz="1120" b="1"/>
             </a:lvl8pPr>
-            <a:lvl9pPr marL="1219078" indent="0">
+            <a:lvl9pPr marL="2560320" indent="0">
               <a:buNone/>
-              <a:defRPr sz="533" b="1"/>
+              <a:defRPr sz="1120" b="1"/>
             </a:lvl9pPr>
           </a:lstStyle>
           <a:p>
@@ -1424,8 +1424,8 @@
         </p:nvSpPr>
         <p:spPr>
           <a:xfrm>
-            <a:off x="409397" y="835025"/>
-            <a:ext cx="2514421" cy="1228196"/>
+            <a:off x="839789" y="1753552"/>
+            <a:ext cx="5157787" cy="2579212"/>
           </a:xfrm>
         </p:spPr>
         <p:txBody>
@@ -1481,8 +1481,8 @@
         </p:nvSpPr>
         <p:spPr>
           <a:xfrm>
-            <a:off x="3008948" y="560388"/>
-            <a:ext cx="2526804" cy="274637"/>
+            <a:off x="6172200" y="1176814"/>
+            <a:ext cx="5183188" cy="576738"/>
           </a:xfrm>
         </p:spPr>
         <p:txBody>
@@ -1490,39 +1490,39 @@
           <a:lstStyle>
             <a:lvl1pPr marL="0" indent="0">
               <a:buNone/>
-              <a:defRPr sz="800" b="1"/>
+              <a:defRPr sz="1680" b="1"/>
             </a:lvl1pPr>
-            <a:lvl2pPr marL="152385" indent="0">
+            <a:lvl2pPr marL="320040" indent="0">
               <a:buNone/>
-              <a:defRPr sz="667" b="1"/>
+              <a:defRPr sz="1400" b="1"/>
             </a:lvl2pPr>
-            <a:lvl3pPr marL="304770" indent="0">
+            <a:lvl3pPr marL="640080" indent="0">
               <a:buNone/>
-              <a:defRPr sz="600" b="1"/>
+              <a:defRPr sz="1260" b="1"/>
             </a:lvl3pPr>
-            <a:lvl4pPr marL="457154" indent="0">
+            <a:lvl4pPr marL="960120" indent="0">
               <a:buNone/>
-              <a:defRPr sz="533" b="1"/>
+              <a:defRPr sz="1120" b="1"/>
             </a:lvl4pPr>
-            <a:lvl5pPr marL="609539" indent="0">
+            <a:lvl5pPr marL="1280160" indent="0">
               <a:buNone/>
-              <a:defRPr sz="533" b="1"/>
+              <a:defRPr sz="1120" b="1"/>
             </a:lvl5pPr>
-            <a:lvl6pPr marL="761924" indent="0">
+            <a:lvl6pPr marL="1600200" indent="0">
               <a:buNone/>
-              <a:defRPr sz="533" b="1"/>
+              <a:defRPr sz="1120" b="1"/>
             </a:lvl6pPr>
-            <a:lvl7pPr marL="914309" indent="0">
+            <a:lvl7pPr marL="1920240" indent="0">
               <a:buNone/>
-              <a:defRPr sz="533" b="1"/>
+              <a:defRPr sz="1120" b="1"/>
             </a:lvl7pPr>
-            <a:lvl8pPr marL="1066693" indent="0">
+            <a:lvl8pPr marL="2240280" indent="0">
               <a:buNone/>
-              <a:defRPr sz="533" b="1"/>
+              <a:defRPr sz="1120" b="1"/>
             </a:lvl8pPr>
-            <a:lvl9pPr marL="1219078" indent="0">
+            <a:lvl9pPr marL="2560320" indent="0">
               <a:buNone/>
-              <a:defRPr sz="533" b="1"/>
+              <a:defRPr sz="1120" b="1"/>
             </a:lvl9pPr>
           </a:lstStyle>
           <a:p>
@@ -1546,8 +1546,8 @@
         </p:nvSpPr>
         <p:spPr>
           <a:xfrm>
-            <a:off x="3008948" y="835025"/>
-            <a:ext cx="2526804" cy="1228196"/>
+            <a:off x="6172200" y="1753552"/>
+            <a:ext cx="5183188" cy="2579212"/>
           </a:xfrm>
         </p:spPr>
         <p:txBody>
@@ -1606,9 +1606,9 @@
           <a:bodyPr/>
           <a:lstStyle/>
           <a:p>
-            <a:fld id="{2BCCED57-25DD-474A-969A-916086AE8F09}" type="datetimeFigureOut">
+            <a:fld id="{76757E98-4CC1-4D9D-BA84-48E6EADFF2FE}" type="datetimeFigureOut">
               <a:rPr lang="en-US" smtClean="0"/>
-              <a:t>7/1/2020</a:t>
+              <a:t>7/2/2020</a:t>
             </a:fld>
             <a:endParaRPr lang="en-US"/>
           </a:p>
@@ -1648,7 +1648,7 @@
           <a:bodyPr/>
           <a:lstStyle/>
           <a:p>
-            <a:fld id="{702AED05-60C4-4CDC-82D4-CA73A0F68E64}" type="slidenum">
+            <a:fld id="{DB7E672A-09D5-4C98-92AC-1F531B0CDDA6}" type="slidenum">
               <a:rPr lang="en-US" smtClean="0"/>
               <a:t>‹#›</a:t>
             </a:fld>
@@ -1659,7 +1659,7 @@
     </p:spTree>
     <p:extLst>
       <p:ext uri="{BB962C8B-B14F-4D97-AF65-F5344CB8AC3E}">
-        <p14:creationId xmlns:p14="http://schemas.microsoft.com/office/powerpoint/2010/main" val="3441065786"/>
+        <p14:creationId xmlns:p14="http://schemas.microsoft.com/office/powerpoint/2010/main" val="896939938"/>
       </p:ext>
     </p:extLst>
   </p:cSld>
@@ -1724,9 +1724,9 @@
           <a:bodyPr/>
           <a:lstStyle/>
           <a:p>
-            <a:fld id="{2BCCED57-25DD-474A-969A-916086AE8F09}" type="datetimeFigureOut">
+            <a:fld id="{76757E98-4CC1-4D9D-BA84-48E6EADFF2FE}" type="datetimeFigureOut">
               <a:rPr lang="en-US" smtClean="0"/>
-              <a:t>7/1/2020</a:t>
+              <a:t>7/2/2020</a:t>
             </a:fld>
             <a:endParaRPr lang="en-US"/>
           </a:p>
@@ -1766,7 +1766,7 @@
           <a:bodyPr/>
           <a:lstStyle/>
           <a:p>
-            <a:fld id="{702AED05-60C4-4CDC-82D4-CA73A0F68E64}" type="slidenum">
+            <a:fld id="{DB7E672A-09D5-4C98-92AC-1F531B0CDDA6}" type="slidenum">
               <a:rPr lang="en-US" smtClean="0"/>
               <a:t>‹#›</a:t>
             </a:fld>
@@ -1777,7 +1777,7 @@
     </p:spTree>
     <p:extLst>
       <p:ext uri="{BB962C8B-B14F-4D97-AF65-F5344CB8AC3E}">
-        <p14:creationId xmlns:p14="http://schemas.microsoft.com/office/powerpoint/2010/main" val="3439510665"/>
+        <p14:creationId xmlns:p14="http://schemas.microsoft.com/office/powerpoint/2010/main" val="960802807"/>
       </p:ext>
     </p:extLst>
   </p:cSld>
@@ -1819,9 +1819,9 @@
           <a:bodyPr/>
           <a:lstStyle/>
           <a:p>
-            <a:fld id="{2BCCED57-25DD-474A-969A-916086AE8F09}" type="datetimeFigureOut">
+            <a:fld id="{76757E98-4CC1-4D9D-BA84-48E6EADFF2FE}" type="datetimeFigureOut">
               <a:rPr lang="en-US" smtClean="0"/>
-              <a:t>7/1/2020</a:t>
+              <a:t>7/2/2020</a:t>
             </a:fld>
             <a:endParaRPr lang="en-US"/>
           </a:p>
@@ -1861,7 +1861,7 @@
           <a:bodyPr/>
           <a:lstStyle/>
           <a:p>
-            <a:fld id="{702AED05-60C4-4CDC-82D4-CA73A0F68E64}" type="slidenum">
+            <a:fld id="{DB7E672A-09D5-4C98-92AC-1F531B0CDDA6}" type="slidenum">
               <a:rPr lang="en-US" smtClean="0"/>
               <a:t>‹#›</a:t>
             </a:fld>
@@ -1872,7 +1872,7 @@
     </p:spTree>
     <p:extLst>
       <p:ext uri="{BB962C8B-B14F-4D97-AF65-F5344CB8AC3E}">
-        <p14:creationId xmlns:p14="http://schemas.microsoft.com/office/powerpoint/2010/main" val="1046253232"/>
+        <p14:creationId xmlns:p14="http://schemas.microsoft.com/office/powerpoint/2010/main" val="811217017"/>
       </p:ext>
     </p:extLst>
   </p:cSld>
@@ -1911,15 +1911,15 @@
         </p:nvSpPr>
         <p:spPr>
           <a:xfrm>
-            <a:off x="409397" y="152400"/>
-            <a:ext cx="1916966" cy="533400"/>
+            <a:off x="839789" y="320040"/>
+            <a:ext cx="3932237" cy="1120140"/>
           </a:xfrm>
         </p:spPr>
         <p:txBody>
           <a:bodyPr anchor="b"/>
           <a:lstStyle>
             <a:lvl1pPr>
-              <a:defRPr sz="1067"/>
+              <a:defRPr sz="2240"/>
             </a:lvl1pPr>
           </a:lstStyle>
           <a:p>
@@ -1943,39 +1943,39 @@
         </p:nvSpPr>
         <p:spPr>
           <a:xfrm>
-            <a:off x="2526804" y="329142"/>
-            <a:ext cx="3008948" cy="1624542"/>
+            <a:off x="5183188" y="691198"/>
+            <a:ext cx="6172200" cy="3411538"/>
           </a:xfrm>
         </p:spPr>
         <p:txBody>
           <a:bodyPr/>
           <a:lstStyle>
             <a:lvl1pPr>
-              <a:defRPr sz="1067"/>
+              <a:defRPr sz="2240"/>
             </a:lvl1pPr>
             <a:lvl2pPr>
-              <a:defRPr sz="933"/>
+              <a:defRPr sz="1960"/>
             </a:lvl2pPr>
             <a:lvl3pPr>
-              <a:defRPr sz="800"/>
+              <a:defRPr sz="1680"/>
             </a:lvl3pPr>
             <a:lvl4pPr>
-              <a:defRPr sz="667"/>
+              <a:defRPr sz="1400"/>
             </a:lvl4pPr>
             <a:lvl5pPr>
-              <a:defRPr sz="667"/>
+              <a:defRPr sz="1400"/>
             </a:lvl5pPr>
             <a:lvl6pPr>
-              <a:defRPr sz="667"/>
+              <a:defRPr sz="1400"/>
             </a:lvl6pPr>
             <a:lvl7pPr>
-              <a:defRPr sz="667"/>
+              <a:defRPr sz="1400"/>
             </a:lvl7pPr>
             <a:lvl8pPr>
-              <a:defRPr sz="667"/>
+              <a:defRPr sz="1400"/>
             </a:lvl8pPr>
             <a:lvl9pPr>
-              <a:defRPr sz="667"/>
+              <a:defRPr sz="1400"/>
             </a:lvl9pPr>
           </a:lstStyle>
           <a:p>
@@ -2028,8 +2028,8 @@
         </p:nvSpPr>
         <p:spPr>
           <a:xfrm>
-            <a:off x="409397" y="685800"/>
-            <a:ext cx="1916966" cy="1270529"/>
+            <a:off x="839789" y="1440180"/>
+            <a:ext cx="3932237" cy="2668112"/>
           </a:xfrm>
         </p:spPr>
         <p:txBody>
@@ -2037,39 +2037,39 @@
           <a:lstStyle>
             <a:lvl1pPr marL="0" indent="0">
               <a:buNone/>
-              <a:defRPr sz="533"/>
+              <a:defRPr sz="1120"/>
             </a:lvl1pPr>
-            <a:lvl2pPr marL="152385" indent="0">
+            <a:lvl2pPr marL="320040" indent="0">
               <a:buNone/>
-              <a:defRPr sz="467"/>
+              <a:defRPr sz="980"/>
             </a:lvl2pPr>
-            <a:lvl3pPr marL="304770" indent="0">
+            <a:lvl3pPr marL="640080" indent="0">
               <a:buNone/>
-              <a:defRPr sz="400"/>
+              <a:defRPr sz="840"/>
             </a:lvl3pPr>
-            <a:lvl4pPr marL="457154" indent="0">
+            <a:lvl4pPr marL="960120" indent="0">
               <a:buNone/>
-              <a:defRPr sz="333"/>
+              <a:defRPr sz="700"/>
             </a:lvl4pPr>
-            <a:lvl5pPr marL="609539" indent="0">
+            <a:lvl5pPr marL="1280160" indent="0">
               <a:buNone/>
-              <a:defRPr sz="333"/>
+              <a:defRPr sz="700"/>
             </a:lvl5pPr>
-            <a:lvl6pPr marL="761924" indent="0">
+            <a:lvl6pPr marL="1600200" indent="0">
               <a:buNone/>
-              <a:defRPr sz="333"/>
+              <a:defRPr sz="700"/>
             </a:lvl6pPr>
-            <a:lvl7pPr marL="914309" indent="0">
+            <a:lvl7pPr marL="1920240" indent="0">
               <a:buNone/>
-              <a:defRPr sz="333"/>
+              <a:defRPr sz="700"/>
             </a:lvl7pPr>
-            <a:lvl8pPr marL="1066693" indent="0">
+            <a:lvl8pPr marL="2240280" indent="0">
               <a:buNone/>
-              <a:defRPr sz="333"/>
+              <a:defRPr sz="700"/>
             </a:lvl8pPr>
-            <a:lvl9pPr marL="1219078" indent="0">
+            <a:lvl9pPr marL="2560320" indent="0">
               <a:buNone/>
-              <a:defRPr sz="333"/>
+              <a:defRPr sz="700"/>
             </a:lvl9pPr>
           </a:lstStyle>
           <a:p>
@@ -2096,9 +2096,9 @@
           <a:bodyPr/>
           <a:lstStyle/>
           <a:p>
-            <a:fld id="{2BCCED57-25DD-474A-969A-916086AE8F09}" type="datetimeFigureOut">
+            <a:fld id="{76757E98-4CC1-4D9D-BA84-48E6EADFF2FE}" type="datetimeFigureOut">
               <a:rPr lang="en-US" smtClean="0"/>
-              <a:t>7/1/2020</a:t>
+              <a:t>7/2/2020</a:t>
             </a:fld>
             <a:endParaRPr lang="en-US"/>
           </a:p>
@@ -2138,7 +2138,7 @@
           <a:bodyPr/>
           <a:lstStyle/>
           <a:p>
-            <a:fld id="{702AED05-60C4-4CDC-82D4-CA73A0F68E64}" type="slidenum">
+            <a:fld id="{DB7E672A-09D5-4C98-92AC-1F531B0CDDA6}" type="slidenum">
               <a:rPr lang="en-US" smtClean="0"/>
               <a:t>‹#›</a:t>
             </a:fld>
@@ -2149,7 +2149,7 @@
     </p:spTree>
     <p:extLst>
       <p:ext uri="{BB962C8B-B14F-4D97-AF65-F5344CB8AC3E}">
-        <p14:creationId xmlns:p14="http://schemas.microsoft.com/office/powerpoint/2010/main" val="3080593937"/>
+        <p14:creationId xmlns:p14="http://schemas.microsoft.com/office/powerpoint/2010/main" val="2590744894"/>
       </p:ext>
     </p:extLst>
   </p:cSld>
@@ -2188,15 +2188,15 @@
         </p:nvSpPr>
         <p:spPr>
           <a:xfrm>
-            <a:off x="409397" y="152400"/>
-            <a:ext cx="1916966" cy="533400"/>
+            <a:off x="839789" y="320040"/>
+            <a:ext cx="3932237" cy="1120140"/>
           </a:xfrm>
         </p:spPr>
         <p:txBody>
           <a:bodyPr anchor="b"/>
           <a:lstStyle>
             <a:lvl1pPr>
-              <a:defRPr sz="1067"/>
+              <a:defRPr sz="2240"/>
             </a:lvl1pPr>
           </a:lstStyle>
           <a:p>
@@ -2220,8 +2220,8 @@
         </p:nvSpPr>
         <p:spPr>
           <a:xfrm>
-            <a:off x="2526804" y="329142"/>
-            <a:ext cx="3008948" cy="1624542"/>
+            <a:off x="5183188" y="691198"/>
+            <a:ext cx="6172200" cy="3411538"/>
           </a:xfrm>
         </p:spPr>
         <p:txBody>
@@ -2229,39 +2229,39 @@
           <a:lstStyle>
             <a:lvl1pPr marL="0" indent="0">
               <a:buNone/>
-              <a:defRPr sz="1067"/>
+              <a:defRPr sz="2240"/>
             </a:lvl1pPr>
-            <a:lvl2pPr marL="152385" indent="0">
+            <a:lvl2pPr marL="320040" indent="0">
               <a:buNone/>
-              <a:defRPr sz="933"/>
+              <a:defRPr sz="1960"/>
             </a:lvl2pPr>
-            <a:lvl3pPr marL="304770" indent="0">
+            <a:lvl3pPr marL="640080" indent="0">
               <a:buNone/>
-              <a:defRPr sz="800"/>
+              <a:defRPr sz="1680"/>
             </a:lvl3pPr>
-            <a:lvl4pPr marL="457154" indent="0">
+            <a:lvl4pPr marL="960120" indent="0">
               <a:buNone/>
-              <a:defRPr sz="667"/>
+              <a:defRPr sz="1400"/>
             </a:lvl4pPr>
-            <a:lvl5pPr marL="609539" indent="0">
+            <a:lvl5pPr marL="1280160" indent="0">
               <a:buNone/>
-              <a:defRPr sz="667"/>
+              <a:defRPr sz="1400"/>
             </a:lvl5pPr>
-            <a:lvl6pPr marL="761924" indent="0">
+            <a:lvl6pPr marL="1600200" indent="0">
               <a:buNone/>
-              <a:defRPr sz="667"/>
+              <a:defRPr sz="1400"/>
             </a:lvl6pPr>
-            <a:lvl7pPr marL="914309" indent="0">
+            <a:lvl7pPr marL="1920240" indent="0">
               <a:buNone/>
-              <a:defRPr sz="667"/>
+              <a:defRPr sz="1400"/>
             </a:lvl7pPr>
-            <a:lvl8pPr marL="1066693" indent="0">
+            <a:lvl8pPr marL="2240280" indent="0">
               <a:buNone/>
-              <a:defRPr sz="667"/>
+              <a:defRPr sz="1400"/>
             </a:lvl8pPr>
-            <a:lvl9pPr marL="1219078" indent="0">
+            <a:lvl9pPr marL="2560320" indent="0">
               <a:buNone/>
-              <a:defRPr sz="667"/>
+              <a:defRPr sz="1400"/>
             </a:lvl9pPr>
           </a:lstStyle>
           <a:p>
@@ -2285,8 +2285,8 @@
         </p:nvSpPr>
         <p:spPr>
           <a:xfrm>
-            <a:off x="409397" y="685800"/>
-            <a:ext cx="1916966" cy="1270529"/>
+            <a:off x="839789" y="1440180"/>
+            <a:ext cx="3932237" cy="2668112"/>
           </a:xfrm>
         </p:spPr>
         <p:txBody>
@@ -2294,39 +2294,39 @@
           <a:lstStyle>
             <a:lvl1pPr marL="0" indent="0">
               <a:buNone/>
-              <a:defRPr sz="533"/>
+              <a:defRPr sz="1120"/>
             </a:lvl1pPr>
-            <a:lvl2pPr marL="152385" indent="0">
+            <a:lvl2pPr marL="320040" indent="0">
               <a:buNone/>
-              <a:defRPr sz="467"/>
+              <a:defRPr sz="980"/>
             </a:lvl2pPr>
-            <a:lvl3pPr marL="304770" indent="0">
+            <a:lvl3pPr marL="640080" indent="0">
               <a:buNone/>
-              <a:defRPr sz="400"/>
+              <a:defRPr sz="840"/>
             </a:lvl3pPr>
-            <a:lvl4pPr marL="457154" indent="0">
+            <a:lvl4pPr marL="960120" indent="0">
               <a:buNone/>
-              <a:defRPr sz="333"/>
+              <a:defRPr sz="700"/>
             </a:lvl4pPr>
-            <a:lvl5pPr marL="609539" indent="0">
+            <a:lvl5pPr marL="1280160" indent="0">
               <a:buNone/>
-              <a:defRPr sz="333"/>
+              <a:defRPr sz="700"/>
             </a:lvl5pPr>
-            <a:lvl6pPr marL="761924" indent="0">
+            <a:lvl6pPr marL="1600200" indent="0">
               <a:buNone/>
-              <a:defRPr sz="333"/>
+              <a:defRPr sz="700"/>
             </a:lvl6pPr>
-            <a:lvl7pPr marL="914309" indent="0">
+            <a:lvl7pPr marL="1920240" indent="0">
               <a:buNone/>
-              <a:defRPr sz="333"/>
+              <a:defRPr sz="700"/>
             </a:lvl7pPr>
-            <a:lvl8pPr marL="1066693" indent="0">
+            <a:lvl8pPr marL="2240280" indent="0">
               <a:buNone/>
-              <a:defRPr sz="333"/>
+              <a:defRPr sz="700"/>
             </a:lvl8pPr>
-            <a:lvl9pPr marL="1219078" indent="0">
+            <a:lvl9pPr marL="2560320" indent="0">
               <a:buNone/>
-              <a:defRPr sz="333"/>
+              <a:defRPr sz="700"/>
             </a:lvl9pPr>
           </a:lstStyle>
           <a:p>
@@ -2353,9 +2353,9 @@
           <a:bodyPr/>
           <a:lstStyle/>
           <a:p>
-            <a:fld id="{2BCCED57-25DD-474A-969A-916086AE8F09}" type="datetimeFigureOut">
+            <a:fld id="{76757E98-4CC1-4D9D-BA84-48E6EADFF2FE}" type="datetimeFigureOut">
               <a:rPr lang="en-US" smtClean="0"/>
-              <a:t>7/1/2020</a:t>
+              <a:t>7/2/2020</a:t>
             </a:fld>
             <a:endParaRPr lang="en-US"/>
           </a:p>
@@ -2395,7 +2395,7 @@
           <a:bodyPr/>
           <a:lstStyle/>
           <a:p>
-            <a:fld id="{702AED05-60C4-4CDC-82D4-CA73A0F68E64}" type="slidenum">
+            <a:fld id="{DB7E672A-09D5-4C98-92AC-1F531B0CDDA6}" type="slidenum">
               <a:rPr lang="en-US" smtClean="0"/>
               <a:t>‹#›</a:t>
             </a:fld>
@@ -2406,7 +2406,7 @@
     </p:spTree>
     <p:extLst>
       <p:ext uri="{BB962C8B-B14F-4D97-AF65-F5344CB8AC3E}">
-        <p14:creationId xmlns:p14="http://schemas.microsoft.com/office/powerpoint/2010/main" val="3631482616"/>
+        <p14:creationId xmlns:p14="http://schemas.microsoft.com/office/powerpoint/2010/main" val="1071826381"/>
       </p:ext>
     </p:extLst>
   </p:cSld>
@@ -2450,8 +2450,8 @@
         </p:nvSpPr>
         <p:spPr>
           <a:xfrm>
-            <a:off x="408623" y="121709"/>
-            <a:ext cx="5126355" cy="441854"/>
+            <a:off x="838200" y="255588"/>
+            <a:ext cx="10515600" cy="927894"/>
           </a:xfrm>
           <a:prstGeom prst="rect">
             <a:avLst/>
@@ -2483,8 +2483,8 @@
         </p:nvSpPr>
         <p:spPr>
           <a:xfrm>
-            <a:off x="408623" y="608542"/>
-            <a:ext cx="5126355" cy="1450446"/>
+            <a:off x="838200" y="1277937"/>
+            <a:ext cx="10515600" cy="3045937"/>
           </a:xfrm>
           <a:prstGeom prst="rect">
             <a:avLst/>
@@ -2545,8 +2545,8 @@
         </p:nvSpPr>
         <p:spPr>
           <a:xfrm>
-            <a:off x="408623" y="2118784"/>
-            <a:ext cx="1337310" cy="121708"/>
+            <a:off x="838200" y="4449445"/>
+            <a:ext cx="2743200" cy="255588"/>
           </a:xfrm>
           <a:prstGeom prst="rect">
             <a:avLst/>
@@ -2556,7 +2556,7 @@
           <a:bodyPr vert="horz" lIns="91440" tIns="45720" rIns="91440" bIns="45720" rtlCol="0" anchor="ctr"/>
           <a:lstStyle>
             <a:lvl1pPr algn="l">
-              <a:defRPr sz="400">
+              <a:defRPr sz="840">
                 <a:solidFill>
                   <a:schemeClr val="tx1">
                     <a:tint val="75000"/>
@@ -2566,9 +2566,9 @@
             </a:lvl1pPr>
           </a:lstStyle>
           <a:p>
-            <a:fld id="{2BCCED57-25DD-474A-969A-916086AE8F09}" type="datetimeFigureOut">
+            <a:fld id="{76757E98-4CC1-4D9D-BA84-48E6EADFF2FE}" type="datetimeFigureOut">
               <a:rPr lang="en-US" smtClean="0"/>
-              <a:t>7/1/2020</a:t>
+              <a:t>7/2/2020</a:t>
             </a:fld>
             <a:endParaRPr lang="en-US"/>
           </a:p>
@@ -2586,8 +2586,8 @@
         </p:nvSpPr>
         <p:spPr>
           <a:xfrm>
-            <a:off x="1968818" y="2118784"/>
-            <a:ext cx="2005965" cy="121708"/>
+            <a:off x="4038600" y="4449445"/>
+            <a:ext cx="4114800" cy="255588"/>
           </a:xfrm>
           <a:prstGeom prst="rect">
             <a:avLst/>
@@ -2597,7 +2597,7 @@
           <a:bodyPr vert="horz" lIns="91440" tIns="45720" rIns="91440" bIns="45720" rtlCol="0" anchor="ctr"/>
           <a:lstStyle>
             <a:lvl1pPr algn="ctr">
-              <a:defRPr sz="400">
+              <a:defRPr sz="840">
                 <a:solidFill>
                   <a:schemeClr val="tx1">
                     <a:tint val="75000"/>
@@ -2623,8 +2623,8 @@
         </p:nvSpPr>
         <p:spPr>
           <a:xfrm>
-            <a:off x="4197668" y="2118784"/>
-            <a:ext cx="1337310" cy="121708"/>
+            <a:off x="8610600" y="4449445"/>
+            <a:ext cx="2743200" cy="255588"/>
           </a:xfrm>
           <a:prstGeom prst="rect">
             <a:avLst/>
@@ -2634,7 +2634,7 @@
           <a:bodyPr vert="horz" lIns="91440" tIns="45720" rIns="91440" bIns="45720" rtlCol="0" anchor="ctr"/>
           <a:lstStyle>
             <a:lvl1pPr algn="r">
-              <a:defRPr sz="400">
+              <a:defRPr sz="840">
                 <a:solidFill>
                   <a:schemeClr val="tx1">
                     <a:tint val="75000"/>
@@ -2644,7 +2644,7 @@
             </a:lvl1pPr>
           </a:lstStyle>
           <a:p>
-            <a:fld id="{702AED05-60C4-4CDC-82D4-CA73A0F68E64}" type="slidenum">
+            <a:fld id="{DB7E672A-09D5-4C98-92AC-1F531B0CDDA6}" type="slidenum">
               <a:rPr lang="en-US" smtClean="0"/>
               <a:t>‹#›</a:t>
             </a:fld>
@@ -2655,27 +2655,27 @@
     </p:spTree>
     <p:extLst>
       <p:ext uri="{BB962C8B-B14F-4D97-AF65-F5344CB8AC3E}">
-        <p14:creationId xmlns:p14="http://schemas.microsoft.com/office/powerpoint/2010/main" val="1944524641"/>
+        <p14:creationId xmlns:p14="http://schemas.microsoft.com/office/powerpoint/2010/main" val="3516278727"/>
       </p:ext>
     </p:extLst>
   </p:cSld>
   <p:clrMap bg1="lt1" tx1="dk1" bg2="lt2" tx2="dk2" accent1="accent1" accent2="accent2" accent3="accent3" accent4="accent4" accent5="accent5" accent6="accent6" hlink="hlink" folHlink="folHlink"/>
   <p:sldLayoutIdLst>
-    <p:sldLayoutId id="2147483685" r:id="rId1"/>
-    <p:sldLayoutId id="2147483686" r:id="rId2"/>
-    <p:sldLayoutId id="2147483687" r:id="rId3"/>
-    <p:sldLayoutId id="2147483688" r:id="rId4"/>
-    <p:sldLayoutId id="2147483689" r:id="rId5"/>
-    <p:sldLayoutId id="2147483690" r:id="rId6"/>
-    <p:sldLayoutId id="2147483691" r:id="rId7"/>
-    <p:sldLayoutId id="2147483692" r:id="rId8"/>
-    <p:sldLayoutId id="2147483693" r:id="rId9"/>
-    <p:sldLayoutId id="2147483694" r:id="rId10"/>
-    <p:sldLayoutId id="2147483695" r:id="rId11"/>
+    <p:sldLayoutId id="2147483661" r:id="rId1"/>
+    <p:sldLayoutId id="2147483662" r:id="rId2"/>
+    <p:sldLayoutId id="2147483663" r:id="rId3"/>
+    <p:sldLayoutId id="2147483664" r:id="rId4"/>
+    <p:sldLayoutId id="2147483665" r:id="rId5"/>
+    <p:sldLayoutId id="2147483666" r:id="rId6"/>
+    <p:sldLayoutId id="2147483667" r:id="rId7"/>
+    <p:sldLayoutId id="2147483668" r:id="rId8"/>
+    <p:sldLayoutId id="2147483669" r:id="rId9"/>
+    <p:sldLayoutId id="2147483670" r:id="rId10"/>
+    <p:sldLayoutId id="2147483671" r:id="rId11"/>
   </p:sldLayoutIdLst>
   <p:txStyles>
     <p:titleStyle>
-      <a:lvl1pPr algn="l" defTabSz="304770" rtl="0" eaLnBrk="1" latinLnBrk="0" hangingPunct="1">
+      <a:lvl1pPr algn="l" defTabSz="640080" rtl="0" eaLnBrk="1" latinLnBrk="0" hangingPunct="1">
         <a:lnSpc>
           <a:spcPct val="90000"/>
         </a:lnSpc>
@@ -2683,7 +2683,7 @@
           <a:spcPct val="0"/>
         </a:spcBef>
         <a:buNone/>
-        <a:defRPr sz="1467" kern="1200">
+        <a:defRPr sz="3080" kern="1200">
           <a:solidFill>
             <a:schemeClr val="tx1"/>
           </a:solidFill>
@@ -2694,16 +2694,16 @@
       </a:lvl1pPr>
     </p:titleStyle>
     <p:bodyStyle>
-      <a:lvl1pPr marL="76192" indent="-76192" algn="l" defTabSz="304770" rtl="0" eaLnBrk="1" latinLnBrk="0" hangingPunct="1">
+      <a:lvl1pPr marL="160020" indent="-160020" algn="l" defTabSz="640080" rtl="0" eaLnBrk="1" latinLnBrk="0" hangingPunct="1">
         <a:lnSpc>
           <a:spcPct val="90000"/>
         </a:lnSpc>
         <a:spcBef>
-          <a:spcPts val="333"/>
+          <a:spcPts val="700"/>
         </a:spcBef>
         <a:buFont typeface="Arial" panose="020B0604020202020204" pitchFamily="34" charset="0"/>
         <a:buChar char="•"/>
-        <a:defRPr sz="933" kern="1200">
+        <a:defRPr sz="1960" kern="1200">
           <a:solidFill>
             <a:schemeClr val="tx1"/>
           </a:solidFill>
@@ -2712,16 +2712,16 @@
           <a:cs typeface="+mn-cs"/>
         </a:defRPr>
       </a:lvl1pPr>
-      <a:lvl2pPr marL="228577" indent="-76192" algn="l" defTabSz="304770" rtl="0" eaLnBrk="1" latinLnBrk="0" hangingPunct="1">
+      <a:lvl2pPr marL="480060" indent="-160020" algn="l" defTabSz="640080" rtl="0" eaLnBrk="1" latinLnBrk="0" hangingPunct="1">
         <a:lnSpc>
           <a:spcPct val="90000"/>
         </a:lnSpc>
         <a:spcBef>
-          <a:spcPts val="167"/>
+          <a:spcPts val="350"/>
         </a:spcBef>
         <a:buFont typeface="Arial" panose="020B0604020202020204" pitchFamily="34" charset="0"/>
         <a:buChar char="•"/>
-        <a:defRPr sz="800" kern="1200">
+        <a:defRPr sz="1680" kern="1200">
           <a:solidFill>
             <a:schemeClr val="tx1"/>
           </a:solidFill>
@@ -2730,16 +2730,16 @@
           <a:cs typeface="+mn-cs"/>
         </a:defRPr>
       </a:lvl2pPr>
-      <a:lvl3pPr marL="380962" indent="-76192" algn="l" defTabSz="304770" rtl="0" eaLnBrk="1" latinLnBrk="0" hangingPunct="1">
+      <a:lvl3pPr marL="800100" indent="-160020" algn="l" defTabSz="640080" rtl="0" eaLnBrk="1" latinLnBrk="0" hangingPunct="1">
         <a:lnSpc>
           <a:spcPct val="90000"/>
         </a:lnSpc>
         <a:spcBef>
-          <a:spcPts val="167"/>
+          <a:spcPts val="350"/>
         </a:spcBef>
         <a:buFont typeface="Arial" panose="020B0604020202020204" pitchFamily="34" charset="0"/>
         <a:buChar char="•"/>
-        <a:defRPr sz="667" kern="1200">
+        <a:defRPr sz="1400" kern="1200">
           <a:solidFill>
             <a:schemeClr val="tx1"/>
           </a:solidFill>
@@ -2748,16 +2748,16 @@
           <a:cs typeface="+mn-cs"/>
         </a:defRPr>
       </a:lvl3pPr>
-      <a:lvl4pPr marL="533347" indent="-76192" algn="l" defTabSz="304770" rtl="0" eaLnBrk="1" latinLnBrk="0" hangingPunct="1">
+      <a:lvl4pPr marL="1120140" indent="-160020" algn="l" defTabSz="640080" rtl="0" eaLnBrk="1" latinLnBrk="0" hangingPunct="1">
         <a:lnSpc>
           <a:spcPct val="90000"/>
         </a:lnSpc>
         <a:spcBef>
-          <a:spcPts val="167"/>
+          <a:spcPts val="350"/>
         </a:spcBef>
         <a:buFont typeface="Arial" panose="020B0604020202020204" pitchFamily="34" charset="0"/>
         <a:buChar char="•"/>
-        <a:defRPr sz="600" kern="1200">
+        <a:defRPr sz="1260" kern="1200">
           <a:solidFill>
             <a:schemeClr val="tx1"/>
           </a:solidFill>
@@ -2766,16 +2766,16 @@
           <a:cs typeface="+mn-cs"/>
         </a:defRPr>
       </a:lvl4pPr>
-      <a:lvl5pPr marL="685731" indent="-76192" algn="l" defTabSz="304770" rtl="0" eaLnBrk="1" latinLnBrk="0" hangingPunct="1">
+      <a:lvl5pPr marL="1440180" indent="-160020" algn="l" defTabSz="640080" rtl="0" eaLnBrk="1" latinLnBrk="0" hangingPunct="1">
         <a:lnSpc>
           <a:spcPct val="90000"/>
         </a:lnSpc>
         <a:spcBef>
-          <a:spcPts val="167"/>
+          <a:spcPts val="350"/>
         </a:spcBef>
         <a:buFont typeface="Arial" panose="020B0604020202020204" pitchFamily="34" charset="0"/>
         <a:buChar char="•"/>
-        <a:defRPr sz="600" kern="1200">
+        <a:defRPr sz="1260" kern="1200">
           <a:solidFill>
             <a:schemeClr val="tx1"/>
           </a:solidFill>
@@ -2784,16 +2784,16 @@
           <a:cs typeface="+mn-cs"/>
         </a:defRPr>
       </a:lvl5pPr>
-      <a:lvl6pPr marL="838116" indent="-76192" algn="l" defTabSz="304770" rtl="0" eaLnBrk="1" latinLnBrk="0" hangingPunct="1">
+      <a:lvl6pPr marL="1760220" indent="-160020" algn="l" defTabSz="640080" rtl="0" eaLnBrk="1" latinLnBrk="0" hangingPunct="1">
         <a:lnSpc>
           <a:spcPct val="90000"/>
         </a:lnSpc>
         <a:spcBef>
-          <a:spcPts val="167"/>
+          <a:spcPts val="350"/>
         </a:spcBef>
         <a:buFont typeface="Arial" panose="020B0604020202020204" pitchFamily="34" charset="0"/>
         <a:buChar char="•"/>
-        <a:defRPr sz="600" kern="1200">
+        <a:defRPr sz="1260" kern="1200">
           <a:solidFill>
             <a:schemeClr val="tx1"/>
           </a:solidFill>
@@ -2802,16 +2802,16 @@
           <a:cs typeface="+mn-cs"/>
         </a:defRPr>
       </a:lvl6pPr>
-      <a:lvl7pPr marL="990501" indent="-76192" algn="l" defTabSz="304770" rtl="0" eaLnBrk="1" latinLnBrk="0" hangingPunct="1">
+      <a:lvl7pPr marL="2080260" indent="-160020" algn="l" defTabSz="640080" rtl="0" eaLnBrk="1" latinLnBrk="0" hangingPunct="1">
         <a:lnSpc>
           <a:spcPct val="90000"/>
         </a:lnSpc>
         <a:spcBef>
-          <a:spcPts val="167"/>
+          <a:spcPts val="350"/>
         </a:spcBef>
         <a:buFont typeface="Arial" panose="020B0604020202020204" pitchFamily="34" charset="0"/>
         <a:buChar char="•"/>
-        <a:defRPr sz="600" kern="1200">
+        <a:defRPr sz="1260" kern="1200">
           <a:solidFill>
             <a:schemeClr val="tx1"/>
           </a:solidFill>
@@ -2820,16 +2820,16 @@
           <a:cs typeface="+mn-cs"/>
         </a:defRPr>
       </a:lvl7pPr>
-      <a:lvl8pPr marL="1142886" indent="-76192" algn="l" defTabSz="304770" rtl="0" eaLnBrk="1" latinLnBrk="0" hangingPunct="1">
+      <a:lvl8pPr marL="2400300" indent="-160020" algn="l" defTabSz="640080" rtl="0" eaLnBrk="1" latinLnBrk="0" hangingPunct="1">
         <a:lnSpc>
           <a:spcPct val="90000"/>
         </a:lnSpc>
         <a:spcBef>
-          <a:spcPts val="167"/>
+          <a:spcPts val="350"/>
         </a:spcBef>
         <a:buFont typeface="Arial" panose="020B0604020202020204" pitchFamily="34" charset="0"/>
         <a:buChar char="•"/>
-        <a:defRPr sz="600" kern="1200">
+        <a:defRPr sz="1260" kern="1200">
           <a:solidFill>
             <a:schemeClr val="tx1"/>
           </a:solidFill>
@@ -2838,16 +2838,16 @@
           <a:cs typeface="+mn-cs"/>
         </a:defRPr>
       </a:lvl8pPr>
-      <a:lvl9pPr marL="1295270" indent="-76192" algn="l" defTabSz="304770" rtl="0" eaLnBrk="1" latinLnBrk="0" hangingPunct="1">
+      <a:lvl9pPr marL="2720340" indent="-160020" algn="l" defTabSz="640080" rtl="0" eaLnBrk="1" latinLnBrk="0" hangingPunct="1">
         <a:lnSpc>
           <a:spcPct val="90000"/>
         </a:lnSpc>
         <a:spcBef>
-          <a:spcPts val="167"/>
+          <a:spcPts val="350"/>
         </a:spcBef>
         <a:buFont typeface="Arial" panose="020B0604020202020204" pitchFamily="34" charset="0"/>
         <a:buChar char="•"/>
-        <a:defRPr sz="600" kern="1200">
+        <a:defRPr sz="1260" kern="1200">
           <a:solidFill>
             <a:schemeClr val="tx1"/>
           </a:solidFill>
@@ -2861,8 +2861,8 @@
       <a:defPPr>
         <a:defRPr lang="en-US"/>
       </a:defPPr>
-      <a:lvl1pPr marL="0" algn="l" defTabSz="304770" rtl="0" eaLnBrk="1" latinLnBrk="0" hangingPunct="1">
-        <a:defRPr sz="600" kern="1200">
+      <a:lvl1pPr marL="0" algn="l" defTabSz="640080" rtl="0" eaLnBrk="1" latinLnBrk="0" hangingPunct="1">
+        <a:defRPr sz="1260" kern="1200">
           <a:solidFill>
             <a:schemeClr val="tx1"/>
           </a:solidFill>
@@ -2871,8 +2871,8 @@
           <a:cs typeface="+mn-cs"/>
         </a:defRPr>
       </a:lvl1pPr>
-      <a:lvl2pPr marL="152385" algn="l" defTabSz="304770" rtl="0" eaLnBrk="1" latinLnBrk="0" hangingPunct="1">
-        <a:defRPr sz="600" kern="1200">
+      <a:lvl2pPr marL="320040" algn="l" defTabSz="640080" rtl="0" eaLnBrk="1" latinLnBrk="0" hangingPunct="1">
+        <a:defRPr sz="1260" kern="1200">
           <a:solidFill>
             <a:schemeClr val="tx1"/>
           </a:solidFill>
@@ -2881,8 +2881,8 @@
           <a:cs typeface="+mn-cs"/>
         </a:defRPr>
       </a:lvl2pPr>
-      <a:lvl3pPr marL="304770" algn="l" defTabSz="304770" rtl="0" eaLnBrk="1" latinLnBrk="0" hangingPunct="1">
-        <a:defRPr sz="600" kern="1200">
+      <a:lvl3pPr marL="640080" algn="l" defTabSz="640080" rtl="0" eaLnBrk="1" latinLnBrk="0" hangingPunct="1">
+        <a:defRPr sz="1260" kern="1200">
           <a:solidFill>
             <a:schemeClr val="tx1"/>
           </a:solidFill>
@@ -2891,8 +2891,8 @@
           <a:cs typeface="+mn-cs"/>
         </a:defRPr>
       </a:lvl3pPr>
-      <a:lvl4pPr marL="457154" algn="l" defTabSz="304770" rtl="0" eaLnBrk="1" latinLnBrk="0" hangingPunct="1">
-        <a:defRPr sz="600" kern="1200">
+      <a:lvl4pPr marL="960120" algn="l" defTabSz="640080" rtl="0" eaLnBrk="1" latinLnBrk="0" hangingPunct="1">
+        <a:defRPr sz="1260" kern="1200">
           <a:solidFill>
             <a:schemeClr val="tx1"/>
           </a:solidFill>
@@ -2901,8 +2901,8 @@
           <a:cs typeface="+mn-cs"/>
         </a:defRPr>
       </a:lvl4pPr>
-      <a:lvl5pPr marL="609539" algn="l" defTabSz="304770" rtl="0" eaLnBrk="1" latinLnBrk="0" hangingPunct="1">
-        <a:defRPr sz="600" kern="1200">
+      <a:lvl5pPr marL="1280160" algn="l" defTabSz="640080" rtl="0" eaLnBrk="1" latinLnBrk="0" hangingPunct="1">
+        <a:defRPr sz="1260" kern="1200">
           <a:solidFill>
             <a:schemeClr val="tx1"/>
           </a:solidFill>
@@ -2911,8 +2911,8 @@
           <a:cs typeface="+mn-cs"/>
         </a:defRPr>
       </a:lvl5pPr>
-      <a:lvl6pPr marL="761924" algn="l" defTabSz="304770" rtl="0" eaLnBrk="1" latinLnBrk="0" hangingPunct="1">
-        <a:defRPr sz="600" kern="1200">
+      <a:lvl6pPr marL="1600200" algn="l" defTabSz="640080" rtl="0" eaLnBrk="1" latinLnBrk="0" hangingPunct="1">
+        <a:defRPr sz="1260" kern="1200">
           <a:solidFill>
             <a:schemeClr val="tx1"/>
           </a:solidFill>
@@ -2921,8 +2921,8 @@
           <a:cs typeface="+mn-cs"/>
         </a:defRPr>
       </a:lvl6pPr>
-      <a:lvl7pPr marL="914309" algn="l" defTabSz="304770" rtl="0" eaLnBrk="1" latinLnBrk="0" hangingPunct="1">
-        <a:defRPr sz="600" kern="1200">
+      <a:lvl7pPr marL="1920240" algn="l" defTabSz="640080" rtl="0" eaLnBrk="1" latinLnBrk="0" hangingPunct="1">
+        <a:defRPr sz="1260" kern="1200">
           <a:solidFill>
             <a:schemeClr val="tx1"/>
           </a:solidFill>
@@ -2931,8 +2931,8 @@
           <a:cs typeface="+mn-cs"/>
         </a:defRPr>
       </a:lvl7pPr>
-      <a:lvl8pPr marL="1066693" algn="l" defTabSz="304770" rtl="0" eaLnBrk="1" latinLnBrk="0" hangingPunct="1">
-        <a:defRPr sz="600" kern="1200">
+      <a:lvl8pPr marL="2240280" algn="l" defTabSz="640080" rtl="0" eaLnBrk="1" latinLnBrk="0" hangingPunct="1">
+        <a:defRPr sz="1260" kern="1200">
           <a:solidFill>
             <a:schemeClr val="tx1"/>
           </a:solidFill>
@@ -2941,8 +2941,8 @@
           <a:cs typeface="+mn-cs"/>
         </a:defRPr>
       </a:lvl8pPr>
-      <a:lvl9pPr marL="1219078" algn="l" defTabSz="304770" rtl="0" eaLnBrk="1" latinLnBrk="0" hangingPunct="1">
-        <a:defRPr sz="600" kern="1200">
+      <a:lvl9pPr marL="2560320" algn="l" defTabSz="640080" rtl="0" eaLnBrk="1" latinLnBrk="0" hangingPunct="1">
+        <a:defRPr sz="1260" kern="1200">
           <a:solidFill>
             <a:schemeClr val="tx1"/>
           </a:solidFill>
@@ -2973,12 +2973,161 @@
           <a:chExt cx="0" cy="0"/>
         </a:xfrm>
       </p:grpSpPr>
+      <p:sp>
+        <p:nvSpPr>
+          <p:cNvPr id="146" name="TextBox 145">
+            <a:extLst>
+              <a:ext uri="{FF2B5EF4-FFF2-40B4-BE49-F238E27FC236}">
+                <a16:creationId xmlns:a16="http://schemas.microsoft.com/office/drawing/2014/main" id="{334F9DBE-4BB9-43D3-9CC3-FFCD0DA62A91}"/>
+              </a:ext>
+            </a:extLst>
+          </p:cNvPr>
+          <p:cNvSpPr txBox="1"/>
+          <p:nvPr/>
+        </p:nvSpPr>
+        <p:spPr>
+          <a:xfrm>
+            <a:off x="4205405" y="3633036"/>
+            <a:ext cx="3114675" cy="1527750"/>
+          </a:xfrm>
+          <a:prstGeom prst="rect">
+            <a:avLst/>
+          </a:prstGeom>
+          <a:noFill/>
+          <a:effectLst>
+            <a:softEdge rad="63500"/>
+          </a:effectLst>
+        </p:spPr>
+        <p:txBody>
+          <a:bodyPr wrap="square" rtlCol="0" anchor="ctr">
+            <a:noAutofit/>
+          </a:bodyPr>
+          <a:lstStyle/>
+          <a:p>
+            <a:pPr algn="ctr">
+              <a:lnSpc>
+                <a:spcPct val="85000"/>
+              </a:lnSpc>
+            </a:pPr>
+            <a:r>
+              <a:rPr lang="en-US" sz="3200" dirty="0"/>
+              <a:t>Intermediate</a:t>
+            </a:r>
+            <a:br>
+              <a:rPr lang="en-US" sz="3200" dirty="0"/>
+            </a:br>
+            <a:r>
+              <a:rPr lang="en-US" sz="3200" dirty="0"/>
+              <a:t>Representation</a:t>
+            </a:r>
+          </a:p>
+        </p:txBody>
+      </p:sp>
+      <p:sp>
+        <p:nvSpPr>
+          <p:cNvPr id="148" name="Rectangle 147">
+            <a:extLst>
+              <a:ext uri="{FF2B5EF4-FFF2-40B4-BE49-F238E27FC236}">
+                <a16:creationId xmlns:a16="http://schemas.microsoft.com/office/drawing/2014/main" id="{EE65731F-598F-4DD9-A3F4-78FECE100427}"/>
+              </a:ext>
+            </a:extLst>
+          </p:cNvPr>
+          <p:cNvSpPr/>
+          <p:nvPr/>
+        </p:nvSpPr>
+        <p:spPr>
+          <a:xfrm>
+            <a:off x="2360054" y="3772145"/>
+            <a:ext cx="1491114" cy="1077218"/>
+          </a:xfrm>
+          <a:prstGeom prst="rect">
+            <a:avLst/>
+          </a:prstGeom>
+        </p:spPr>
+        <p:txBody>
+          <a:bodyPr wrap="none">
+            <a:spAutoFit/>
+          </a:bodyPr>
+          <a:lstStyle/>
+          <a:p>
+            <a:pPr algn="ctr"/>
+            <a:r>
+              <a:rPr lang="en-US" sz="3200" dirty="0">
+                <a:solidFill>
+                  <a:prstClr val="black"/>
+                </a:solidFill>
+              </a:rPr>
+              <a:t>Original</a:t>
+            </a:r>
+          </a:p>
+          <a:p>
+            <a:pPr algn="ctr"/>
+            <a:r>
+              <a:rPr lang="en-US" sz="3200" dirty="0">
+                <a:solidFill>
+                  <a:prstClr val="black"/>
+                </a:solidFill>
+              </a:rPr>
+              <a:t>Netlist</a:t>
+            </a:r>
+            <a:endParaRPr lang="en-US" dirty="0"/>
+          </a:p>
+        </p:txBody>
+      </p:sp>
+      <p:sp>
+        <p:nvSpPr>
+          <p:cNvPr id="149" name="Arrow: Right 148">
+            <a:extLst>
+              <a:ext uri="{FF2B5EF4-FFF2-40B4-BE49-F238E27FC236}">
+                <a16:creationId xmlns:a16="http://schemas.microsoft.com/office/drawing/2014/main" id="{C1C679C7-09AC-4186-874C-3AB5BACEF6EC}"/>
+              </a:ext>
+            </a:extLst>
+          </p:cNvPr>
+          <p:cNvSpPr/>
+          <p:nvPr/>
+        </p:nvSpPr>
+        <p:spPr>
+          <a:xfrm>
+            <a:off x="3522663" y="2553232"/>
+            <a:ext cx="1454150" cy="1079500"/>
+          </a:xfrm>
+          <a:prstGeom prst="rightArrow">
+            <a:avLst/>
+          </a:prstGeom>
+          <a:ln w="25400"/>
+        </p:spPr>
+        <p:style>
+          <a:lnRef idx="2">
+            <a:schemeClr val="dk1"/>
+          </a:lnRef>
+          <a:fillRef idx="1">
+            <a:schemeClr val="lt1"/>
+          </a:fillRef>
+          <a:effectRef idx="0">
+            <a:schemeClr val="dk1"/>
+          </a:effectRef>
+          <a:fontRef idx="minor">
+            <a:schemeClr val="dk1"/>
+          </a:fontRef>
+        </p:style>
+        <p:txBody>
+          <a:bodyPr lIns="0" rIns="0" rtlCol="0" anchor="ctr"/>
+          <a:lstStyle/>
+          <a:p>
+            <a:pPr algn="r"/>
+            <a:r>
+              <a:rPr lang="en-US" sz="3200" dirty="0"/>
+              <a:t>Parser</a:t>
+            </a:r>
+          </a:p>
+        </p:txBody>
+      </p:sp>
       <p:grpSp>
         <p:nvGrpSpPr>
-          <p:cNvPr id="78" name="Group 77">
+          <p:cNvPr id="150" name="Graphic 145" descr="Database">
             <a:extLst>
               <a:ext uri="{FF2B5EF4-FFF2-40B4-BE49-F238E27FC236}">
-                <a16:creationId xmlns:a16="http://schemas.microsoft.com/office/drawing/2014/main" id="{54CAD237-3576-4AD7-8B5B-5AD278006E4E}"/>
+                <a16:creationId xmlns:a16="http://schemas.microsoft.com/office/drawing/2014/main" id="{AA1FF2CB-1C60-410B-9E7A-F0FE4E2536E6}"/>
               </a:ext>
             </a:extLst>
           </p:cNvPr>
@@ -2987,988 +3136,21 @@
         </p:nvGrpSpPr>
         <p:grpSpPr>
           <a:xfrm>
-            <a:off x="315342" y="111715"/>
-            <a:ext cx="5312917" cy="2062570"/>
-            <a:chOff x="315342" y="42465"/>
-            <a:chExt cx="5312917" cy="2062570"/>
+            <a:off x="5085700" y="2419798"/>
+            <a:ext cx="1354086" cy="1403986"/>
+            <a:chOff x="3677587" y="3397166"/>
+            <a:chExt cx="1354086" cy="1403986"/>
           </a:xfrm>
+          <a:solidFill>
+            <a:srgbClr val="000000"/>
+          </a:solidFill>
         </p:grpSpPr>
-        <p:grpSp>
-          <p:nvGrpSpPr>
-            <p:cNvPr id="64" name="Group 63">
+        <p:sp>
+          <p:nvSpPr>
+            <p:cNvPr id="231" name="Freeform: Shape 230">
               <a:extLst>
                 <a:ext uri="{FF2B5EF4-FFF2-40B4-BE49-F238E27FC236}">
-                  <a16:creationId xmlns:a16="http://schemas.microsoft.com/office/drawing/2014/main" id="{68AA87A8-A5E6-40D5-B50C-ECE383C2CF43}"/>
-                </a:ext>
-              </a:extLst>
-            </p:cNvPr>
-            <p:cNvGrpSpPr/>
-            <p:nvPr/>
-          </p:nvGrpSpPr>
-          <p:grpSpPr>
-            <a:xfrm>
-              <a:off x="315342" y="42465"/>
-              <a:ext cx="5312917" cy="2062570"/>
-              <a:chOff x="236714" y="318701"/>
-              <a:chExt cx="5312917" cy="2062570"/>
-            </a:xfrm>
-          </p:grpSpPr>
-          <p:cxnSp>
-            <p:nvCxnSpPr>
-              <p:cNvPr id="93" name="Straight Arrow Connector 92">
-                <a:extLst>
-                  <a:ext uri="{FF2B5EF4-FFF2-40B4-BE49-F238E27FC236}">
-                    <a16:creationId xmlns:a16="http://schemas.microsoft.com/office/drawing/2014/main" id="{34151F0A-0833-460E-9BD3-01AAB22C2A78}"/>
-                  </a:ext>
-                </a:extLst>
-              </p:cNvPr>
-              <p:cNvCxnSpPr>
-                <a:cxnSpLocks/>
-                <a:stCxn id="18" idx="0"/>
-                <a:endCxn id="26" idx="3"/>
-              </p:cNvCxnSpPr>
-              <p:nvPr/>
-            </p:nvCxnSpPr>
-            <p:spPr>
-              <a:xfrm flipH="1" flipV="1">
-                <a:off x="815719" y="457201"/>
-                <a:ext cx="1301215" cy="685799"/>
-              </a:xfrm>
-              <a:prstGeom prst="straightConnector1">
-                <a:avLst/>
-              </a:prstGeom>
-              <a:ln w="12700">
-                <a:solidFill>
-                  <a:schemeClr val="tx1"/>
-                </a:solidFill>
-                <a:headEnd type="none" w="med" len="sm"/>
-                <a:tailEnd type="none" w="med" len="sm"/>
-              </a:ln>
-            </p:spPr>
-            <p:style>
-              <a:lnRef idx="1">
-                <a:schemeClr val="accent1"/>
-              </a:lnRef>
-              <a:fillRef idx="0">
-                <a:schemeClr val="accent1"/>
-              </a:fillRef>
-              <a:effectRef idx="0">
-                <a:schemeClr val="accent1"/>
-              </a:effectRef>
-              <a:fontRef idx="minor">
-                <a:schemeClr val="tx1"/>
-              </a:fontRef>
-            </p:style>
-          </p:cxnSp>
-          <p:grpSp>
-            <p:nvGrpSpPr>
-              <p:cNvPr id="32" name="Group 31">
-                <a:extLst>
-                  <a:ext uri="{FF2B5EF4-FFF2-40B4-BE49-F238E27FC236}">
-                    <a16:creationId xmlns:a16="http://schemas.microsoft.com/office/drawing/2014/main" id="{A38D90A5-5AEA-462C-8BD8-DAE5645EDFA8}"/>
-                  </a:ext>
-                </a:extLst>
-              </p:cNvPr>
-              <p:cNvGrpSpPr/>
-              <p:nvPr/>
-            </p:nvGrpSpPr>
-            <p:grpSpPr>
-              <a:xfrm>
-                <a:off x="236714" y="318701"/>
-                <a:ext cx="4656825" cy="2062570"/>
-                <a:chOff x="236714" y="228600"/>
-                <a:chExt cx="4656825" cy="2062570"/>
-              </a:xfrm>
-            </p:grpSpPr>
-            <p:sp>
-              <p:nvSpPr>
-                <p:cNvPr id="26" name="TextBox 25">
-                  <a:extLst>
-                    <a:ext uri="{FF2B5EF4-FFF2-40B4-BE49-F238E27FC236}">
-                      <a16:creationId xmlns:a16="http://schemas.microsoft.com/office/drawing/2014/main" id="{30E56299-AF58-4253-8346-FF6CBBF4D37D}"/>
-                    </a:ext>
-                  </a:extLst>
-                </p:cNvPr>
-                <p:cNvSpPr txBox="1"/>
-                <p:nvPr/>
-              </p:nvSpPr>
-              <p:spPr>
-                <a:xfrm>
-                  <a:off x="296025" y="228600"/>
-                  <a:ext cx="519694" cy="276999"/>
-                </a:xfrm>
-                <a:prstGeom prst="rect">
-                  <a:avLst/>
-                </a:prstGeom>
-                <a:noFill/>
-              </p:spPr>
-              <p:txBody>
-                <a:bodyPr wrap="none" rtlCol="0">
-                  <a:spAutoFit/>
-                </a:bodyPr>
-                <a:lstStyle/>
-                <a:p>
-                  <a:r>
-                    <a:rPr lang="en-US" sz="1200" dirty="0">
-                      <a:latin typeface="CMU Sans Serif" panose="02000603000000000000" pitchFamily="2" charset="0"/>
-                      <a:ea typeface="CMU Sans Serif" panose="02000603000000000000" pitchFamily="2" charset="0"/>
-                      <a:cs typeface="CMU Sans Serif" panose="02000603000000000000" pitchFamily="2" charset="0"/>
-                    </a:rPr>
-                    <a:t>EDIF</a:t>
-                  </a:r>
-                </a:p>
-              </p:txBody>
-            </p:sp>
-            <p:sp>
-              <p:nvSpPr>
-                <p:cNvPr id="27" name="TextBox 26">
-                  <a:extLst>
-                    <a:ext uri="{FF2B5EF4-FFF2-40B4-BE49-F238E27FC236}">
-                      <a16:creationId xmlns:a16="http://schemas.microsoft.com/office/drawing/2014/main" id="{A6AE294C-1522-482B-BCF2-E603A6BD3899}"/>
-                    </a:ext>
-                  </a:extLst>
-                </p:cNvPr>
-                <p:cNvSpPr txBox="1"/>
-                <p:nvPr/>
-              </p:nvSpPr>
-              <p:spPr>
-                <a:xfrm>
-                  <a:off x="259958" y="685800"/>
-                  <a:ext cx="591829" cy="276999"/>
-                </a:xfrm>
-                <a:prstGeom prst="rect">
-                  <a:avLst/>
-                </a:prstGeom>
-                <a:noFill/>
-              </p:spPr>
-              <p:txBody>
-                <a:bodyPr wrap="none" rtlCol="0">
-                  <a:spAutoFit/>
-                </a:bodyPr>
-                <a:lstStyle/>
-                <a:p>
-                  <a:r>
-                    <a:rPr lang="en-US" sz="1200" dirty="0">
-                      <a:latin typeface="CMU Sans Serif" panose="02000603000000000000" pitchFamily="2" charset="0"/>
-                      <a:ea typeface="CMU Sans Serif" panose="02000603000000000000" pitchFamily="2" charset="0"/>
-                      <a:cs typeface="CMU Sans Serif" panose="02000603000000000000" pitchFamily="2" charset="0"/>
-                    </a:rPr>
-                    <a:t>VHDL</a:t>
-                  </a:r>
-                </a:p>
-              </p:txBody>
-            </p:sp>
-            <p:sp>
-              <p:nvSpPr>
-                <p:cNvPr id="28" name="TextBox 27">
-                  <a:extLst>
-                    <a:ext uri="{FF2B5EF4-FFF2-40B4-BE49-F238E27FC236}">
-                      <a16:creationId xmlns:a16="http://schemas.microsoft.com/office/drawing/2014/main" id="{77F6BD5E-D33D-4429-8BBC-5657A0CB10FD}"/>
-                    </a:ext>
-                  </a:extLst>
-                </p:cNvPr>
-                <p:cNvSpPr txBox="1"/>
-                <p:nvPr/>
-              </p:nvSpPr>
-              <p:spPr>
-                <a:xfrm>
-                  <a:off x="236714" y="1143000"/>
-                  <a:ext cx="638316" cy="276999"/>
-                </a:xfrm>
-                <a:prstGeom prst="rect">
-                  <a:avLst/>
-                </a:prstGeom>
-                <a:noFill/>
-              </p:spPr>
-              <p:txBody>
-                <a:bodyPr wrap="none" rtlCol="0">
-                  <a:spAutoFit/>
-                </a:bodyPr>
-                <a:lstStyle/>
-                <a:p>
-                  <a:r>
-                    <a:rPr lang="en-US" sz="1200" dirty="0">
-                      <a:latin typeface="CMU Sans Serif" panose="02000603000000000000" pitchFamily="2" charset="0"/>
-                      <a:ea typeface="CMU Sans Serif" panose="02000603000000000000" pitchFamily="2" charset="0"/>
-                      <a:cs typeface="CMU Sans Serif" panose="02000603000000000000" pitchFamily="2" charset="0"/>
-                    </a:rPr>
-                    <a:t>Verilog</a:t>
-                  </a:r>
-                </a:p>
-              </p:txBody>
-            </p:sp>
-            <p:sp>
-              <p:nvSpPr>
-                <p:cNvPr id="30" name="TextBox 29">
-                  <a:extLst>
-                    <a:ext uri="{FF2B5EF4-FFF2-40B4-BE49-F238E27FC236}">
-                      <a16:creationId xmlns:a16="http://schemas.microsoft.com/office/drawing/2014/main" id="{6AE46A07-DA6C-4756-B004-2AD02F5F5657}"/>
-                    </a:ext>
-                  </a:extLst>
-                </p:cNvPr>
-                <p:cNvSpPr txBox="1"/>
-                <p:nvPr/>
-              </p:nvSpPr>
-              <p:spPr>
-                <a:xfrm>
-                  <a:off x="398617" y="1600200"/>
-                  <a:ext cx="314510" cy="276999"/>
-                </a:xfrm>
-                <a:prstGeom prst="rect">
-                  <a:avLst/>
-                </a:prstGeom>
-                <a:noFill/>
-              </p:spPr>
-              <p:txBody>
-                <a:bodyPr wrap="none" rtlCol="0">
-                  <a:spAutoFit/>
-                </a:bodyPr>
-                <a:lstStyle/>
-                <a:p>
-                  <a:r>
-                    <a:rPr lang="en-US" sz="1200" dirty="0">
-                      <a:latin typeface="CMU Sans Serif" panose="02000603000000000000" pitchFamily="2" charset="0"/>
-                      <a:ea typeface="CMU Sans Serif" panose="02000603000000000000" pitchFamily="2" charset="0"/>
-                      <a:cs typeface="CMU Sans Serif" panose="02000603000000000000" pitchFamily="2" charset="0"/>
-                    </a:rPr>
-                    <a:t>…</a:t>
-                  </a:r>
-                </a:p>
-              </p:txBody>
-            </p:sp>
-            <p:sp>
-              <p:nvSpPr>
-                <p:cNvPr id="112" name="TextBox 111">
-                  <a:extLst>
-                    <a:ext uri="{FF2B5EF4-FFF2-40B4-BE49-F238E27FC236}">
-                      <a16:creationId xmlns:a16="http://schemas.microsoft.com/office/drawing/2014/main" id="{699E95E7-0709-4663-AE32-2739AF00A11B}"/>
-                    </a:ext>
-                  </a:extLst>
-                </p:cNvPr>
-                <p:cNvSpPr txBox="1"/>
-                <p:nvPr/>
-              </p:nvSpPr>
-              <p:spPr>
-                <a:xfrm>
-                  <a:off x="976963" y="2014171"/>
-                  <a:ext cx="651140" cy="276999"/>
-                </a:xfrm>
-                <a:prstGeom prst="rect">
-                  <a:avLst/>
-                </a:prstGeom>
-                <a:noFill/>
-              </p:spPr>
-              <p:txBody>
-                <a:bodyPr wrap="none" rtlCol="0">
-                  <a:spAutoFit/>
-                </a:bodyPr>
-                <a:lstStyle/>
-                <a:p>
-                  <a:pPr algn="ctr"/>
-                  <a:r>
-                    <a:rPr lang="en-US" sz="1200" dirty="0">
-                      <a:latin typeface="CMU Sans Serif" panose="02000603000000000000" pitchFamily="2" charset="0"/>
-                      <a:ea typeface="CMU Sans Serif" panose="02000603000000000000" pitchFamily="2" charset="0"/>
-                      <a:cs typeface="CMU Sans Serif" panose="02000603000000000000" pitchFamily="2" charset="0"/>
-                    </a:rPr>
-                    <a:t>Parsers</a:t>
-                  </a:r>
-                </a:p>
-              </p:txBody>
-            </p:sp>
-            <p:sp>
-              <p:nvSpPr>
-                <p:cNvPr id="113" name="TextBox 112">
-                  <a:extLst>
-                    <a:ext uri="{FF2B5EF4-FFF2-40B4-BE49-F238E27FC236}">
-                      <a16:creationId xmlns:a16="http://schemas.microsoft.com/office/drawing/2014/main" id="{73233252-5890-4D95-A531-243B7928B5B1}"/>
-                    </a:ext>
-                  </a:extLst>
-                </p:cNvPr>
-                <p:cNvSpPr txBox="1"/>
-                <p:nvPr/>
-              </p:nvSpPr>
-              <p:spPr>
-                <a:xfrm>
-                  <a:off x="4074084" y="2014171"/>
-                  <a:ext cx="819455" cy="276999"/>
-                </a:xfrm>
-                <a:prstGeom prst="rect">
-                  <a:avLst/>
-                </a:prstGeom>
-                <a:noFill/>
-              </p:spPr>
-              <p:txBody>
-                <a:bodyPr wrap="none" rtlCol="0">
-                  <a:spAutoFit/>
-                </a:bodyPr>
-                <a:lstStyle/>
-                <a:p>
-                  <a:pPr algn="ctr"/>
-                  <a:r>
-                    <a:rPr lang="en-US" sz="1200" dirty="0">
-                      <a:latin typeface="CMU Sans Serif" panose="02000603000000000000" pitchFamily="2" charset="0"/>
-                      <a:ea typeface="CMU Sans Serif" panose="02000603000000000000" pitchFamily="2" charset="0"/>
-                      <a:cs typeface="CMU Sans Serif" panose="02000603000000000000" pitchFamily="2" charset="0"/>
-                    </a:rPr>
-                    <a:t>Composer</a:t>
-                  </a:r>
-                </a:p>
-              </p:txBody>
-            </p:sp>
-          </p:grpSp>
-          <p:cxnSp>
-            <p:nvCxnSpPr>
-              <p:cNvPr id="37" name="Straight Arrow Connector 36">
-                <a:extLst>
-                  <a:ext uri="{FF2B5EF4-FFF2-40B4-BE49-F238E27FC236}">
-                    <a16:creationId xmlns:a16="http://schemas.microsoft.com/office/drawing/2014/main" id="{1D9B49BC-F032-47F6-90FF-0FB44E5A1B44}"/>
-                  </a:ext>
-                </a:extLst>
-              </p:cNvPr>
-              <p:cNvCxnSpPr>
-                <a:cxnSpLocks/>
-                <a:stCxn id="18" idx="1"/>
-                <a:endCxn id="27" idx="3"/>
-              </p:cNvCxnSpPr>
-              <p:nvPr/>
-            </p:nvCxnSpPr>
-            <p:spPr>
-              <a:xfrm flipH="1" flipV="1">
-                <a:off x="851787" y="914401"/>
-                <a:ext cx="1265146" cy="228599"/>
-              </a:xfrm>
-              <a:prstGeom prst="straightConnector1">
-                <a:avLst/>
-              </a:prstGeom>
-              <a:ln w="12700">
-                <a:solidFill>
-                  <a:schemeClr val="tx1"/>
-                </a:solidFill>
-                <a:headEnd type="none" w="med" len="sm"/>
-                <a:tailEnd type="none" w="med" len="sm"/>
-              </a:ln>
-            </p:spPr>
-            <p:style>
-              <a:lnRef idx="1">
-                <a:schemeClr val="accent1"/>
-              </a:lnRef>
-              <a:fillRef idx="0">
-                <a:schemeClr val="accent1"/>
-              </a:fillRef>
-              <a:effectRef idx="0">
-                <a:schemeClr val="accent1"/>
-              </a:effectRef>
-              <a:fontRef idx="minor">
-                <a:schemeClr val="tx1"/>
-              </a:fontRef>
-            </p:style>
-          </p:cxnSp>
-          <p:cxnSp>
-            <p:nvCxnSpPr>
-              <p:cNvPr id="38" name="Straight Arrow Connector 37">
-                <a:extLst>
-                  <a:ext uri="{FF2B5EF4-FFF2-40B4-BE49-F238E27FC236}">
-                    <a16:creationId xmlns:a16="http://schemas.microsoft.com/office/drawing/2014/main" id="{B9A8ABAD-4217-473F-8D55-D65A2E3B68F3}"/>
-                  </a:ext>
-                </a:extLst>
-              </p:cNvPr>
-              <p:cNvCxnSpPr>
-                <a:cxnSpLocks/>
-                <a:stCxn id="18" idx="1"/>
-                <a:endCxn id="28" idx="3"/>
-              </p:cNvCxnSpPr>
-              <p:nvPr/>
-            </p:nvCxnSpPr>
-            <p:spPr>
-              <a:xfrm flipH="1">
-                <a:off x="875030" y="1143000"/>
-                <a:ext cx="1241903" cy="228601"/>
-              </a:xfrm>
-              <a:prstGeom prst="straightConnector1">
-                <a:avLst/>
-              </a:prstGeom>
-              <a:ln w="12700">
-                <a:solidFill>
-                  <a:schemeClr val="tx1"/>
-                </a:solidFill>
-                <a:headEnd type="none" w="med" len="sm"/>
-                <a:tailEnd type="none" w="med" len="sm"/>
-              </a:ln>
-            </p:spPr>
-            <p:style>
-              <a:lnRef idx="1">
-                <a:schemeClr val="accent1"/>
-              </a:lnRef>
-              <a:fillRef idx="0">
-                <a:schemeClr val="accent1"/>
-              </a:fillRef>
-              <a:effectRef idx="0">
-                <a:schemeClr val="accent1"/>
-              </a:effectRef>
-              <a:fontRef idx="minor">
-                <a:schemeClr val="tx1"/>
-              </a:fontRef>
-            </p:style>
-          </p:cxnSp>
-          <p:cxnSp>
-            <p:nvCxnSpPr>
-              <p:cNvPr id="47" name="Straight Arrow Connector 46">
-                <a:extLst>
-                  <a:ext uri="{FF2B5EF4-FFF2-40B4-BE49-F238E27FC236}">
-                    <a16:creationId xmlns:a16="http://schemas.microsoft.com/office/drawing/2014/main" id="{A23D4BB7-1629-49C3-BA88-08AB80EDF3CA}"/>
-                  </a:ext>
-                </a:extLst>
-              </p:cNvPr>
-              <p:cNvCxnSpPr>
-                <a:cxnSpLocks/>
-                <a:stCxn id="18" idx="0"/>
-                <a:endCxn id="30" idx="3"/>
-              </p:cNvCxnSpPr>
-              <p:nvPr/>
-            </p:nvCxnSpPr>
-            <p:spPr>
-              <a:xfrm flipH="1">
-                <a:off x="713127" y="1143000"/>
-                <a:ext cx="1403807" cy="685801"/>
-              </a:xfrm>
-              <a:prstGeom prst="straightConnector1">
-                <a:avLst/>
-              </a:prstGeom>
-              <a:ln w="12700">
-                <a:solidFill>
-                  <a:schemeClr val="tx1"/>
-                </a:solidFill>
-                <a:headEnd type="none" w="med" len="sm"/>
-                <a:tailEnd type="none" w="med" len="sm"/>
-              </a:ln>
-            </p:spPr>
-            <p:style>
-              <a:lnRef idx="1">
-                <a:schemeClr val="accent1"/>
-              </a:lnRef>
-              <a:fillRef idx="0">
-                <a:schemeClr val="accent1"/>
-              </a:fillRef>
-              <a:effectRef idx="0">
-                <a:schemeClr val="accent1"/>
-              </a:effectRef>
-              <a:fontRef idx="minor">
-                <a:schemeClr val="tx1"/>
-              </a:fontRef>
-            </p:style>
-          </p:cxnSp>
-          <p:sp>
-            <p:nvSpPr>
-              <p:cNvPr id="18" name="Oval 17">
-                <a:extLst>
-                  <a:ext uri="{FF2B5EF4-FFF2-40B4-BE49-F238E27FC236}">
-                    <a16:creationId xmlns:a16="http://schemas.microsoft.com/office/drawing/2014/main" id="{58AC2D6A-F4A5-44A8-A204-43359C9272FF}"/>
-                  </a:ext>
-                </a:extLst>
-              </p:cNvPr>
-              <p:cNvSpPr/>
-              <p:nvPr/>
-            </p:nvSpPr>
-            <p:spPr>
-              <a:xfrm>
-                <a:off x="2116933" y="1143000"/>
-                <a:ext cx="0" cy="0"/>
-              </a:xfrm>
-              <a:prstGeom prst="ellipse">
-                <a:avLst/>
-              </a:prstGeom>
-            </p:spPr>
-            <p:style>
-              <a:lnRef idx="2">
-                <a:schemeClr val="accent1">
-                  <a:shade val="50000"/>
-                </a:schemeClr>
-              </a:lnRef>
-              <a:fillRef idx="1">
-                <a:schemeClr val="accent1"/>
-              </a:fillRef>
-              <a:effectRef idx="0">
-                <a:schemeClr val="accent1"/>
-              </a:effectRef>
-              <a:fontRef idx="minor">
-                <a:schemeClr val="lt1"/>
-              </a:fontRef>
-            </p:style>
-            <p:txBody>
-              <a:bodyPr rtlCol="0" anchor="ctr"/>
-              <a:lstStyle/>
-              <a:p>
-                <a:pPr algn="ctr"/>
-                <a:endParaRPr lang="en-US"/>
-              </a:p>
-            </p:txBody>
-          </p:sp>
-          <p:grpSp>
-            <p:nvGrpSpPr>
-              <p:cNvPr id="66" name="Group 65">
-                <a:extLst>
-                  <a:ext uri="{FF2B5EF4-FFF2-40B4-BE49-F238E27FC236}">
-                    <a16:creationId xmlns:a16="http://schemas.microsoft.com/office/drawing/2014/main" id="{7F1C813A-4E4B-4D98-9C2A-101624EFA689}"/>
-                  </a:ext>
-                </a:extLst>
-              </p:cNvPr>
-              <p:cNvGrpSpPr/>
-              <p:nvPr/>
-            </p:nvGrpSpPr>
-            <p:grpSpPr>
-              <a:xfrm>
-                <a:off x="4911315" y="318701"/>
-                <a:ext cx="638316" cy="1648599"/>
-                <a:chOff x="236714" y="228600"/>
-                <a:chExt cx="638316" cy="1648599"/>
-              </a:xfrm>
-            </p:grpSpPr>
-            <p:sp>
-              <p:nvSpPr>
-                <p:cNvPr id="67" name="TextBox 66">
-                  <a:extLst>
-                    <a:ext uri="{FF2B5EF4-FFF2-40B4-BE49-F238E27FC236}">
-                      <a16:creationId xmlns:a16="http://schemas.microsoft.com/office/drawing/2014/main" id="{722A9060-5019-411D-AD1A-F4729A179C62}"/>
-                    </a:ext>
-                  </a:extLst>
-                </p:cNvPr>
-                <p:cNvSpPr txBox="1"/>
-                <p:nvPr/>
-              </p:nvSpPr>
-              <p:spPr>
-                <a:xfrm>
-                  <a:off x="296025" y="228600"/>
-                  <a:ext cx="519694" cy="276999"/>
-                </a:xfrm>
-                <a:prstGeom prst="rect">
-                  <a:avLst/>
-                </a:prstGeom>
-                <a:noFill/>
-              </p:spPr>
-              <p:txBody>
-                <a:bodyPr wrap="none" rtlCol="0">
-                  <a:spAutoFit/>
-                </a:bodyPr>
-                <a:lstStyle/>
-                <a:p>
-                  <a:r>
-                    <a:rPr lang="en-US" sz="1200" dirty="0">
-                      <a:latin typeface="CMU Sans Serif" panose="02000603000000000000" pitchFamily="2" charset="0"/>
-                      <a:ea typeface="CMU Sans Serif" panose="02000603000000000000" pitchFamily="2" charset="0"/>
-                      <a:cs typeface="CMU Sans Serif" panose="02000603000000000000" pitchFamily="2" charset="0"/>
-                    </a:rPr>
-                    <a:t>EDIF</a:t>
-                  </a:r>
-                </a:p>
-              </p:txBody>
-            </p:sp>
-            <p:sp>
-              <p:nvSpPr>
-                <p:cNvPr id="68" name="TextBox 67">
-                  <a:extLst>
-                    <a:ext uri="{FF2B5EF4-FFF2-40B4-BE49-F238E27FC236}">
-                      <a16:creationId xmlns:a16="http://schemas.microsoft.com/office/drawing/2014/main" id="{95416603-3D67-4549-A95A-3300E7F479E0}"/>
-                    </a:ext>
-                  </a:extLst>
-                </p:cNvPr>
-                <p:cNvSpPr txBox="1"/>
-                <p:nvPr/>
-              </p:nvSpPr>
-              <p:spPr>
-                <a:xfrm>
-                  <a:off x="259958" y="685800"/>
-                  <a:ext cx="591829" cy="276999"/>
-                </a:xfrm>
-                <a:prstGeom prst="rect">
-                  <a:avLst/>
-                </a:prstGeom>
-                <a:noFill/>
-              </p:spPr>
-              <p:txBody>
-                <a:bodyPr wrap="none" rtlCol="0">
-                  <a:spAutoFit/>
-                </a:bodyPr>
-                <a:lstStyle/>
-                <a:p>
-                  <a:r>
-                    <a:rPr lang="en-US" sz="1200" dirty="0">
-                      <a:latin typeface="CMU Sans Serif" panose="02000603000000000000" pitchFamily="2" charset="0"/>
-                      <a:ea typeface="CMU Sans Serif" panose="02000603000000000000" pitchFamily="2" charset="0"/>
-                      <a:cs typeface="CMU Sans Serif" panose="02000603000000000000" pitchFamily="2" charset="0"/>
-                    </a:rPr>
-                    <a:t>VHDL</a:t>
-                  </a:r>
-                </a:p>
-              </p:txBody>
-            </p:sp>
-            <p:sp>
-              <p:nvSpPr>
-                <p:cNvPr id="69" name="TextBox 68">
-                  <a:extLst>
-                    <a:ext uri="{FF2B5EF4-FFF2-40B4-BE49-F238E27FC236}">
-                      <a16:creationId xmlns:a16="http://schemas.microsoft.com/office/drawing/2014/main" id="{F6EF0406-6876-4C00-94A5-44151D86C737}"/>
-                    </a:ext>
-                  </a:extLst>
-                </p:cNvPr>
-                <p:cNvSpPr txBox="1"/>
-                <p:nvPr/>
-              </p:nvSpPr>
-              <p:spPr>
-                <a:xfrm>
-                  <a:off x="236714" y="1143000"/>
-                  <a:ext cx="638316" cy="276999"/>
-                </a:xfrm>
-                <a:prstGeom prst="rect">
-                  <a:avLst/>
-                </a:prstGeom>
-                <a:noFill/>
-              </p:spPr>
-              <p:txBody>
-                <a:bodyPr wrap="none" rtlCol="0">
-                  <a:spAutoFit/>
-                </a:bodyPr>
-                <a:lstStyle/>
-                <a:p>
-                  <a:r>
-                    <a:rPr lang="en-US" sz="1200" dirty="0">
-                      <a:latin typeface="CMU Sans Serif" panose="02000603000000000000" pitchFamily="2" charset="0"/>
-                      <a:ea typeface="CMU Sans Serif" panose="02000603000000000000" pitchFamily="2" charset="0"/>
-                      <a:cs typeface="CMU Sans Serif" panose="02000603000000000000" pitchFamily="2" charset="0"/>
-                    </a:rPr>
-                    <a:t>Verilog</a:t>
-                  </a:r>
-                </a:p>
-              </p:txBody>
-            </p:sp>
-            <p:sp>
-              <p:nvSpPr>
-                <p:cNvPr id="70" name="TextBox 69">
-                  <a:extLst>
-                    <a:ext uri="{FF2B5EF4-FFF2-40B4-BE49-F238E27FC236}">
-                      <a16:creationId xmlns:a16="http://schemas.microsoft.com/office/drawing/2014/main" id="{E67663E8-08CF-4D76-96C2-911900C1E9A1}"/>
-                    </a:ext>
-                  </a:extLst>
-                </p:cNvPr>
-                <p:cNvSpPr txBox="1"/>
-                <p:nvPr/>
-              </p:nvSpPr>
-              <p:spPr>
-                <a:xfrm>
-                  <a:off x="398617" y="1600200"/>
-                  <a:ext cx="314510" cy="276999"/>
-                </a:xfrm>
-                <a:prstGeom prst="rect">
-                  <a:avLst/>
-                </a:prstGeom>
-                <a:noFill/>
-              </p:spPr>
-              <p:txBody>
-                <a:bodyPr wrap="none" rtlCol="0">
-                  <a:spAutoFit/>
-                </a:bodyPr>
-                <a:lstStyle/>
-                <a:p>
-                  <a:r>
-                    <a:rPr lang="en-US" sz="1200" dirty="0">
-                      <a:latin typeface="CMU Sans Serif" panose="02000603000000000000" pitchFamily="2" charset="0"/>
-                      <a:ea typeface="CMU Sans Serif" panose="02000603000000000000" pitchFamily="2" charset="0"/>
-                      <a:cs typeface="CMU Sans Serif" panose="02000603000000000000" pitchFamily="2" charset="0"/>
-                    </a:rPr>
-                    <a:t>…</a:t>
-                  </a:r>
-                </a:p>
-              </p:txBody>
-            </p:sp>
-          </p:grpSp>
-          <p:cxnSp>
-            <p:nvCxnSpPr>
-              <p:cNvPr id="71" name="Straight Arrow Connector 70">
-                <a:extLst>
-                  <a:ext uri="{FF2B5EF4-FFF2-40B4-BE49-F238E27FC236}">
-                    <a16:creationId xmlns:a16="http://schemas.microsoft.com/office/drawing/2014/main" id="{58980E5A-EF3F-4622-901C-7A2E8A8E1D4E}"/>
-                  </a:ext>
-                </a:extLst>
-              </p:cNvPr>
-              <p:cNvCxnSpPr>
-                <a:cxnSpLocks/>
-                <a:stCxn id="75" idx="0"/>
-                <a:endCxn id="67" idx="1"/>
-              </p:cNvCxnSpPr>
-              <p:nvPr/>
-            </p:nvCxnSpPr>
-            <p:spPr>
-              <a:xfrm flipV="1">
-                <a:off x="3658396" y="457201"/>
-                <a:ext cx="1312230" cy="685799"/>
-              </a:xfrm>
-              <a:prstGeom prst="straightConnector1">
-                <a:avLst/>
-              </a:prstGeom>
-              <a:ln w="12700">
-                <a:solidFill>
-                  <a:schemeClr val="tx1"/>
-                </a:solidFill>
-                <a:headEnd type="none" w="med" len="sm"/>
-                <a:tailEnd type="none" w="med" len="sm"/>
-              </a:ln>
-            </p:spPr>
-            <p:style>
-              <a:lnRef idx="1">
-                <a:schemeClr val="accent1"/>
-              </a:lnRef>
-              <a:fillRef idx="0">
-                <a:schemeClr val="accent1"/>
-              </a:fillRef>
-              <a:effectRef idx="0">
-                <a:schemeClr val="accent1"/>
-              </a:effectRef>
-              <a:fontRef idx="minor">
-                <a:schemeClr val="tx1"/>
-              </a:fontRef>
-            </p:style>
-          </p:cxnSp>
-          <p:cxnSp>
-            <p:nvCxnSpPr>
-              <p:cNvPr id="72" name="Straight Arrow Connector 71">
-                <a:extLst>
-                  <a:ext uri="{FF2B5EF4-FFF2-40B4-BE49-F238E27FC236}">
-                    <a16:creationId xmlns:a16="http://schemas.microsoft.com/office/drawing/2014/main" id="{2EDA0251-CF30-4ECC-9C3A-B3E335C61263}"/>
-                  </a:ext>
-                </a:extLst>
-              </p:cNvPr>
-              <p:cNvCxnSpPr>
-                <a:cxnSpLocks/>
-                <a:stCxn id="75" idx="1"/>
-                <a:endCxn id="68" idx="1"/>
-              </p:cNvCxnSpPr>
-              <p:nvPr/>
-            </p:nvCxnSpPr>
-            <p:spPr>
-              <a:xfrm flipV="1">
-                <a:off x="3658395" y="914401"/>
-                <a:ext cx="1276164" cy="228599"/>
-              </a:xfrm>
-              <a:prstGeom prst="straightConnector1">
-                <a:avLst/>
-              </a:prstGeom>
-              <a:ln w="12700">
-                <a:solidFill>
-                  <a:schemeClr val="tx1"/>
-                </a:solidFill>
-                <a:headEnd type="none" w="med" len="sm"/>
-                <a:tailEnd type="none" w="med" len="sm"/>
-              </a:ln>
-            </p:spPr>
-            <p:style>
-              <a:lnRef idx="1">
-                <a:schemeClr val="accent1"/>
-              </a:lnRef>
-              <a:fillRef idx="0">
-                <a:schemeClr val="accent1"/>
-              </a:fillRef>
-              <a:effectRef idx="0">
-                <a:schemeClr val="accent1"/>
-              </a:effectRef>
-              <a:fontRef idx="minor">
-                <a:schemeClr val="tx1"/>
-              </a:fontRef>
-            </p:style>
-          </p:cxnSp>
-          <p:cxnSp>
-            <p:nvCxnSpPr>
-              <p:cNvPr id="73" name="Straight Arrow Connector 72">
-                <a:extLst>
-                  <a:ext uri="{FF2B5EF4-FFF2-40B4-BE49-F238E27FC236}">
-                    <a16:creationId xmlns:a16="http://schemas.microsoft.com/office/drawing/2014/main" id="{34E55CEA-D16E-4B0F-B664-1DC885EA5C6B}"/>
-                  </a:ext>
-                </a:extLst>
-              </p:cNvPr>
-              <p:cNvCxnSpPr>
-                <a:cxnSpLocks/>
-                <a:stCxn id="75" idx="1"/>
-                <a:endCxn id="69" idx="1"/>
-              </p:cNvCxnSpPr>
-              <p:nvPr/>
-            </p:nvCxnSpPr>
-            <p:spPr>
-              <a:xfrm>
-                <a:off x="3658395" y="1143000"/>
-                <a:ext cx="1252920" cy="228601"/>
-              </a:xfrm>
-              <a:prstGeom prst="straightConnector1">
-                <a:avLst/>
-              </a:prstGeom>
-              <a:ln w="12700">
-                <a:solidFill>
-                  <a:schemeClr val="tx1"/>
-                </a:solidFill>
-                <a:headEnd type="none" w="med" len="sm"/>
-                <a:tailEnd type="none" w="med" len="sm"/>
-              </a:ln>
-            </p:spPr>
-            <p:style>
-              <a:lnRef idx="1">
-                <a:schemeClr val="accent1"/>
-              </a:lnRef>
-              <a:fillRef idx="0">
-                <a:schemeClr val="accent1"/>
-              </a:fillRef>
-              <a:effectRef idx="0">
-                <a:schemeClr val="accent1"/>
-              </a:effectRef>
-              <a:fontRef idx="minor">
-                <a:schemeClr val="tx1"/>
-              </a:fontRef>
-            </p:style>
-          </p:cxnSp>
-          <p:cxnSp>
-            <p:nvCxnSpPr>
-              <p:cNvPr id="74" name="Straight Arrow Connector 73">
-                <a:extLst>
-                  <a:ext uri="{FF2B5EF4-FFF2-40B4-BE49-F238E27FC236}">
-                    <a16:creationId xmlns:a16="http://schemas.microsoft.com/office/drawing/2014/main" id="{8909C4A7-A3F2-4FA9-A62B-5A530E96B7C2}"/>
-                  </a:ext>
-                </a:extLst>
-              </p:cNvPr>
-              <p:cNvCxnSpPr>
-                <a:cxnSpLocks/>
-                <a:stCxn id="75" idx="0"/>
-                <a:endCxn id="70" idx="1"/>
-              </p:cNvCxnSpPr>
-              <p:nvPr/>
-            </p:nvCxnSpPr>
-            <p:spPr>
-              <a:xfrm>
-                <a:off x="3658396" y="1143000"/>
-                <a:ext cx="1414822" cy="685801"/>
-              </a:xfrm>
-              <a:prstGeom prst="straightConnector1">
-                <a:avLst/>
-              </a:prstGeom>
-              <a:ln w="12700">
-                <a:solidFill>
-                  <a:schemeClr val="tx1"/>
-                </a:solidFill>
-                <a:headEnd type="none" w="med" len="sm"/>
-                <a:tailEnd type="none" w="med" len="sm"/>
-              </a:ln>
-            </p:spPr>
-            <p:style>
-              <a:lnRef idx="1">
-                <a:schemeClr val="accent1"/>
-              </a:lnRef>
-              <a:fillRef idx="0">
-                <a:schemeClr val="accent1"/>
-              </a:fillRef>
-              <a:effectRef idx="0">
-                <a:schemeClr val="accent1"/>
-              </a:effectRef>
-              <a:fontRef idx="minor">
-                <a:schemeClr val="tx1"/>
-              </a:fontRef>
-            </p:style>
-          </p:cxnSp>
-          <p:sp>
-            <p:nvSpPr>
-              <p:cNvPr id="75" name="Oval 74">
-                <a:extLst>
-                  <a:ext uri="{FF2B5EF4-FFF2-40B4-BE49-F238E27FC236}">
-                    <a16:creationId xmlns:a16="http://schemas.microsoft.com/office/drawing/2014/main" id="{BAE21930-6968-4898-AD88-AFFF2CD01693}"/>
-                  </a:ext>
-                </a:extLst>
-              </p:cNvPr>
-              <p:cNvSpPr/>
-              <p:nvPr/>
-            </p:nvSpPr>
-            <p:spPr>
-              <a:xfrm>
-                <a:off x="3658395" y="1143000"/>
-                <a:ext cx="0" cy="0"/>
-              </a:xfrm>
-              <a:prstGeom prst="ellipse">
-                <a:avLst/>
-              </a:prstGeom>
-            </p:spPr>
-            <p:style>
-              <a:lnRef idx="2">
-                <a:schemeClr val="accent1">
-                  <a:shade val="50000"/>
-                </a:schemeClr>
-              </a:lnRef>
-              <a:fillRef idx="1">
-                <a:schemeClr val="accent1"/>
-              </a:fillRef>
-              <a:effectRef idx="0">
-                <a:schemeClr val="accent1"/>
-              </a:effectRef>
-              <a:fontRef idx="minor">
-                <a:schemeClr val="lt1"/>
-              </a:fontRef>
-            </p:style>
-            <p:txBody>
-              <a:bodyPr rtlCol="0" anchor="ctr"/>
-              <a:lstStyle/>
-              <a:p>
-                <a:pPr algn="ctr"/>
-                <a:endParaRPr lang="en-US"/>
-              </a:p>
-            </p:txBody>
-          </p:sp>
-          <p:sp>
-            <p:nvSpPr>
-              <p:cNvPr id="33" name="TextBox 32">
-                <a:extLst>
-                  <a:ext uri="{FF2B5EF4-FFF2-40B4-BE49-F238E27FC236}">
-                    <a16:creationId xmlns:a16="http://schemas.microsoft.com/office/drawing/2014/main" id="{2C0F46F2-21E7-4D3A-B5CA-37CA425DC841}"/>
-                  </a:ext>
-                </a:extLst>
-              </p:cNvPr>
-              <p:cNvSpPr txBox="1"/>
-              <p:nvPr/>
-            </p:nvSpPr>
-            <p:spPr>
-              <a:xfrm>
-                <a:off x="1891937" y="1004501"/>
-                <a:ext cx="2002471" cy="276999"/>
-              </a:xfrm>
-              <a:prstGeom prst="rect">
-                <a:avLst/>
-              </a:prstGeom>
-              <a:solidFill>
-                <a:schemeClr val="bg1"/>
-              </a:solidFill>
-              <a:ln>
-                <a:solidFill>
-                  <a:schemeClr val="tx1"/>
-                </a:solidFill>
-              </a:ln>
-              <a:effectLst/>
-            </p:spPr>
-            <p:txBody>
-              <a:bodyPr wrap="none" rtlCol="0">
-                <a:spAutoFit/>
-              </a:bodyPr>
-              <a:lstStyle/>
-              <a:p>
-                <a:r>
-                  <a:rPr lang="en-US" sz="1200" dirty="0">
-                    <a:latin typeface="CMU Sans Serif" panose="02000603000000000000" pitchFamily="2" charset="0"/>
-                    <a:ea typeface="CMU Sans Serif" panose="02000603000000000000" pitchFamily="2" charset="0"/>
-                    <a:cs typeface="CMU Sans Serif" panose="02000603000000000000" pitchFamily="2" charset="0"/>
-                  </a:rPr>
-                  <a:t>Intermediate Representation</a:t>
-                </a:r>
-              </a:p>
-            </p:txBody>
-          </p:sp>
-        </p:grpSp>
-        <p:sp>
-          <p:nvSpPr>
-            <p:cNvPr id="65" name="Left Brace 64">
-              <a:extLst>
-                <a:ext uri="{FF2B5EF4-FFF2-40B4-BE49-F238E27FC236}">
-                  <a16:creationId xmlns:a16="http://schemas.microsoft.com/office/drawing/2014/main" id="{BB02FC02-225D-4A59-A300-892E44579C86}"/>
+                  <a16:creationId xmlns:a16="http://schemas.microsoft.com/office/drawing/2014/main" id="{1FFCA9F1-C52A-46B1-BAA1-B78084F151BC}"/>
                 </a:ext>
               </a:extLst>
             </p:cNvPr>
@@ -3976,17 +3158,1148 @@
             <p:nvPr/>
           </p:nvSpPr>
           <p:spPr>
-            <a:xfrm rot="16200000">
-              <a:off x="1321724" y="1165375"/>
-              <a:ext cx="118872" cy="1178810"/>
+            <a:xfrm>
+              <a:off x="3677587" y="3397166"/>
+              <a:ext cx="1354086" cy="295575"/>
             </a:xfrm>
-            <a:prstGeom prst="leftBrace">
-              <a:avLst>
-                <a:gd name="adj1" fmla="val 48077"/>
-                <a:gd name="adj2" fmla="val 50000"/>
-              </a:avLst>
+            <a:custGeom>
+              <a:avLst/>
+              <a:gdLst>
+                <a:gd name="connsiteX0" fmla="*/ 1354086 w 1354086"/>
+                <a:gd name="connsiteY0" fmla="*/ 147788 h 295575"/>
+                <a:gd name="connsiteX1" fmla="*/ 677043 w 1354086"/>
+                <a:gd name="connsiteY1" fmla="*/ 295576 h 295575"/>
+                <a:gd name="connsiteX2" fmla="*/ 0 w 1354086"/>
+                <a:gd name="connsiteY2" fmla="*/ 147788 h 295575"/>
+                <a:gd name="connsiteX3" fmla="*/ 677043 w 1354086"/>
+                <a:gd name="connsiteY3" fmla="*/ 0 h 295575"/>
+                <a:gd name="connsiteX4" fmla="*/ 1354086 w 1354086"/>
+                <a:gd name="connsiteY4" fmla="*/ 147788 h 295575"/>
+              </a:gdLst>
+              <a:ahLst/>
+              <a:cxnLst>
+                <a:cxn ang="0">
+                  <a:pos x="connsiteX0" y="connsiteY0"/>
+                </a:cxn>
+                <a:cxn ang="0">
+                  <a:pos x="connsiteX1" y="connsiteY1"/>
+                </a:cxn>
+                <a:cxn ang="0">
+                  <a:pos x="connsiteX2" y="connsiteY2"/>
+                </a:cxn>
+                <a:cxn ang="0">
+                  <a:pos x="connsiteX3" y="connsiteY3"/>
+                </a:cxn>
+                <a:cxn ang="0">
+                  <a:pos x="connsiteX4" y="connsiteY4"/>
+                </a:cxn>
+              </a:cxnLst>
+              <a:rect l="l" t="t" r="r" b="b"/>
+              <a:pathLst>
+                <a:path w="1354086" h="295575">
+                  <a:moveTo>
+                    <a:pt x="1354086" y="147788"/>
+                  </a:moveTo>
+                  <a:cubicBezTo>
+                    <a:pt x="1354086" y="229409"/>
+                    <a:pt x="1050964" y="295576"/>
+                    <a:pt x="677043" y="295576"/>
+                  </a:cubicBezTo>
+                  <a:cubicBezTo>
+                    <a:pt x="303123" y="295576"/>
+                    <a:pt x="0" y="229409"/>
+                    <a:pt x="0" y="147788"/>
+                  </a:cubicBezTo>
+                  <a:cubicBezTo>
+                    <a:pt x="0" y="66167"/>
+                    <a:pt x="303123" y="0"/>
+                    <a:pt x="677043" y="0"/>
+                  </a:cubicBezTo>
+                  <a:cubicBezTo>
+                    <a:pt x="1050964" y="0"/>
+                    <a:pt x="1354086" y="66167"/>
+                    <a:pt x="1354086" y="147788"/>
+                  </a:cubicBezTo>
+                  <a:close/>
+                </a:path>
+              </a:pathLst>
+            </a:custGeom>
+            <a:solidFill>
+              <a:srgbClr val="000000"/>
+            </a:solidFill>
+            <a:ln w="24110" cap="flat">
+              <a:noFill/>
+              <a:prstDash val="solid"/>
+              <a:miter/>
+            </a:ln>
+          </p:spPr>
+          <p:txBody>
+            <a:bodyPr rtlCol="0" anchor="ctr"/>
+            <a:lstStyle/>
+            <a:p>
+              <a:endParaRPr lang="en-US"/>
+            </a:p>
+          </p:txBody>
+        </p:sp>
+        <p:sp>
+          <p:nvSpPr>
+            <p:cNvPr id="232" name="Freeform: Shape 231">
+              <a:extLst>
+                <a:ext uri="{FF2B5EF4-FFF2-40B4-BE49-F238E27FC236}">
+                  <a16:creationId xmlns:a16="http://schemas.microsoft.com/office/drawing/2014/main" id="{0803846D-162D-42BC-83F6-16962C1CF925}"/>
+                </a:ext>
+              </a:extLst>
+            </p:cNvPr>
+            <p:cNvSpPr/>
+            <p:nvPr/>
+          </p:nvSpPr>
+          <p:spPr>
+            <a:xfrm>
+              <a:off x="3677587" y="3618849"/>
+              <a:ext cx="1354086" cy="443364"/>
+            </a:xfrm>
+            <a:custGeom>
+              <a:avLst/>
+              <a:gdLst>
+                <a:gd name="connsiteX0" fmla="*/ 1160646 w 1354086"/>
+                <a:gd name="connsiteY0" fmla="*/ 295576 h 443363"/>
+                <a:gd name="connsiteX1" fmla="*/ 1112285 w 1354086"/>
+                <a:gd name="connsiteY1" fmla="*/ 258629 h 443363"/>
+                <a:gd name="connsiteX2" fmla="*/ 1160646 w 1354086"/>
+                <a:gd name="connsiteY2" fmla="*/ 221682 h 443363"/>
+                <a:gd name="connsiteX3" fmla="*/ 1209006 w 1354086"/>
+                <a:gd name="connsiteY3" fmla="*/ 258629 h 443363"/>
+                <a:gd name="connsiteX4" fmla="*/ 1160646 w 1354086"/>
+                <a:gd name="connsiteY4" fmla="*/ 295576 h 443363"/>
+                <a:gd name="connsiteX5" fmla="*/ 677043 w 1354086"/>
+                <a:gd name="connsiteY5" fmla="*/ 147788 h 443363"/>
+                <a:gd name="connsiteX6" fmla="*/ 0 w 1354086"/>
+                <a:gd name="connsiteY6" fmla="*/ 0 h 443363"/>
+                <a:gd name="connsiteX7" fmla="*/ 0 w 1354086"/>
+                <a:gd name="connsiteY7" fmla="*/ 295576 h 443363"/>
+                <a:gd name="connsiteX8" fmla="*/ 677043 w 1354086"/>
+                <a:gd name="connsiteY8" fmla="*/ 443364 h 443363"/>
+                <a:gd name="connsiteX9" fmla="*/ 1354086 w 1354086"/>
+                <a:gd name="connsiteY9" fmla="*/ 295576 h 443363"/>
+                <a:gd name="connsiteX10" fmla="*/ 1354086 w 1354086"/>
+                <a:gd name="connsiteY10" fmla="*/ 0 h 443363"/>
+                <a:gd name="connsiteX11" fmla="*/ 677043 w 1354086"/>
+                <a:gd name="connsiteY11" fmla="*/ 147788 h 443363"/>
+                <a:gd name="connsiteX0" fmla="*/ 1209006 w 1354086"/>
+                <a:gd name="connsiteY0" fmla="*/ 258629 h 443364"/>
+                <a:gd name="connsiteX1" fmla="*/ 1112285 w 1354086"/>
+                <a:gd name="connsiteY1" fmla="*/ 258629 h 443364"/>
+                <a:gd name="connsiteX2" fmla="*/ 1160646 w 1354086"/>
+                <a:gd name="connsiteY2" fmla="*/ 221682 h 443364"/>
+                <a:gd name="connsiteX3" fmla="*/ 1209006 w 1354086"/>
+                <a:gd name="connsiteY3" fmla="*/ 258629 h 443364"/>
+                <a:gd name="connsiteX4" fmla="*/ 677043 w 1354086"/>
+                <a:gd name="connsiteY4" fmla="*/ 147788 h 443364"/>
+                <a:gd name="connsiteX5" fmla="*/ 0 w 1354086"/>
+                <a:gd name="connsiteY5" fmla="*/ 0 h 443364"/>
+                <a:gd name="connsiteX6" fmla="*/ 0 w 1354086"/>
+                <a:gd name="connsiteY6" fmla="*/ 295576 h 443364"/>
+                <a:gd name="connsiteX7" fmla="*/ 677043 w 1354086"/>
+                <a:gd name="connsiteY7" fmla="*/ 443364 h 443364"/>
+                <a:gd name="connsiteX8" fmla="*/ 1354086 w 1354086"/>
+                <a:gd name="connsiteY8" fmla="*/ 295576 h 443364"/>
+                <a:gd name="connsiteX9" fmla="*/ 1354086 w 1354086"/>
+                <a:gd name="connsiteY9" fmla="*/ 0 h 443364"/>
+                <a:gd name="connsiteX10" fmla="*/ 677043 w 1354086"/>
+                <a:gd name="connsiteY10" fmla="*/ 147788 h 443364"/>
+                <a:gd name="connsiteX0" fmla="*/ 1160646 w 1354086"/>
+                <a:gd name="connsiteY0" fmla="*/ 221682 h 443364"/>
+                <a:gd name="connsiteX1" fmla="*/ 1112285 w 1354086"/>
+                <a:gd name="connsiteY1" fmla="*/ 258629 h 443364"/>
+                <a:gd name="connsiteX2" fmla="*/ 1160646 w 1354086"/>
+                <a:gd name="connsiteY2" fmla="*/ 221682 h 443364"/>
+                <a:gd name="connsiteX3" fmla="*/ 677043 w 1354086"/>
+                <a:gd name="connsiteY3" fmla="*/ 147788 h 443364"/>
+                <a:gd name="connsiteX4" fmla="*/ 0 w 1354086"/>
+                <a:gd name="connsiteY4" fmla="*/ 0 h 443364"/>
+                <a:gd name="connsiteX5" fmla="*/ 0 w 1354086"/>
+                <a:gd name="connsiteY5" fmla="*/ 295576 h 443364"/>
+                <a:gd name="connsiteX6" fmla="*/ 677043 w 1354086"/>
+                <a:gd name="connsiteY6" fmla="*/ 443364 h 443364"/>
+                <a:gd name="connsiteX7" fmla="*/ 1354086 w 1354086"/>
+                <a:gd name="connsiteY7" fmla="*/ 295576 h 443364"/>
+                <a:gd name="connsiteX8" fmla="*/ 1354086 w 1354086"/>
+                <a:gd name="connsiteY8" fmla="*/ 0 h 443364"/>
+                <a:gd name="connsiteX9" fmla="*/ 677043 w 1354086"/>
+                <a:gd name="connsiteY9" fmla="*/ 147788 h 443364"/>
+                <a:gd name="connsiteX0" fmla="*/ 677043 w 1354086"/>
+                <a:gd name="connsiteY0" fmla="*/ 147788 h 443364"/>
+                <a:gd name="connsiteX1" fmla="*/ 0 w 1354086"/>
+                <a:gd name="connsiteY1" fmla="*/ 0 h 443364"/>
+                <a:gd name="connsiteX2" fmla="*/ 0 w 1354086"/>
+                <a:gd name="connsiteY2" fmla="*/ 295576 h 443364"/>
+                <a:gd name="connsiteX3" fmla="*/ 677043 w 1354086"/>
+                <a:gd name="connsiteY3" fmla="*/ 443364 h 443364"/>
+                <a:gd name="connsiteX4" fmla="*/ 1354086 w 1354086"/>
+                <a:gd name="connsiteY4" fmla="*/ 295576 h 443364"/>
+                <a:gd name="connsiteX5" fmla="*/ 1354086 w 1354086"/>
+                <a:gd name="connsiteY5" fmla="*/ 0 h 443364"/>
+                <a:gd name="connsiteX6" fmla="*/ 677043 w 1354086"/>
+                <a:gd name="connsiteY6" fmla="*/ 147788 h 443364"/>
+              </a:gdLst>
+              <a:ahLst/>
+              <a:cxnLst>
+                <a:cxn ang="0">
+                  <a:pos x="connsiteX0" y="connsiteY0"/>
+                </a:cxn>
+                <a:cxn ang="0">
+                  <a:pos x="connsiteX1" y="connsiteY1"/>
+                </a:cxn>
+                <a:cxn ang="0">
+                  <a:pos x="connsiteX2" y="connsiteY2"/>
+                </a:cxn>
+                <a:cxn ang="0">
+                  <a:pos x="connsiteX3" y="connsiteY3"/>
+                </a:cxn>
+                <a:cxn ang="0">
+                  <a:pos x="connsiteX4" y="connsiteY4"/>
+                </a:cxn>
+                <a:cxn ang="0">
+                  <a:pos x="connsiteX5" y="connsiteY5"/>
+                </a:cxn>
+                <a:cxn ang="0">
+                  <a:pos x="connsiteX6" y="connsiteY6"/>
+                </a:cxn>
+              </a:cxnLst>
+              <a:rect l="l" t="t" r="r" b="b"/>
+              <a:pathLst>
+                <a:path w="1354086" h="443364">
+                  <a:moveTo>
+                    <a:pt x="677043" y="147788"/>
+                  </a:moveTo>
+                  <a:cubicBezTo>
+                    <a:pt x="304669" y="147788"/>
+                    <a:pt x="0" y="81283"/>
+                    <a:pt x="0" y="0"/>
+                  </a:cubicBezTo>
+                  <a:lnTo>
+                    <a:pt x="0" y="295576"/>
+                  </a:lnTo>
+                  <a:cubicBezTo>
+                    <a:pt x="0" y="376859"/>
+                    <a:pt x="304669" y="443364"/>
+                    <a:pt x="677043" y="443364"/>
+                  </a:cubicBezTo>
+                  <a:cubicBezTo>
+                    <a:pt x="1049417" y="443364"/>
+                    <a:pt x="1354086" y="376859"/>
+                    <a:pt x="1354086" y="295576"/>
+                  </a:cubicBezTo>
+                  <a:lnTo>
+                    <a:pt x="1354086" y="0"/>
+                  </a:lnTo>
+                  <a:cubicBezTo>
+                    <a:pt x="1354086" y="81283"/>
+                    <a:pt x="1049417" y="147788"/>
+                    <a:pt x="677043" y="147788"/>
+                  </a:cubicBezTo>
+                  <a:close/>
+                </a:path>
+              </a:pathLst>
+            </a:custGeom>
+            <a:solidFill>
+              <a:srgbClr val="000000"/>
+            </a:solidFill>
+            <a:ln w="24110" cap="flat">
+              <a:noFill/>
+              <a:prstDash val="solid"/>
+              <a:miter/>
+            </a:ln>
+          </p:spPr>
+          <p:txBody>
+            <a:bodyPr rtlCol="0" anchor="ctr"/>
+            <a:lstStyle/>
+            <a:p>
+              <a:endParaRPr lang="en-US"/>
+            </a:p>
+          </p:txBody>
+        </p:sp>
+        <p:sp>
+          <p:nvSpPr>
+            <p:cNvPr id="233" name="Freeform: Shape 232">
+              <a:extLst>
+                <a:ext uri="{FF2B5EF4-FFF2-40B4-BE49-F238E27FC236}">
+                  <a16:creationId xmlns:a16="http://schemas.microsoft.com/office/drawing/2014/main" id="{6A550174-D08C-4103-939D-8FD20450B702}"/>
+                </a:ext>
+              </a:extLst>
+            </p:cNvPr>
+            <p:cNvSpPr/>
+            <p:nvPr/>
+          </p:nvSpPr>
+          <p:spPr>
+            <a:xfrm>
+              <a:off x="3677587" y="3988319"/>
+              <a:ext cx="1354086" cy="443364"/>
+            </a:xfrm>
+            <a:custGeom>
+              <a:avLst/>
+              <a:gdLst>
+                <a:gd name="connsiteX0" fmla="*/ 1160646 w 1354086"/>
+                <a:gd name="connsiteY0" fmla="*/ 295576 h 443363"/>
+                <a:gd name="connsiteX1" fmla="*/ 1112285 w 1354086"/>
+                <a:gd name="connsiteY1" fmla="*/ 258629 h 443363"/>
+                <a:gd name="connsiteX2" fmla="*/ 1160646 w 1354086"/>
+                <a:gd name="connsiteY2" fmla="*/ 221682 h 443363"/>
+                <a:gd name="connsiteX3" fmla="*/ 1209006 w 1354086"/>
+                <a:gd name="connsiteY3" fmla="*/ 258629 h 443363"/>
+                <a:gd name="connsiteX4" fmla="*/ 1160646 w 1354086"/>
+                <a:gd name="connsiteY4" fmla="*/ 295576 h 443363"/>
+                <a:gd name="connsiteX5" fmla="*/ 677043 w 1354086"/>
+                <a:gd name="connsiteY5" fmla="*/ 147788 h 443363"/>
+                <a:gd name="connsiteX6" fmla="*/ 0 w 1354086"/>
+                <a:gd name="connsiteY6" fmla="*/ 0 h 443363"/>
+                <a:gd name="connsiteX7" fmla="*/ 0 w 1354086"/>
+                <a:gd name="connsiteY7" fmla="*/ 295576 h 443363"/>
+                <a:gd name="connsiteX8" fmla="*/ 677043 w 1354086"/>
+                <a:gd name="connsiteY8" fmla="*/ 443364 h 443363"/>
+                <a:gd name="connsiteX9" fmla="*/ 1354086 w 1354086"/>
+                <a:gd name="connsiteY9" fmla="*/ 295576 h 443363"/>
+                <a:gd name="connsiteX10" fmla="*/ 1354086 w 1354086"/>
+                <a:gd name="connsiteY10" fmla="*/ 0 h 443363"/>
+                <a:gd name="connsiteX11" fmla="*/ 677043 w 1354086"/>
+                <a:gd name="connsiteY11" fmla="*/ 147788 h 443363"/>
+                <a:gd name="connsiteX0" fmla="*/ 1209006 w 1354086"/>
+                <a:gd name="connsiteY0" fmla="*/ 258629 h 443364"/>
+                <a:gd name="connsiteX1" fmla="*/ 1112285 w 1354086"/>
+                <a:gd name="connsiteY1" fmla="*/ 258629 h 443364"/>
+                <a:gd name="connsiteX2" fmla="*/ 1160646 w 1354086"/>
+                <a:gd name="connsiteY2" fmla="*/ 221682 h 443364"/>
+                <a:gd name="connsiteX3" fmla="*/ 1209006 w 1354086"/>
+                <a:gd name="connsiteY3" fmla="*/ 258629 h 443364"/>
+                <a:gd name="connsiteX4" fmla="*/ 677043 w 1354086"/>
+                <a:gd name="connsiteY4" fmla="*/ 147788 h 443364"/>
+                <a:gd name="connsiteX5" fmla="*/ 0 w 1354086"/>
+                <a:gd name="connsiteY5" fmla="*/ 0 h 443364"/>
+                <a:gd name="connsiteX6" fmla="*/ 0 w 1354086"/>
+                <a:gd name="connsiteY6" fmla="*/ 295576 h 443364"/>
+                <a:gd name="connsiteX7" fmla="*/ 677043 w 1354086"/>
+                <a:gd name="connsiteY7" fmla="*/ 443364 h 443364"/>
+                <a:gd name="connsiteX8" fmla="*/ 1354086 w 1354086"/>
+                <a:gd name="connsiteY8" fmla="*/ 295576 h 443364"/>
+                <a:gd name="connsiteX9" fmla="*/ 1354086 w 1354086"/>
+                <a:gd name="connsiteY9" fmla="*/ 0 h 443364"/>
+                <a:gd name="connsiteX10" fmla="*/ 677043 w 1354086"/>
+                <a:gd name="connsiteY10" fmla="*/ 147788 h 443364"/>
+                <a:gd name="connsiteX0" fmla="*/ 1160646 w 1354086"/>
+                <a:gd name="connsiteY0" fmla="*/ 221682 h 443364"/>
+                <a:gd name="connsiteX1" fmla="*/ 1112285 w 1354086"/>
+                <a:gd name="connsiteY1" fmla="*/ 258629 h 443364"/>
+                <a:gd name="connsiteX2" fmla="*/ 1160646 w 1354086"/>
+                <a:gd name="connsiteY2" fmla="*/ 221682 h 443364"/>
+                <a:gd name="connsiteX3" fmla="*/ 677043 w 1354086"/>
+                <a:gd name="connsiteY3" fmla="*/ 147788 h 443364"/>
+                <a:gd name="connsiteX4" fmla="*/ 0 w 1354086"/>
+                <a:gd name="connsiteY4" fmla="*/ 0 h 443364"/>
+                <a:gd name="connsiteX5" fmla="*/ 0 w 1354086"/>
+                <a:gd name="connsiteY5" fmla="*/ 295576 h 443364"/>
+                <a:gd name="connsiteX6" fmla="*/ 677043 w 1354086"/>
+                <a:gd name="connsiteY6" fmla="*/ 443364 h 443364"/>
+                <a:gd name="connsiteX7" fmla="*/ 1354086 w 1354086"/>
+                <a:gd name="connsiteY7" fmla="*/ 295576 h 443364"/>
+                <a:gd name="connsiteX8" fmla="*/ 1354086 w 1354086"/>
+                <a:gd name="connsiteY8" fmla="*/ 0 h 443364"/>
+                <a:gd name="connsiteX9" fmla="*/ 677043 w 1354086"/>
+                <a:gd name="connsiteY9" fmla="*/ 147788 h 443364"/>
+                <a:gd name="connsiteX0" fmla="*/ 677043 w 1354086"/>
+                <a:gd name="connsiteY0" fmla="*/ 147788 h 443364"/>
+                <a:gd name="connsiteX1" fmla="*/ 0 w 1354086"/>
+                <a:gd name="connsiteY1" fmla="*/ 0 h 443364"/>
+                <a:gd name="connsiteX2" fmla="*/ 0 w 1354086"/>
+                <a:gd name="connsiteY2" fmla="*/ 295576 h 443364"/>
+                <a:gd name="connsiteX3" fmla="*/ 677043 w 1354086"/>
+                <a:gd name="connsiteY3" fmla="*/ 443364 h 443364"/>
+                <a:gd name="connsiteX4" fmla="*/ 1354086 w 1354086"/>
+                <a:gd name="connsiteY4" fmla="*/ 295576 h 443364"/>
+                <a:gd name="connsiteX5" fmla="*/ 1354086 w 1354086"/>
+                <a:gd name="connsiteY5" fmla="*/ 0 h 443364"/>
+                <a:gd name="connsiteX6" fmla="*/ 677043 w 1354086"/>
+                <a:gd name="connsiteY6" fmla="*/ 147788 h 443364"/>
+              </a:gdLst>
+              <a:ahLst/>
+              <a:cxnLst>
+                <a:cxn ang="0">
+                  <a:pos x="connsiteX0" y="connsiteY0"/>
+                </a:cxn>
+                <a:cxn ang="0">
+                  <a:pos x="connsiteX1" y="connsiteY1"/>
+                </a:cxn>
+                <a:cxn ang="0">
+                  <a:pos x="connsiteX2" y="connsiteY2"/>
+                </a:cxn>
+                <a:cxn ang="0">
+                  <a:pos x="connsiteX3" y="connsiteY3"/>
+                </a:cxn>
+                <a:cxn ang="0">
+                  <a:pos x="connsiteX4" y="connsiteY4"/>
+                </a:cxn>
+                <a:cxn ang="0">
+                  <a:pos x="connsiteX5" y="connsiteY5"/>
+                </a:cxn>
+                <a:cxn ang="0">
+                  <a:pos x="connsiteX6" y="connsiteY6"/>
+                </a:cxn>
+              </a:cxnLst>
+              <a:rect l="l" t="t" r="r" b="b"/>
+              <a:pathLst>
+                <a:path w="1354086" h="443364">
+                  <a:moveTo>
+                    <a:pt x="677043" y="147788"/>
+                  </a:moveTo>
+                  <a:cubicBezTo>
+                    <a:pt x="304669" y="147788"/>
+                    <a:pt x="0" y="81283"/>
+                    <a:pt x="0" y="0"/>
+                  </a:cubicBezTo>
+                  <a:lnTo>
+                    <a:pt x="0" y="295576"/>
+                  </a:lnTo>
+                  <a:cubicBezTo>
+                    <a:pt x="0" y="376859"/>
+                    <a:pt x="304669" y="443364"/>
+                    <a:pt x="677043" y="443364"/>
+                  </a:cubicBezTo>
+                  <a:cubicBezTo>
+                    <a:pt x="1049417" y="443364"/>
+                    <a:pt x="1354086" y="376859"/>
+                    <a:pt x="1354086" y="295576"/>
+                  </a:cubicBezTo>
+                  <a:lnTo>
+                    <a:pt x="1354086" y="0"/>
+                  </a:lnTo>
+                  <a:cubicBezTo>
+                    <a:pt x="1354086" y="81283"/>
+                    <a:pt x="1049417" y="147788"/>
+                    <a:pt x="677043" y="147788"/>
+                  </a:cubicBezTo>
+                  <a:close/>
+                </a:path>
+              </a:pathLst>
+            </a:custGeom>
+            <a:solidFill>
+              <a:srgbClr val="000000"/>
+            </a:solidFill>
+            <a:ln w="24110" cap="flat">
+              <a:noFill/>
+              <a:prstDash val="solid"/>
+              <a:miter/>
+            </a:ln>
+          </p:spPr>
+          <p:txBody>
+            <a:bodyPr rtlCol="0" anchor="ctr"/>
+            <a:lstStyle/>
+            <a:p>
+              <a:endParaRPr lang="en-US"/>
+            </a:p>
+          </p:txBody>
+        </p:sp>
+        <p:sp>
+          <p:nvSpPr>
+            <p:cNvPr id="234" name="Freeform: Shape 233">
+              <a:extLst>
+                <a:ext uri="{FF2B5EF4-FFF2-40B4-BE49-F238E27FC236}">
+                  <a16:creationId xmlns:a16="http://schemas.microsoft.com/office/drawing/2014/main" id="{DC037B51-00CE-4297-970A-5FF31F4F305F}"/>
+                </a:ext>
+              </a:extLst>
+            </p:cNvPr>
+            <p:cNvSpPr/>
+            <p:nvPr/>
+          </p:nvSpPr>
+          <p:spPr>
+            <a:xfrm>
+              <a:off x="3677587" y="4357788"/>
+              <a:ext cx="1354086" cy="443364"/>
+            </a:xfrm>
+            <a:custGeom>
+              <a:avLst/>
+              <a:gdLst>
+                <a:gd name="connsiteX0" fmla="*/ 1160646 w 1354086"/>
+                <a:gd name="connsiteY0" fmla="*/ 295576 h 443363"/>
+                <a:gd name="connsiteX1" fmla="*/ 1112285 w 1354086"/>
+                <a:gd name="connsiteY1" fmla="*/ 258629 h 443363"/>
+                <a:gd name="connsiteX2" fmla="*/ 1160646 w 1354086"/>
+                <a:gd name="connsiteY2" fmla="*/ 221682 h 443363"/>
+                <a:gd name="connsiteX3" fmla="*/ 1209006 w 1354086"/>
+                <a:gd name="connsiteY3" fmla="*/ 258629 h 443363"/>
+                <a:gd name="connsiteX4" fmla="*/ 1160646 w 1354086"/>
+                <a:gd name="connsiteY4" fmla="*/ 295576 h 443363"/>
+                <a:gd name="connsiteX5" fmla="*/ 677043 w 1354086"/>
+                <a:gd name="connsiteY5" fmla="*/ 147788 h 443363"/>
+                <a:gd name="connsiteX6" fmla="*/ 0 w 1354086"/>
+                <a:gd name="connsiteY6" fmla="*/ 0 h 443363"/>
+                <a:gd name="connsiteX7" fmla="*/ 0 w 1354086"/>
+                <a:gd name="connsiteY7" fmla="*/ 295576 h 443363"/>
+                <a:gd name="connsiteX8" fmla="*/ 677043 w 1354086"/>
+                <a:gd name="connsiteY8" fmla="*/ 443364 h 443363"/>
+                <a:gd name="connsiteX9" fmla="*/ 1354086 w 1354086"/>
+                <a:gd name="connsiteY9" fmla="*/ 295576 h 443363"/>
+                <a:gd name="connsiteX10" fmla="*/ 1354086 w 1354086"/>
+                <a:gd name="connsiteY10" fmla="*/ 0 h 443363"/>
+                <a:gd name="connsiteX11" fmla="*/ 677043 w 1354086"/>
+                <a:gd name="connsiteY11" fmla="*/ 147788 h 443363"/>
+                <a:gd name="connsiteX0" fmla="*/ 1160646 w 1354086"/>
+                <a:gd name="connsiteY0" fmla="*/ 295576 h 443364"/>
+                <a:gd name="connsiteX1" fmla="*/ 1112285 w 1354086"/>
+                <a:gd name="connsiteY1" fmla="*/ 258629 h 443364"/>
+                <a:gd name="connsiteX2" fmla="*/ 1160646 w 1354086"/>
+                <a:gd name="connsiteY2" fmla="*/ 221682 h 443364"/>
+                <a:gd name="connsiteX3" fmla="*/ 1160646 w 1354086"/>
+                <a:gd name="connsiteY3" fmla="*/ 295576 h 443364"/>
+                <a:gd name="connsiteX4" fmla="*/ 677043 w 1354086"/>
+                <a:gd name="connsiteY4" fmla="*/ 147788 h 443364"/>
+                <a:gd name="connsiteX5" fmla="*/ 0 w 1354086"/>
+                <a:gd name="connsiteY5" fmla="*/ 0 h 443364"/>
+                <a:gd name="connsiteX6" fmla="*/ 0 w 1354086"/>
+                <a:gd name="connsiteY6" fmla="*/ 295576 h 443364"/>
+                <a:gd name="connsiteX7" fmla="*/ 677043 w 1354086"/>
+                <a:gd name="connsiteY7" fmla="*/ 443364 h 443364"/>
+                <a:gd name="connsiteX8" fmla="*/ 1354086 w 1354086"/>
+                <a:gd name="connsiteY8" fmla="*/ 295576 h 443364"/>
+                <a:gd name="connsiteX9" fmla="*/ 1354086 w 1354086"/>
+                <a:gd name="connsiteY9" fmla="*/ 0 h 443364"/>
+                <a:gd name="connsiteX10" fmla="*/ 677043 w 1354086"/>
+                <a:gd name="connsiteY10" fmla="*/ 147788 h 443364"/>
+                <a:gd name="connsiteX0" fmla="*/ 1160646 w 1354086"/>
+                <a:gd name="connsiteY0" fmla="*/ 295576 h 443364"/>
+                <a:gd name="connsiteX1" fmla="*/ 1112285 w 1354086"/>
+                <a:gd name="connsiteY1" fmla="*/ 258629 h 443364"/>
+                <a:gd name="connsiteX2" fmla="*/ 1160646 w 1354086"/>
+                <a:gd name="connsiteY2" fmla="*/ 295576 h 443364"/>
+                <a:gd name="connsiteX3" fmla="*/ 677043 w 1354086"/>
+                <a:gd name="connsiteY3" fmla="*/ 147788 h 443364"/>
+                <a:gd name="connsiteX4" fmla="*/ 0 w 1354086"/>
+                <a:gd name="connsiteY4" fmla="*/ 0 h 443364"/>
+                <a:gd name="connsiteX5" fmla="*/ 0 w 1354086"/>
+                <a:gd name="connsiteY5" fmla="*/ 295576 h 443364"/>
+                <a:gd name="connsiteX6" fmla="*/ 677043 w 1354086"/>
+                <a:gd name="connsiteY6" fmla="*/ 443364 h 443364"/>
+                <a:gd name="connsiteX7" fmla="*/ 1354086 w 1354086"/>
+                <a:gd name="connsiteY7" fmla="*/ 295576 h 443364"/>
+                <a:gd name="connsiteX8" fmla="*/ 1354086 w 1354086"/>
+                <a:gd name="connsiteY8" fmla="*/ 0 h 443364"/>
+                <a:gd name="connsiteX9" fmla="*/ 677043 w 1354086"/>
+                <a:gd name="connsiteY9" fmla="*/ 147788 h 443364"/>
+                <a:gd name="connsiteX0" fmla="*/ 677043 w 1354086"/>
+                <a:gd name="connsiteY0" fmla="*/ 147788 h 443364"/>
+                <a:gd name="connsiteX1" fmla="*/ 0 w 1354086"/>
+                <a:gd name="connsiteY1" fmla="*/ 0 h 443364"/>
+                <a:gd name="connsiteX2" fmla="*/ 0 w 1354086"/>
+                <a:gd name="connsiteY2" fmla="*/ 295576 h 443364"/>
+                <a:gd name="connsiteX3" fmla="*/ 677043 w 1354086"/>
+                <a:gd name="connsiteY3" fmla="*/ 443364 h 443364"/>
+                <a:gd name="connsiteX4" fmla="*/ 1354086 w 1354086"/>
+                <a:gd name="connsiteY4" fmla="*/ 295576 h 443364"/>
+                <a:gd name="connsiteX5" fmla="*/ 1354086 w 1354086"/>
+                <a:gd name="connsiteY5" fmla="*/ 0 h 443364"/>
+                <a:gd name="connsiteX6" fmla="*/ 677043 w 1354086"/>
+                <a:gd name="connsiteY6" fmla="*/ 147788 h 443364"/>
+              </a:gdLst>
+              <a:ahLst/>
+              <a:cxnLst>
+                <a:cxn ang="0">
+                  <a:pos x="connsiteX0" y="connsiteY0"/>
+                </a:cxn>
+                <a:cxn ang="0">
+                  <a:pos x="connsiteX1" y="connsiteY1"/>
+                </a:cxn>
+                <a:cxn ang="0">
+                  <a:pos x="connsiteX2" y="connsiteY2"/>
+                </a:cxn>
+                <a:cxn ang="0">
+                  <a:pos x="connsiteX3" y="connsiteY3"/>
+                </a:cxn>
+                <a:cxn ang="0">
+                  <a:pos x="connsiteX4" y="connsiteY4"/>
+                </a:cxn>
+                <a:cxn ang="0">
+                  <a:pos x="connsiteX5" y="connsiteY5"/>
+                </a:cxn>
+                <a:cxn ang="0">
+                  <a:pos x="connsiteX6" y="connsiteY6"/>
+                </a:cxn>
+              </a:cxnLst>
+              <a:rect l="l" t="t" r="r" b="b"/>
+              <a:pathLst>
+                <a:path w="1354086" h="443364">
+                  <a:moveTo>
+                    <a:pt x="677043" y="147788"/>
+                  </a:moveTo>
+                  <a:cubicBezTo>
+                    <a:pt x="304669" y="147788"/>
+                    <a:pt x="0" y="81283"/>
+                    <a:pt x="0" y="0"/>
+                  </a:cubicBezTo>
+                  <a:lnTo>
+                    <a:pt x="0" y="295576"/>
+                  </a:lnTo>
+                  <a:cubicBezTo>
+                    <a:pt x="0" y="376859"/>
+                    <a:pt x="304669" y="443364"/>
+                    <a:pt x="677043" y="443364"/>
+                  </a:cubicBezTo>
+                  <a:cubicBezTo>
+                    <a:pt x="1049417" y="443364"/>
+                    <a:pt x="1354086" y="376859"/>
+                    <a:pt x="1354086" y="295576"/>
+                  </a:cubicBezTo>
+                  <a:lnTo>
+                    <a:pt x="1354086" y="0"/>
+                  </a:lnTo>
+                  <a:cubicBezTo>
+                    <a:pt x="1354086" y="81283"/>
+                    <a:pt x="1049417" y="147788"/>
+                    <a:pt x="677043" y="147788"/>
+                  </a:cubicBezTo>
+                  <a:close/>
+                </a:path>
+              </a:pathLst>
+            </a:custGeom>
+            <a:solidFill>
+              <a:srgbClr val="000000"/>
+            </a:solidFill>
+            <a:ln w="24110" cap="flat">
+              <a:noFill/>
+              <a:prstDash val="solid"/>
+              <a:miter/>
+            </a:ln>
+          </p:spPr>
+          <p:txBody>
+            <a:bodyPr rtlCol="0" anchor="ctr"/>
+            <a:lstStyle/>
+            <a:p>
+              <a:endParaRPr lang="en-US"/>
+            </a:p>
+          </p:txBody>
+        </p:sp>
+      </p:grpSp>
+      <p:sp>
+        <p:nvSpPr>
+          <p:cNvPr id="151" name="Arrow: Right 150">
+            <a:extLst>
+              <a:ext uri="{FF2B5EF4-FFF2-40B4-BE49-F238E27FC236}">
+                <a16:creationId xmlns:a16="http://schemas.microsoft.com/office/drawing/2014/main" id="{2957ACFE-AD1B-47C3-BF72-0A575DE48146}"/>
+              </a:ext>
+            </a:extLst>
+          </p:cNvPr>
+          <p:cNvSpPr/>
+          <p:nvPr/>
+        </p:nvSpPr>
+        <p:spPr>
+          <a:xfrm>
+            <a:off x="6599238" y="2553232"/>
+            <a:ext cx="2066925" cy="1079500"/>
+          </a:xfrm>
+          <a:prstGeom prst="rightArrow">
+            <a:avLst/>
+          </a:prstGeom>
+          <a:ln w="25400"/>
+        </p:spPr>
+        <p:style>
+          <a:lnRef idx="2">
+            <a:schemeClr val="dk1"/>
+          </a:lnRef>
+          <a:fillRef idx="1">
+            <a:schemeClr val="lt1"/>
+          </a:fillRef>
+          <a:effectRef idx="0">
+            <a:schemeClr val="dk1"/>
+          </a:effectRef>
+          <a:fontRef idx="minor">
+            <a:schemeClr val="dk1"/>
+          </a:fontRef>
+        </p:style>
+        <p:txBody>
+          <a:bodyPr lIns="91440" rIns="0" rtlCol="0" anchor="ctr"/>
+          <a:lstStyle/>
+          <a:p>
+            <a:r>
+              <a:rPr lang="en-US" sz="3200" dirty="0"/>
+              <a:t>Composer</a:t>
+            </a:r>
+          </a:p>
+        </p:txBody>
+      </p:sp>
+      <p:sp>
+        <p:nvSpPr>
+          <p:cNvPr id="152" name="Rectangle 151">
+            <a:extLst>
+              <a:ext uri="{FF2B5EF4-FFF2-40B4-BE49-F238E27FC236}">
+                <a16:creationId xmlns:a16="http://schemas.microsoft.com/office/drawing/2014/main" id="{C5E8E4F0-A5BF-4C94-97F0-D304B8387EA9}"/>
+              </a:ext>
+            </a:extLst>
+          </p:cNvPr>
+          <p:cNvSpPr/>
+          <p:nvPr/>
+        </p:nvSpPr>
+        <p:spPr>
+          <a:xfrm>
+            <a:off x="8384080" y="3783100"/>
+            <a:ext cx="1702710" cy="1077218"/>
+          </a:xfrm>
+          <a:prstGeom prst="rect">
+            <a:avLst/>
+          </a:prstGeom>
+        </p:spPr>
+        <p:txBody>
+          <a:bodyPr wrap="none">
+            <a:spAutoFit/>
+          </a:bodyPr>
+          <a:lstStyle/>
+          <a:p>
+            <a:pPr algn="ctr"/>
+            <a:r>
+              <a:rPr lang="en-US" sz="3200" dirty="0">
+                <a:solidFill>
+                  <a:prstClr val="black"/>
+                </a:solidFill>
+              </a:rPr>
+              <a:t>Modified</a:t>
+            </a:r>
+          </a:p>
+          <a:p>
+            <a:pPr algn="ctr"/>
+            <a:r>
+              <a:rPr lang="en-US" sz="3200" dirty="0">
+                <a:solidFill>
+                  <a:prstClr val="black"/>
+                </a:solidFill>
+              </a:rPr>
+              <a:t>Netlist</a:t>
+            </a:r>
+            <a:endParaRPr lang="en-US" dirty="0"/>
+          </a:p>
+        </p:txBody>
+      </p:sp>
+      <p:sp>
+        <p:nvSpPr>
+          <p:cNvPr id="153" name="Flowchart: Process 152">
+            <a:extLst>
+              <a:ext uri="{FF2B5EF4-FFF2-40B4-BE49-F238E27FC236}">
+                <a16:creationId xmlns:a16="http://schemas.microsoft.com/office/drawing/2014/main" id="{0D6F696C-52D6-4E90-B5FC-114575B64A40}"/>
+              </a:ext>
+            </a:extLst>
+          </p:cNvPr>
+          <p:cNvSpPr/>
+          <p:nvPr/>
+        </p:nvSpPr>
+        <p:spPr>
+          <a:xfrm>
+            <a:off x="2398549" y="46218"/>
+            <a:ext cx="2841790" cy="1849789"/>
+          </a:xfrm>
+          <a:prstGeom prst="flowChartProcess">
+            <a:avLst/>
+          </a:prstGeom>
+          <a:ln w="25400"/>
+        </p:spPr>
+        <p:style>
+          <a:lnRef idx="2">
+            <a:schemeClr val="dk1"/>
+          </a:lnRef>
+          <a:fillRef idx="1">
+            <a:schemeClr val="lt1"/>
+          </a:fillRef>
+          <a:effectRef idx="0">
+            <a:schemeClr val="dk1"/>
+          </a:effectRef>
+          <a:fontRef idx="minor">
+            <a:schemeClr val="dk1"/>
+          </a:fontRef>
+        </p:style>
+        <p:txBody>
+          <a:bodyPr rtlCol="0" anchor="t"/>
+          <a:lstStyle/>
+          <a:p>
+            <a:pPr algn="ctr"/>
+            <a:r>
+              <a:rPr lang="en-US" sz="3200" dirty="0"/>
+              <a:t>Analysis</a:t>
+            </a:r>
+          </a:p>
+          <a:p>
+            <a:pPr marL="341313" indent="-231775">
+              <a:buFont typeface="Arial" panose="020B0604020202020204" pitchFamily="34" charset="0"/>
+              <a:buChar char="•"/>
+            </a:pPr>
+            <a:r>
+              <a:rPr lang="en-US" sz="2400" dirty="0"/>
+              <a:t>Connectivity</a:t>
+            </a:r>
+          </a:p>
+          <a:p>
+            <a:pPr marL="341313" indent="-231775">
+              <a:buFont typeface="Arial" panose="020B0604020202020204" pitchFamily="34" charset="0"/>
+              <a:buChar char="•"/>
+            </a:pPr>
+            <a:r>
+              <a:rPr lang="en-US" sz="2400" dirty="0"/>
+              <a:t>Clock Domains</a:t>
+            </a:r>
+          </a:p>
+          <a:p>
+            <a:pPr marL="341313" indent="-231775">
+              <a:buFont typeface="Arial" panose="020B0604020202020204" pitchFamily="34" charset="0"/>
+              <a:buChar char="•"/>
+            </a:pPr>
+            <a:r>
+              <a:rPr lang="en-US" sz="2400" dirty="0"/>
+              <a:t>Utilization, etc.</a:t>
+            </a:r>
+          </a:p>
+          <a:p>
+            <a:pPr marL="231775" indent="-231775">
+              <a:buFont typeface="Arial" panose="020B0604020202020204" pitchFamily="34" charset="0"/>
+              <a:buChar char="•"/>
+            </a:pPr>
+            <a:endParaRPr lang="en-US" sz="3200" dirty="0"/>
+          </a:p>
+        </p:txBody>
+      </p:sp>
+      <p:sp>
+        <p:nvSpPr>
+          <p:cNvPr id="154" name="Flowchart: Process 153">
+            <a:extLst>
+              <a:ext uri="{FF2B5EF4-FFF2-40B4-BE49-F238E27FC236}">
+                <a16:creationId xmlns:a16="http://schemas.microsoft.com/office/drawing/2014/main" id="{0C0AAF2B-5744-4D34-80D5-2DBC5BE32B81}"/>
+              </a:ext>
+            </a:extLst>
+          </p:cNvPr>
+          <p:cNvSpPr/>
+          <p:nvPr/>
+        </p:nvSpPr>
+        <p:spPr>
+          <a:xfrm>
+            <a:off x="5944553" y="46218"/>
+            <a:ext cx="4078920" cy="1849789"/>
+          </a:xfrm>
+          <a:prstGeom prst="flowChartProcess">
+            <a:avLst/>
+          </a:prstGeom>
+          <a:ln w="25400"/>
+        </p:spPr>
+        <p:style>
+          <a:lnRef idx="2">
+            <a:schemeClr val="dk1"/>
+          </a:lnRef>
+          <a:fillRef idx="1">
+            <a:schemeClr val="lt1"/>
+          </a:fillRef>
+          <a:effectRef idx="0">
+            <a:schemeClr val="dk1"/>
+          </a:effectRef>
+          <a:fontRef idx="minor">
+            <a:schemeClr val="dk1"/>
+          </a:fontRef>
+        </p:style>
+        <p:txBody>
+          <a:bodyPr rtlCol="0" anchor="t"/>
+          <a:lstStyle/>
+          <a:p>
+            <a:pPr algn="ctr"/>
+            <a:r>
+              <a:rPr lang="en-US" sz="3200" dirty="0"/>
+              <a:t>Transformation</a:t>
+            </a:r>
+          </a:p>
+          <a:p>
+            <a:pPr marL="341313" indent="-231775">
+              <a:buFont typeface="Arial" panose="020B0604020202020204" pitchFamily="34" charset="0"/>
+              <a:buChar char="•"/>
+            </a:pPr>
+            <a:r>
+              <a:rPr lang="en-US" sz="2400" dirty="0"/>
+              <a:t>Triple Modular Redundancy</a:t>
+            </a:r>
+          </a:p>
+          <a:p>
+            <a:pPr marL="341313" indent="-231775">
+              <a:buFont typeface="Arial" panose="020B0604020202020204" pitchFamily="34" charset="0"/>
+              <a:buChar char="•"/>
+            </a:pPr>
+            <a:r>
+              <a:rPr lang="en-US" sz="2400" dirty="0"/>
+              <a:t>Duplication With Compare</a:t>
+            </a:r>
+          </a:p>
+          <a:p>
+            <a:pPr marL="341313" indent="-231775">
+              <a:buFont typeface="Arial" panose="020B0604020202020204" pitchFamily="34" charset="0"/>
+              <a:buChar char="•"/>
+            </a:pPr>
+            <a:r>
+              <a:rPr lang="en-US" sz="2400" dirty="0"/>
+              <a:t>Partial variants, etc.</a:t>
+            </a:r>
+          </a:p>
+          <a:p>
+            <a:pPr algn="ctr"/>
+            <a:endParaRPr lang="en-US" sz="3200" dirty="0"/>
+          </a:p>
+        </p:txBody>
+      </p:sp>
+      <p:cxnSp>
+        <p:nvCxnSpPr>
+          <p:cNvPr id="155" name="Straight Arrow Connector 154">
+            <a:extLst>
+              <a:ext uri="{FF2B5EF4-FFF2-40B4-BE49-F238E27FC236}">
+                <a16:creationId xmlns:a16="http://schemas.microsoft.com/office/drawing/2014/main" id="{45B7FB6A-5D49-4C0D-AE73-3B1A9EAF55AA}"/>
+              </a:ext>
+            </a:extLst>
+          </p:cNvPr>
+          <p:cNvCxnSpPr>
+            <a:cxnSpLocks/>
+          </p:cNvCxnSpPr>
+          <p:nvPr/>
+        </p:nvCxnSpPr>
+        <p:spPr>
+          <a:xfrm flipH="1" flipV="1">
+            <a:off x="4681213" y="2005503"/>
+            <a:ext cx="400375" cy="408316"/>
+          </a:xfrm>
+          <a:prstGeom prst="straightConnector1">
+            <a:avLst/>
+          </a:prstGeom>
+          <a:ln w="25400">
+            <a:solidFill>
+              <a:schemeClr val="tx1"/>
+            </a:solidFill>
+            <a:miter lim="800000"/>
+            <a:tailEnd type="arrow" w="lg" len="lg"/>
+          </a:ln>
+        </p:spPr>
+        <p:style>
+          <a:lnRef idx="1">
+            <a:schemeClr val="accent1"/>
+          </a:lnRef>
+          <a:fillRef idx="0">
+            <a:schemeClr val="accent1"/>
+          </a:fillRef>
+          <a:effectRef idx="0">
+            <a:schemeClr val="accent1"/>
+          </a:effectRef>
+          <a:fontRef idx="minor">
+            <a:schemeClr val="tx1"/>
+          </a:fontRef>
+        </p:style>
+      </p:cxnSp>
+      <p:cxnSp>
+        <p:nvCxnSpPr>
+          <p:cNvPr id="156" name="Straight Arrow Connector 155">
+            <a:extLst>
+              <a:ext uri="{FF2B5EF4-FFF2-40B4-BE49-F238E27FC236}">
+                <a16:creationId xmlns:a16="http://schemas.microsoft.com/office/drawing/2014/main" id="{9745EA1F-3687-499B-95FE-779559C15859}"/>
+              </a:ext>
+            </a:extLst>
+          </p:cNvPr>
+          <p:cNvCxnSpPr>
+            <a:cxnSpLocks/>
+          </p:cNvCxnSpPr>
+          <p:nvPr/>
+        </p:nvCxnSpPr>
+        <p:spPr>
+          <a:xfrm>
+            <a:off x="5322888" y="1565807"/>
+            <a:ext cx="552450" cy="0"/>
+          </a:xfrm>
+          <a:prstGeom prst="straightConnector1">
+            <a:avLst/>
+          </a:prstGeom>
+          <a:ln w="25400">
+            <a:solidFill>
+              <a:schemeClr val="tx1"/>
+            </a:solidFill>
+            <a:miter lim="800000"/>
+            <a:tailEnd type="arrow" w="lg" len="lg"/>
+          </a:ln>
+        </p:spPr>
+        <p:style>
+          <a:lnRef idx="1">
+            <a:schemeClr val="accent1"/>
+          </a:lnRef>
+          <a:fillRef idx="0">
+            <a:schemeClr val="accent1"/>
+          </a:fillRef>
+          <a:effectRef idx="0">
+            <a:schemeClr val="accent1"/>
+          </a:effectRef>
+          <a:fontRef idx="minor">
+            <a:schemeClr val="tx1"/>
+          </a:fontRef>
+        </p:style>
+      </p:cxnSp>
+      <p:cxnSp>
+        <p:nvCxnSpPr>
+          <p:cNvPr id="157" name="Straight Arrow Connector 156">
+            <a:extLst>
+              <a:ext uri="{FF2B5EF4-FFF2-40B4-BE49-F238E27FC236}">
+                <a16:creationId xmlns:a16="http://schemas.microsoft.com/office/drawing/2014/main" id="{2B93050C-B9C3-4995-A45F-B8084E6ED4C2}"/>
+              </a:ext>
+            </a:extLst>
+          </p:cNvPr>
+          <p:cNvCxnSpPr>
+            <a:cxnSpLocks/>
+          </p:cNvCxnSpPr>
+          <p:nvPr/>
+        </p:nvCxnSpPr>
+        <p:spPr>
+          <a:xfrm flipV="1">
+            <a:off x="6493329" y="2024265"/>
+            <a:ext cx="400375" cy="408316"/>
+          </a:xfrm>
+          <a:prstGeom prst="straightConnector1">
+            <a:avLst/>
+          </a:prstGeom>
+          <a:ln w="25400">
+            <a:solidFill>
+              <a:schemeClr val="tx1"/>
+            </a:solidFill>
+            <a:miter lim="800000"/>
+            <a:headEnd type="arrow" w="lg" len="lg"/>
+            <a:tailEnd type="none" w="lg" len="lg"/>
+          </a:ln>
+        </p:spPr>
+        <p:style>
+          <a:lnRef idx="1">
+            <a:schemeClr val="accent1"/>
+          </a:lnRef>
+          <a:fillRef idx="0">
+            <a:schemeClr val="accent1"/>
+          </a:fillRef>
+          <a:effectRef idx="0">
+            <a:schemeClr val="accent1"/>
+          </a:effectRef>
+          <a:fontRef idx="minor">
+            <a:schemeClr val="tx1"/>
+          </a:fontRef>
+        </p:style>
+      </p:cxnSp>
+      <p:cxnSp>
+        <p:nvCxnSpPr>
+          <p:cNvPr id="158" name="Straight Arrow Connector 157">
+            <a:extLst>
+              <a:ext uri="{FF2B5EF4-FFF2-40B4-BE49-F238E27FC236}">
+                <a16:creationId xmlns:a16="http://schemas.microsoft.com/office/drawing/2014/main" id="{AE08E6A7-39CB-44F2-B094-FA061DDFC116}"/>
+              </a:ext>
+            </a:extLst>
+          </p:cNvPr>
+          <p:cNvCxnSpPr>
+            <a:cxnSpLocks/>
+          </p:cNvCxnSpPr>
+          <p:nvPr/>
+        </p:nvCxnSpPr>
+        <p:spPr>
+          <a:xfrm flipV="1">
+            <a:off x="6234437" y="2024265"/>
+            <a:ext cx="400375" cy="408316"/>
+          </a:xfrm>
+          <a:prstGeom prst="straightConnector1">
+            <a:avLst/>
+          </a:prstGeom>
+          <a:ln w="25400">
+            <a:solidFill>
+              <a:schemeClr val="tx1"/>
+            </a:solidFill>
+            <a:miter lim="800000"/>
+            <a:headEnd type="none" w="lg" len="lg"/>
+            <a:tailEnd type="arrow" w="lg" len="lg"/>
+          </a:ln>
+        </p:spPr>
+        <p:style>
+          <a:lnRef idx="1">
+            <a:schemeClr val="accent1"/>
+          </a:lnRef>
+          <a:fillRef idx="0">
+            <a:schemeClr val="accent1"/>
+          </a:fillRef>
+          <a:effectRef idx="0">
+            <a:schemeClr val="accent1"/>
+          </a:effectRef>
+          <a:fontRef idx="minor">
+            <a:schemeClr val="tx1"/>
+          </a:fontRef>
+        </p:style>
+      </p:cxnSp>
+      <p:grpSp>
+        <p:nvGrpSpPr>
+          <p:cNvPr id="163" name="Group 162">
+            <a:extLst>
+              <a:ext uri="{FF2B5EF4-FFF2-40B4-BE49-F238E27FC236}">
+                <a16:creationId xmlns:a16="http://schemas.microsoft.com/office/drawing/2014/main" id="{24A61F71-D258-47F8-9F7E-90711D7F75F7}"/>
+              </a:ext>
+            </a:extLst>
+          </p:cNvPr>
+          <p:cNvGrpSpPr/>
+          <p:nvPr/>
+        </p:nvGrpSpPr>
+        <p:grpSpPr>
+          <a:xfrm>
+            <a:off x="85509" y="1958184"/>
+            <a:ext cx="1086014" cy="1289050"/>
+            <a:chOff x="1250786" y="3333750"/>
+            <a:chExt cx="1691504" cy="1723449"/>
+          </a:xfrm>
+        </p:grpSpPr>
+        <p:pic>
+          <p:nvPicPr>
+            <p:cNvPr id="196" name="Picture 195">
+              <a:extLst>
+                <a:ext uri="{FF2B5EF4-FFF2-40B4-BE49-F238E27FC236}">
+                  <a16:creationId xmlns:a16="http://schemas.microsoft.com/office/drawing/2014/main" id="{4FC30B40-AA4E-4206-941E-2390ABAC04D6}"/>
+                </a:ext>
+              </a:extLst>
+            </p:cNvPr>
+            <p:cNvPicPr>
+              <a:picLocks noChangeAspect="1"/>
+            </p:cNvPicPr>
+            <p:nvPr/>
+          </p:nvPicPr>
+          <p:blipFill>
+            <a:blip r:embed="rId2">
+              <a:extLst>
+                <a:ext uri="{28A0092B-C50C-407E-A947-70E740481C1C}">
+                  <a14:useLocalDpi xmlns:a14="http://schemas.microsoft.com/office/drawing/2010/main" val="0"/>
+                </a:ext>
+              </a:extLst>
+            </a:blip>
+            <a:stretch>
+              <a:fillRect/>
+            </a:stretch>
+          </p:blipFill>
+          <p:spPr>
+            <a:xfrm flipH="1">
+              <a:off x="1250786" y="3333750"/>
+              <a:ext cx="1691504" cy="1723449"/>
+            </a:xfrm>
+            <a:prstGeom prst="rect">
+              <a:avLst/>
             </a:prstGeom>
-            <a:ln w="12700">
+          </p:spPr>
+        </p:pic>
+        <p:cxnSp>
+          <p:nvCxnSpPr>
+            <p:cNvPr id="197" name="Straight Connector 196">
+              <a:extLst>
+                <a:ext uri="{FF2B5EF4-FFF2-40B4-BE49-F238E27FC236}">
+                  <a16:creationId xmlns:a16="http://schemas.microsoft.com/office/drawing/2014/main" id="{A522A196-7596-4464-AEB1-5E50337716F0}"/>
+                </a:ext>
+              </a:extLst>
+            </p:cNvPr>
+            <p:cNvCxnSpPr/>
+            <p:nvPr/>
+          </p:nvCxnSpPr>
+          <p:spPr>
+            <a:xfrm flipV="1">
+              <a:off x="1504950" y="3778250"/>
+              <a:ext cx="920750" cy="57150"/>
+            </a:xfrm>
+            <a:prstGeom prst="line">
+              <a:avLst/>
+            </a:prstGeom>
+            <a:ln w="19050">
               <a:solidFill>
                 <a:schemeClr val="tx1"/>
               </a:solidFill>
@@ -4006,39 +4319,30 @@
               <a:schemeClr val="tx1"/>
             </a:fontRef>
           </p:style>
-          <p:txBody>
-            <a:bodyPr rtlCol="0" anchor="ctr"/>
-            <a:lstStyle/>
-            <a:p>
-              <a:pPr algn="ctr"/>
-              <a:endParaRPr lang="en-US"/>
-            </a:p>
-          </p:txBody>
-        </p:sp>
-        <p:sp>
-          <p:nvSpPr>
-            <p:cNvPr id="111" name="Left Brace 110">
+        </p:cxnSp>
+        <p:cxnSp>
+          <p:nvCxnSpPr>
+            <p:cNvPr id="198" name="Straight Connector 197">
               <a:extLst>
                 <a:ext uri="{FF2B5EF4-FFF2-40B4-BE49-F238E27FC236}">
-                  <a16:creationId xmlns:a16="http://schemas.microsoft.com/office/drawing/2014/main" id="{9FC9211B-9827-40C3-9794-55E7EC7754E2}"/>
+                  <a16:creationId xmlns:a16="http://schemas.microsoft.com/office/drawing/2014/main" id="{B0C68470-F999-4A0C-8316-C9154EC603D6}"/>
                 </a:ext>
               </a:extLst>
             </p:cNvPr>
-            <p:cNvSpPr/>
+            <p:cNvCxnSpPr>
+              <a:cxnSpLocks/>
+            </p:cNvCxnSpPr>
             <p:nvPr/>
-          </p:nvSpPr>
+          </p:nvCxnSpPr>
           <p:spPr>
-            <a:xfrm rot="16200000">
-              <a:off x="4503005" y="1165375"/>
-              <a:ext cx="118872" cy="1178810"/>
+            <a:xfrm flipV="1">
+              <a:off x="1587500" y="3937000"/>
+              <a:ext cx="882650" cy="50800"/>
             </a:xfrm>
-            <a:prstGeom prst="leftBrace">
-              <a:avLst>
-                <a:gd name="adj1" fmla="val 48077"/>
-                <a:gd name="adj2" fmla="val 50000"/>
-              </a:avLst>
+            <a:prstGeom prst="line">
+              <a:avLst/>
             </a:prstGeom>
-            <a:ln w="12700">
+            <a:ln w="19050">
               <a:solidFill>
                 <a:schemeClr val="tx1"/>
               </a:solidFill>
@@ -4058,20 +4362,2931 @@
               <a:schemeClr val="tx1"/>
             </a:fontRef>
           </p:style>
-          <p:txBody>
-            <a:bodyPr rtlCol="0" anchor="ctr"/>
-            <a:lstStyle/>
-            <a:p>
-              <a:pPr algn="ctr"/>
-              <a:endParaRPr lang="en-US"/>
-            </a:p>
-          </p:txBody>
-        </p:sp>
+        </p:cxnSp>
+        <p:cxnSp>
+          <p:nvCxnSpPr>
+            <p:cNvPr id="199" name="Straight Connector 198">
+              <a:extLst>
+                <a:ext uri="{FF2B5EF4-FFF2-40B4-BE49-F238E27FC236}">
+                  <a16:creationId xmlns:a16="http://schemas.microsoft.com/office/drawing/2014/main" id="{8D220DA5-8511-4FDC-863E-73B24F20BFD4}"/>
+                </a:ext>
+              </a:extLst>
+            </p:cNvPr>
+            <p:cNvCxnSpPr>
+              <a:cxnSpLocks/>
+            </p:cNvCxnSpPr>
+            <p:nvPr/>
+          </p:nvCxnSpPr>
+          <p:spPr>
+            <a:xfrm flipV="1">
+              <a:off x="1657350" y="4081035"/>
+              <a:ext cx="850900" cy="52815"/>
+            </a:xfrm>
+            <a:prstGeom prst="line">
+              <a:avLst/>
+            </a:prstGeom>
+            <a:ln w="19050">
+              <a:solidFill>
+                <a:schemeClr val="tx1"/>
+              </a:solidFill>
+            </a:ln>
+          </p:spPr>
+          <p:style>
+            <a:lnRef idx="1">
+              <a:schemeClr val="accent1"/>
+            </a:lnRef>
+            <a:fillRef idx="0">
+              <a:schemeClr val="accent1"/>
+            </a:fillRef>
+            <a:effectRef idx="0">
+              <a:schemeClr val="accent1"/>
+            </a:effectRef>
+            <a:fontRef idx="minor">
+              <a:schemeClr val="tx1"/>
+            </a:fontRef>
+          </p:style>
+        </p:cxnSp>
+        <p:cxnSp>
+          <p:nvCxnSpPr>
+            <p:cNvPr id="200" name="Straight Connector 199">
+              <a:extLst>
+                <a:ext uri="{FF2B5EF4-FFF2-40B4-BE49-F238E27FC236}">
+                  <a16:creationId xmlns:a16="http://schemas.microsoft.com/office/drawing/2014/main" id="{67E4D1BB-3BB4-4E8A-AC10-B9CF75DC71C0}"/>
+                </a:ext>
+              </a:extLst>
+            </p:cNvPr>
+            <p:cNvCxnSpPr>
+              <a:cxnSpLocks/>
+            </p:cNvCxnSpPr>
+            <p:nvPr/>
+          </p:nvCxnSpPr>
+          <p:spPr>
+            <a:xfrm flipV="1">
+              <a:off x="1733550" y="4227874"/>
+              <a:ext cx="838200" cy="52026"/>
+            </a:xfrm>
+            <a:prstGeom prst="line">
+              <a:avLst/>
+            </a:prstGeom>
+            <a:ln w="19050">
+              <a:solidFill>
+                <a:schemeClr val="tx1"/>
+              </a:solidFill>
+            </a:ln>
+          </p:spPr>
+          <p:style>
+            <a:lnRef idx="1">
+              <a:schemeClr val="accent1"/>
+            </a:lnRef>
+            <a:fillRef idx="0">
+              <a:schemeClr val="accent1"/>
+            </a:fillRef>
+            <a:effectRef idx="0">
+              <a:schemeClr val="accent1"/>
+            </a:effectRef>
+            <a:fontRef idx="minor">
+              <a:schemeClr val="tx1"/>
+            </a:fontRef>
+          </p:style>
+        </p:cxnSp>
+        <p:cxnSp>
+          <p:nvCxnSpPr>
+            <p:cNvPr id="201" name="Straight Connector 200">
+              <a:extLst>
+                <a:ext uri="{FF2B5EF4-FFF2-40B4-BE49-F238E27FC236}">
+                  <a16:creationId xmlns:a16="http://schemas.microsoft.com/office/drawing/2014/main" id="{54BADD96-3AF6-4029-A5F5-93BEDFEA33DB}"/>
+                </a:ext>
+              </a:extLst>
+            </p:cNvPr>
+            <p:cNvCxnSpPr>
+              <a:cxnSpLocks/>
+            </p:cNvCxnSpPr>
+            <p:nvPr/>
+          </p:nvCxnSpPr>
+          <p:spPr>
+            <a:xfrm flipV="1">
+              <a:off x="1803400" y="4371559"/>
+              <a:ext cx="876300" cy="54391"/>
+            </a:xfrm>
+            <a:prstGeom prst="line">
+              <a:avLst/>
+            </a:prstGeom>
+            <a:ln w="19050">
+              <a:solidFill>
+                <a:schemeClr val="tx1"/>
+              </a:solidFill>
+            </a:ln>
+          </p:spPr>
+          <p:style>
+            <a:lnRef idx="1">
+              <a:schemeClr val="accent1"/>
+            </a:lnRef>
+            <a:fillRef idx="0">
+              <a:schemeClr val="accent1"/>
+            </a:fillRef>
+            <a:effectRef idx="0">
+              <a:schemeClr val="accent1"/>
+            </a:effectRef>
+            <a:fontRef idx="minor">
+              <a:schemeClr val="tx1"/>
+            </a:fontRef>
+          </p:style>
+        </p:cxnSp>
+        <p:cxnSp>
+          <p:nvCxnSpPr>
+            <p:cNvPr id="202" name="Straight Connector 201">
+              <a:extLst>
+                <a:ext uri="{FF2B5EF4-FFF2-40B4-BE49-F238E27FC236}">
+                  <a16:creationId xmlns:a16="http://schemas.microsoft.com/office/drawing/2014/main" id="{8BC30716-69E0-4628-946D-F5E1A887C34D}"/>
+                </a:ext>
+              </a:extLst>
+            </p:cNvPr>
+            <p:cNvCxnSpPr>
+              <a:cxnSpLocks/>
+            </p:cNvCxnSpPr>
+            <p:nvPr/>
+          </p:nvCxnSpPr>
+          <p:spPr>
+            <a:xfrm flipV="1">
+              <a:off x="1885950" y="4527550"/>
+              <a:ext cx="882650" cy="50800"/>
+            </a:xfrm>
+            <a:prstGeom prst="line">
+              <a:avLst/>
+            </a:prstGeom>
+            <a:ln w="19050">
+              <a:solidFill>
+                <a:schemeClr val="tx1"/>
+              </a:solidFill>
+            </a:ln>
+          </p:spPr>
+          <p:style>
+            <a:lnRef idx="1">
+              <a:schemeClr val="accent1"/>
+            </a:lnRef>
+            <a:fillRef idx="0">
+              <a:schemeClr val="accent1"/>
+            </a:fillRef>
+            <a:effectRef idx="0">
+              <a:schemeClr val="accent1"/>
+            </a:effectRef>
+            <a:fontRef idx="minor">
+              <a:schemeClr val="tx1"/>
+            </a:fontRef>
+          </p:style>
+        </p:cxnSp>
       </p:grpSp>
+      <p:grpSp>
+        <p:nvGrpSpPr>
+          <p:cNvPr id="164" name="Group 163">
+            <a:extLst>
+              <a:ext uri="{FF2B5EF4-FFF2-40B4-BE49-F238E27FC236}">
+                <a16:creationId xmlns:a16="http://schemas.microsoft.com/office/drawing/2014/main" id="{3E08059B-E784-46F0-B76E-9023A0D9AA12}"/>
+              </a:ext>
+            </a:extLst>
+          </p:cNvPr>
+          <p:cNvGrpSpPr/>
+          <p:nvPr/>
+        </p:nvGrpSpPr>
+        <p:grpSpPr>
+          <a:xfrm>
+            <a:off x="850612" y="2164523"/>
+            <a:ext cx="1086014" cy="1289050"/>
+            <a:chOff x="1250786" y="3333750"/>
+            <a:chExt cx="1691504" cy="1723449"/>
+          </a:xfrm>
+        </p:grpSpPr>
+        <p:pic>
+          <p:nvPicPr>
+            <p:cNvPr id="189" name="Picture 188">
+              <a:extLst>
+                <a:ext uri="{FF2B5EF4-FFF2-40B4-BE49-F238E27FC236}">
+                  <a16:creationId xmlns:a16="http://schemas.microsoft.com/office/drawing/2014/main" id="{89EB4228-5BB2-4F02-83CC-2989B9E6B64F}"/>
+                </a:ext>
+              </a:extLst>
+            </p:cNvPr>
+            <p:cNvPicPr>
+              <a:picLocks noChangeAspect="1"/>
+            </p:cNvPicPr>
+            <p:nvPr/>
+          </p:nvPicPr>
+          <p:blipFill>
+            <a:blip r:embed="rId2">
+              <a:extLst>
+                <a:ext uri="{28A0092B-C50C-407E-A947-70E740481C1C}">
+                  <a14:useLocalDpi xmlns:a14="http://schemas.microsoft.com/office/drawing/2010/main" val="0"/>
+                </a:ext>
+              </a:extLst>
+            </a:blip>
+            <a:stretch>
+              <a:fillRect/>
+            </a:stretch>
+          </p:blipFill>
+          <p:spPr>
+            <a:xfrm flipH="1">
+              <a:off x="1250786" y="3333750"/>
+              <a:ext cx="1691504" cy="1723449"/>
+            </a:xfrm>
+            <a:prstGeom prst="rect">
+              <a:avLst/>
+            </a:prstGeom>
+          </p:spPr>
+        </p:pic>
+        <p:cxnSp>
+          <p:nvCxnSpPr>
+            <p:cNvPr id="190" name="Straight Connector 189">
+              <a:extLst>
+                <a:ext uri="{FF2B5EF4-FFF2-40B4-BE49-F238E27FC236}">
+                  <a16:creationId xmlns:a16="http://schemas.microsoft.com/office/drawing/2014/main" id="{6D675250-D1FC-414D-B11E-3D40C89359C4}"/>
+                </a:ext>
+              </a:extLst>
+            </p:cNvPr>
+            <p:cNvCxnSpPr/>
+            <p:nvPr/>
+          </p:nvCxnSpPr>
+          <p:spPr>
+            <a:xfrm flipV="1">
+              <a:off x="1504950" y="3778250"/>
+              <a:ext cx="920750" cy="57150"/>
+            </a:xfrm>
+            <a:prstGeom prst="line">
+              <a:avLst/>
+            </a:prstGeom>
+            <a:ln w="19050">
+              <a:solidFill>
+                <a:schemeClr val="tx1"/>
+              </a:solidFill>
+            </a:ln>
+          </p:spPr>
+          <p:style>
+            <a:lnRef idx="1">
+              <a:schemeClr val="accent1"/>
+            </a:lnRef>
+            <a:fillRef idx="0">
+              <a:schemeClr val="accent1"/>
+            </a:fillRef>
+            <a:effectRef idx="0">
+              <a:schemeClr val="accent1"/>
+            </a:effectRef>
+            <a:fontRef idx="minor">
+              <a:schemeClr val="tx1"/>
+            </a:fontRef>
+          </p:style>
+        </p:cxnSp>
+        <p:cxnSp>
+          <p:nvCxnSpPr>
+            <p:cNvPr id="191" name="Straight Connector 190">
+              <a:extLst>
+                <a:ext uri="{FF2B5EF4-FFF2-40B4-BE49-F238E27FC236}">
+                  <a16:creationId xmlns:a16="http://schemas.microsoft.com/office/drawing/2014/main" id="{5C119DF3-B21A-40AC-ACE1-2CF93053AD4D}"/>
+                </a:ext>
+              </a:extLst>
+            </p:cNvPr>
+            <p:cNvCxnSpPr>
+              <a:cxnSpLocks/>
+            </p:cNvCxnSpPr>
+            <p:nvPr/>
+          </p:nvCxnSpPr>
+          <p:spPr>
+            <a:xfrm flipV="1">
+              <a:off x="1587500" y="3937000"/>
+              <a:ext cx="882650" cy="50800"/>
+            </a:xfrm>
+            <a:prstGeom prst="line">
+              <a:avLst/>
+            </a:prstGeom>
+            <a:ln w="19050">
+              <a:solidFill>
+                <a:schemeClr val="tx1"/>
+              </a:solidFill>
+            </a:ln>
+          </p:spPr>
+          <p:style>
+            <a:lnRef idx="1">
+              <a:schemeClr val="accent1"/>
+            </a:lnRef>
+            <a:fillRef idx="0">
+              <a:schemeClr val="accent1"/>
+            </a:fillRef>
+            <a:effectRef idx="0">
+              <a:schemeClr val="accent1"/>
+            </a:effectRef>
+            <a:fontRef idx="minor">
+              <a:schemeClr val="tx1"/>
+            </a:fontRef>
+          </p:style>
+        </p:cxnSp>
+        <p:cxnSp>
+          <p:nvCxnSpPr>
+            <p:cNvPr id="192" name="Straight Connector 191">
+              <a:extLst>
+                <a:ext uri="{FF2B5EF4-FFF2-40B4-BE49-F238E27FC236}">
+                  <a16:creationId xmlns:a16="http://schemas.microsoft.com/office/drawing/2014/main" id="{84B4A3AF-FBA2-4384-8925-280FED7DF6D3}"/>
+                </a:ext>
+              </a:extLst>
+            </p:cNvPr>
+            <p:cNvCxnSpPr>
+              <a:cxnSpLocks/>
+            </p:cNvCxnSpPr>
+            <p:nvPr/>
+          </p:nvCxnSpPr>
+          <p:spPr>
+            <a:xfrm flipV="1">
+              <a:off x="1657350" y="4081035"/>
+              <a:ext cx="850900" cy="52815"/>
+            </a:xfrm>
+            <a:prstGeom prst="line">
+              <a:avLst/>
+            </a:prstGeom>
+            <a:ln w="19050">
+              <a:solidFill>
+                <a:schemeClr val="tx1"/>
+              </a:solidFill>
+            </a:ln>
+          </p:spPr>
+          <p:style>
+            <a:lnRef idx="1">
+              <a:schemeClr val="accent1"/>
+            </a:lnRef>
+            <a:fillRef idx="0">
+              <a:schemeClr val="accent1"/>
+            </a:fillRef>
+            <a:effectRef idx="0">
+              <a:schemeClr val="accent1"/>
+            </a:effectRef>
+            <a:fontRef idx="minor">
+              <a:schemeClr val="tx1"/>
+            </a:fontRef>
+          </p:style>
+        </p:cxnSp>
+        <p:cxnSp>
+          <p:nvCxnSpPr>
+            <p:cNvPr id="193" name="Straight Connector 192">
+              <a:extLst>
+                <a:ext uri="{FF2B5EF4-FFF2-40B4-BE49-F238E27FC236}">
+                  <a16:creationId xmlns:a16="http://schemas.microsoft.com/office/drawing/2014/main" id="{741C2CFE-669D-4D6F-8015-614380B42A62}"/>
+                </a:ext>
+              </a:extLst>
+            </p:cNvPr>
+            <p:cNvCxnSpPr>
+              <a:cxnSpLocks/>
+            </p:cNvCxnSpPr>
+            <p:nvPr/>
+          </p:nvCxnSpPr>
+          <p:spPr>
+            <a:xfrm flipV="1">
+              <a:off x="1733550" y="4227874"/>
+              <a:ext cx="838200" cy="52026"/>
+            </a:xfrm>
+            <a:prstGeom prst="line">
+              <a:avLst/>
+            </a:prstGeom>
+            <a:ln w="19050">
+              <a:solidFill>
+                <a:schemeClr val="tx1"/>
+              </a:solidFill>
+            </a:ln>
+          </p:spPr>
+          <p:style>
+            <a:lnRef idx="1">
+              <a:schemeClr val="accent1"/>
+            </a:lnRef>
+            <a:fillRef idx="0">
+              <a:schemeClr val="accent1"/>
+            </a:fillRef>
+            <a:effectRef idx="0">
+              <a:schemeClr val="accent1"/>
+            </a:effectRef>
+            <a:fontRef idx="minor">
+              <a:schemeClr val="tx1"/>
+            </a:fontRef>
+          </p:style>
+        </p:cxnSp>
+        <p:cxnSp>
+          <p:nvCxnSpPr>
+            <p:cNvPr id="194" name="Straight Connector 193">
+              <a:extLst>
+                <a:ext uri="{FF2B5EF4-FFF2-40B4-BE49-F238E27FC236}">
+                  <a16:creationId xmlns:a16="http://schemas.microsoft.com/office/drawing/2014/main" id="{3DCF23E8-CB1E-4DA6-A2CC-F12DFE501F99}"/>
+                </a:ext>
+              </a:extLst>
+            </p:cNvPr>
+            <p:cNvCxnSpPr>
+              <a:cxnSpLocks/>
+            </p:cNvCxnSpPr>
+            <p:nvPr/>
+          </p:nvCxnSpPr>
+          <p:spPr>
+            <a:xfrm flipV="1">
+              <a:off x="1803400" y="4371559"/>
+              <a:ext cx="876300" cy="54391"/>
+            </a:xfrm>
+            <a:prstGeom prst="line">
+              <a:avLst/>
+            </a:prstGeom>
+            <a:ln w="19050">
+              <a:solidFill>
+                <a:schemeClr val="tx1"/>
+              </a:solidFill>
+            </a:ln>
+          </p:spPr>
+          <p:style>
+            <a:lnRef idx="1">
+              <a:schemeClr val="accent1"/>
+            </a:lnRef>
+            <a:fillRef idx="0">
+              <a:schemeClr val="accent1"/>
+            </a:fillRef>
+            <a:effectRef idx="0">
+              <a:schemeClr val="accent1"/>
+            </a:effectRef>
+            <a:fontRef idx="minor">
+              <a:schemeClr val="tx1"/>
+            </a:fontRef>
+          </p:style>
+        </p:cxnSp>
+        <p:cxnSp>
+          <p:nvCxnSpPr>
+            <p:cNvPr id="195" name="Straight Connector 194">
+              <a:extLst>
+                <a:ext uri="{FF2B5EF4-FFF2-40B4-BE49-F238E27FC236}">
+                  <a16:creationId xmlns:a16="http://schemas.microsoft.com/office/drawing/2014/main" id="{B8987118-E778-497B-AA03-BC537CEFE984}"/>
+                </a:ext>
+              </a:extLst>
+            </p:cNvPr>
+            <p:cNvCxnSpPr>
+              <a:cxnSpLocks/>
+            </p:cNvCxnSpPr>
+            <p:nvPr/>
+          </p:nvCxnSpPr>
+          <p:spPr>
+            <a:xfrm flipV="1">
+              <a:off x="1885950" y="4527550"/>
+              <a:ext cx="882650" cy="50800"/>
+            </a:xfrm>
+            <a:prstGeom prst="line">
+              <a:avLst/>
+            </a:prstGeom>
+            <a:ln w="19050">
+              <a:solidFill>
+                <a:schemeClr val="tx1"/>
+              </a:solidFill>
+            </a:ln>
+          </p:spPr>
+          <p:style>
+            <a:lnRef idx="1">
+              <a:schemeClr val="accent1"/>
+            </a:lnRef>
+            <a:fillRef idx="0">
+              <a:schemeClr val="accent1"/>
+            </a:fillRef>
+            <a:effectRef idx="0">
+              <a:schemeClr val="accent1"/>
+            </a:effectRef>
+            <a:fontRef idx="minor">
+              <a:schemeClr val="tx1"/>
+            </a:fontRef>
+          </p:style>
+        </p:cxnSp>
+      </p:grpSp>
+      <p:grpSp>
+        <p:nvGrpSpPr>
+          <p:cNvPr id="165" name="Group 164">
+            <a:extLst>
+              <a:ext uri="{FF2B5EF4-FFF2-40B4-BE49-F238E27FC236}">
+                <a16:creationId xmlns:a16="http://schemas.microsoft.com/office/drawing/2014/main" id="{86E3100C-404D-4A04-A10B-3FCCC89B4032}"/>
+              </a:ext>
+            </a:extLst>
+          </p:cNvPr>
+          <p:cNvGrpSpPr/>
+          <p:nvPr/>
+        </p:nvGrpSpPr>
+        <p:grpSpPr>
+          <a:xfrm>
+            <a:off x="1615715" y="2360152"/>
+            <a:ext cx="1086014" cy="1289050"/>
+            <a:chOff x="1250786" y="3333750"/>
+            <a:chExt cx="1691504" cy="1723449"/>
+          </a:xfrm>
+        </p:grpSpPr>
+        <p:pic>
+          <p:nvPicPr>
+            <p:cNvPr id="182" name="Picture 181">
+              <a:extLst>
+                <a:ext uri="{FF2B5EF4-FFF2-40B4-BE49-F238E27FC236}">
+                  <a16:creationId xmlns:a16="http://schemas.microsoft.com/office/drawing/2014/main" id="{4E6EE413-FFA5-4926-9D6C-E8EDC20DD7CA}"/>
+                </a:ext>
+              </a:extLst>
+            </p:cNvPr>
+            <p:cNvPicPr>
+              <a:picLocks noChangeAspect="1"/>
+            </p:cNvPicPr>
+            <p:nvPr/>
+          </p:nvPicPr>
+          <p:blipFill>
+            <a:blip r:embed="rId2">
+              <a:extLst>
+                <a:ext uri="{28A0092B-C50C-407E-A947-70E740481C1C}">
+                  <a14:useLocalDpi xmlns:a14="http://schemas.microsoft.com/office/drawing/2010/main" val="0"/>
+                </a:ext>
+              </a:extLst>
+            </a:blip>
+            <a:stretch>
+              <a:fillRect/>
+            </a:stretch>
+          </p:blipFill>
+          <p:spPr>
+            <a:xfrm flipH="1">
+              <a:off x="1250786" y="3333750"/>
+              <a:ext cx="1691504" cy="1723449"/>
+            </a:xfrm>
+            <a:prstGeom prst="rect">
+              <a:avLst/>
+            </a:prstGeom>
+          </p:spPr>
+        </p:pic>
+        <p:cxnSp>
+          <p:nvCxnSpPr>
+            <p:cNvPr id="183" name="Straight Connector 182">
+              <a:extLst>
+                <a:ext uri="{FF2B5EF4-FFF2-40B4-BE49-F238E27FC236}">
+                  <a16:creationId xmlns:a16="http://schemas.microsoft.com/office/drawing/2014/main" id="{FA430EFA-73CB-442B-9AB1-130C957BA1D4}"/>
+                </a:ext>
+              </a:extLst>
+            </p:cNvPr>
+            <p:cNvCxnSpPr/>
+            <p:nvPr/>
+          </p:nvCxnSpPr>
+          <p:spPr>
+            <a:xfrm flipV="1">
+              <a:off x="1504950" y="3778250"/>
+              <a:ext cx="920750" cy="57150"/>
+            </a:xfrm>
+            <a:prstGeom prst="line">
+              <a:avLst/>
+            </a:prstGeom>
+            <a:ln w="19050">
+              <a:solidFill>
+                <a:schemeClr val="tx1"/>
+              </a:solidFill>
+            </a:ln>
+          </p:spPr>
+          <p:style>
+            <a:lnRef idx="1">
+              <a:schemeClr val="accent1"/>
+            </a:lnRef>
+            <a:fillRef idx="0">
+              <a:schemeClr val="accent1"/>
+            </a:fillRef>
+            <a:effectRef idx="0">
+              <a:schemeClr val="accent1"/>
+            </a:effectRef>
+            <a:fontRef idx="minor">
+              <a:schemeClr val="tx1"/>
+            </a:fontRef>
+          </p:style>
+        </p:cxnSp>
+        <p:cxnSp>
+          <p:nvCxnSpPr>
+            <p:cNvPr id="184" name="Straight Connector 183">
+              <a:extLst>
+                <a:ext uri="{FF2B5EF4-FFF2-40B4-BE49-F238E27FC236}">
+                  <a16:creationId xmlns:a16="http://schemas.microsoft.com/office/drawing/2014/main" id="{53D40E93-3C4E-4DD7-A413-FE5617EB5AF2}"/>
+                </a:ext>
+              </a:extLst>
+            </p:cNvPr>
+            <p:cNvCxnSpPr>
+              <a:cxnSpLocks/>
+            </p:cNvCxnSpPr>
+            <p:nvPr/>
+          </p:nvCxnSpPr>
+          <p:spPr>
+            <a:xfrm flipV="1">
+              <a:off x="1587500" y="3937000"/>
+              <a:ext cx="882650" cy="50800"/>
+            </a:xfrm>
+            <a:prstGeom prst="line">
+              <a:avLst/>
+            </a:prstGeom>
+            <a:ln w="19050">
+              <a:solidFill>
+                <a:schemeClr val="tx1"/>
+              </a:solidFill>
+            </a:ln>
+          </p:spPr>
+          <p:style>
+            <a:lnRef idx="1">
+              <a:schemeClr val="accent1"/>
+            </a:lnRef>
+            <a:fillRef idx="0">
+              <a:schemeClr val="accent1"/>
+            </a:fillRef>
+            <a:effectRef idx="0">
+              <a:schemeClr val="accent1"/>
+            </a:effectRef>
+            <a:fontRef idx="minor">
+              <a:schemeClr val="tx1"/>
+            </a:fontRef>
+          </p:style>
+        </p:cxnSp>
+        <p:cxnSp>
+          <p:nvCxnSpPr>
+            <p:cNvPr id="185" name="Straight Connector 184">
+              <a:extLst>
+                <a:ext uri="{FF2B5EF4-FFF2-40B4-BE49-F238E27FC236}">
+                  <a16:creationId xmlns:a16="http://schemas.microsoft.com/office/drawing/2014/main" id="{AEE89C7C-1A7A-40A3-A6B0-542736CD236E}"/>
+                </a:ext>
+              </a:extLst>
+            </p:cNvPr>
+            <p:cNvCxnSpPr>
+              <a:cxnSpLocks/>
+            </p:cNvCxnSpPr>
+            <p:nvPr/>
+          </p:nvCxnSpPr>
+          <p:spPr>
+            <a:xfrm flipV="1">
+              <a:off x="1657350" y="4081035"/>
+              <a:ext cx="850900" cy="52815"/>
+            </a:xfrm>
+            <a:prstGeom prst="line">
+              <a:avLst/>
+            </a:prstGeom>
+            <a:ln w="19050">
+              <a:solidFill>
+                <a:schemeClr val="tx1"/>
+              </a:solidFill>
+            </a:ln>
+          </p:spPr>
+          <p:style>
+            <a:lnRef idx="1">
+              <a:schemeClr val="accent1"/>
+            </a:lnRef>
+            <a:fillRef idx="0">
+              <a:schemeClr val="accent1"/>
+            </a:fillRef>
+            <a:effectRef idx="0">
+              <a:schemeClr val="accent1"/>
+            </a:effectRef>
+            <a:fontRef idx="minor">
+              <a:schemeClr val="tx1"/>
+            </a:fontRef>
+          </p:style>
+        </p:cxnSp>
+        <p:cxnSp>
+          <p:nvCxnSpPr>
+            <p:cNvPr id="186" name="Straight Connector 185">
+              <a:extLst>
+                <a:ext uri="{FF2B5EF4-FFF2-40B4-BE49-F238E27FC236}">
+                  <a16:creationId xmlns:a16="http://schemas.microsoft.com/office/drawing/2014/main" id="{F9E817FB-285D-4C6F-95A0-D57EDB62479B}"/>
+                </a:ext>
+              </a:extLst>
+            </p:cNvPr>
+            <p:cNvCxnSpPr>
+              <a:cxnSpLocks/>
+            </p:cNvCxnSpPr>
+            <p:nvPr/>
+          </p:nvCxnSpPr>
+          <p:spPr>
+            <a:xfrm flipV="1">
+              <a:off x="1733550" y="4227874"/>
+              <a:ext cx="838200" cy="52026"/>
+            </a:xfrm>
+            <a:prstGeom prst="line">
+              <a:avLst/>
+            </a:prstGeom>
+            <a:ln w="19050">
+              <a:solidFill>
+                <a:schemeClr val="tx1"/>
+              </a:solidFill>
+            </a:ln>
+          </p:spPr>
+          <p:style>
+            <a:lnRef idx="1">
+              <a:schemeClr val="accent1"/>
+            </a:lnRef>
+            <a:fillRef idx="0">
+              <a:schemeClr val="accent1"/>
+            </a:fillRef>
+            <a:effectRef idx="0">
+              <a:schemeClr val="accent1"/>
+            </a:effectRef>
+            <a:fontRef idx="minor">
+              <a:schemeClr val="tx1"/>
+            </a:fontRef>
+          </p:style>
+        </p:cxnSp>
+        <p:cxnSp>
+          <p:nvCxnSpPr>
+            <p:cNvPr id="187" name="Straight Connector 186">
+              <a:extLst>
+                <a:ext uri="{FF2B5EF4-FFF2-40B4-BE49-F238E27FC236}">
+                  <a16:creationId xmlns:a16="http://schemas.microsoft.com/office/drawing/2014/main" id="{30A2F6DE-02A7-491A-952D-04044907F33F}"/>
+                </a:ext>
+              </a:extLst>
+            </p:cNvPr>
+            <p:cNvCxnSpPr>
+              <a:cxnSpLocks/>
+            </p:cNvCxnSpPr>
+            <p:nvPr/>
+          </p:nvCxnSpPr>
+          <p:spPr>
+            <a:xfrm flipV="1">
+              <a:off x="1803400" y="4371559"/>
+              <a:ext cx="876300" cy="54391"/>
+            </a:xfrm>
+            <a:prstGeom prst="line">
+              <a:avLst/>
+            </a:prstGeom>
+            <a:ln w="19050">
+              <a:solidFill>
+                <a:schemeClr val="tx1"/>
+              </a:solidFill>
+            </a:ln>
+          </p:spPr>
+          <p:style>
+            <a:lnRef idx="1">
+              <a:schemeClr val="accent1"/>
+            </a:lnRef>
+            <a:fillRef idx="0">
+              <a:schemeClr val="accent1"/>
+            </a:fillRef>
+            <a:effectRef idx="0">
+              <a:schemeClr val="accent1"/>
+            </a:effectRef>
+            <a:fontRef idx="minor">
+              <a:schemeClr val="tx1"/>
+            </a:fontRef>
+          </p:style>
+        </p:cxnSp>
+        <p:cxnSp>
+          <p:nvCxnSpPr>
+            <p:cNvPr id="188" name="Straight Connector 187">
+              <a:extLst>
+                <a:ext uri="{FF2B5EF4-FFF2-40B4-BE49-F238E27FC236}">
+                  <a16:creationId xmlns:a16="http://schemas.microsoft.com/office/drawing/2014/main" id="{610F2A15-6EA0-47FA-8431-0EF4BAF63D2B}"/>
+                </a:ext>
+              </a:extLst>
+            </p:cNvPr>
+            <p:cNvCxnSpPr>
+              <a:cxnSpLocks/>
+            </p:cNvCxnSpPr>
+            <p:nvPr/>
+          </p:nvCxnSpPr>
+          <p:spPr>
+            <a:xfrm flipV="1">
+              <a:off x="1885950" y="4527550"/>
+              <a:ext cx="882650" cy="50800"/>
+            </a:xfrm>
+            <a:prstGeom prst="line">
+              <a:avLst/>
+            </a:prstGeom>
+            <a:ln w="19050">
+              <a:solidFill>
+                <a:schemeClr val="tx1"/>
+              </a:solidFill>
+            </a:ln>
+          </p:spPr>
+          <p:style>
+            <a:lnRef idx="1">
+              <a:schemeClr val="accent1"/>
+            </a:lnRef>
+            <a:fillRef idx="0">
+              <a:schemeClr val="accent1"/>
+            </a:fillRef>
+            <a:effectRef idx="0">
+              <a:schemeClr val="accent1"/>
+            </a:effectRef>
+            <a:fontRef idx="minor">
+              <a:schemeClr val="tx1"/>
+            </a:fontRef>
+          </p:style>
+        </p:cxnSp>
+      </p:grpSp>
+      <p:grpSp>
+        <p:nvGrpSpPr>
+          <p:cNvPr id="166" name="Group 165">
+            <a:extLst>
+              <a:ext uri="{FF2B5EF4-FFF2-40B4-BE49-F238E27FC236}">
+                <a16:creationId xmlns:a16="http://schemas.microsoft.com/office/drawing/2014/main" id="{0E660586-E4D6-4585-99AD-FC156AADD4E6}"/>
+              </a:ext>
+            </a:extLst>
+          </p:cNvPr>
+          <p:cNvGrpSpPr/>
+          <p:nvPr/>
+        </p:nvGrpSpPr>
+        <p:grpSpPr>
+          <a:xfrm>
+            <a:off x="2380818" y="2575541"/>
+            <a:ext cx="1086014" cy="1289050"/>
+            <a:chOff x="1250786" y="3333750"/>
+            <a:chExt cx="1691504" cy="1723449"/>
+          </a:xfrm>
+        </p:grpSpPr>
+        <p:pic>
+          <p:nvPicPr>
+            <p:cNvPr id="175" name="Picture 174">
+              <a:extLst>
+                <a:ext uri="{FF2B5EF4-FFF2-40B4-BE49-F238E27FC236}">
+                  <a16:creationId xmlns:a16="http://schemas.microsoft.com/office/drawing/2014/main" id="{14ECD767-5523-43BB-AA6B-658BD217B6FC}"/>
+                </a:ext>
+              </a:extLst>
+            </p:cNvPr>
+            <p:cNvPicPr>
+              <a:picLocks noChangeAspect="1"/>
+            </p:cNvPicPr>
+            <p:nvPr/>
+          </p:nvPicPr>
+          <p:blipFill>
+            <a:blip r:embed="rId2">
+              <a:extLst>
+                <a:ext uri="{28A0092B-C50C-407E-A947-70E740481C1C}">
+                  <a14:useLocalDpi xmlns:a14="http://schemas.microsoft.com/office/drawing/2010/main" val="0"/>
+                </a:ext>
+              </a:extLst>
+            </a:blip>
+            <a:stretch>
+              <a:fillRect/>
+            </a:stretch>
+          </p:blipFill>
+          <p:spPr>
+            <a:xfrm flipH="1">
+              <a:off x="1250786" y="3333750"/>
+              <a:ext cx="1691504" cy="1723449"/>
+            </a:xfrm>
+            <a:prstGeom prst="rect">
+              <a:avLst/>
+            </a:prstGeom>
+          </p:spPr>
+        </p:pic>
+        <p:cxnSp>
+          <p:nvCxnSpPr>
+            <p:cNvPr id="176" name="Straight Connector 175">
+              <a:extLst>
+                <a:ext uri="{FF2B5EF4-FFF2-40B4-BE49-F238E27FC236}">
+                  <a16:creationId xmlns:a16="http://schemas.microsoft.com/office/drawing/2014/main" id="{7826C27F-328A-4FFE-AF9E-45EDBAB0D35B}"/>
+                </a:ext>
+              </a:extLst>
+            </p:cNvPr>
+            <p:cNvCxnSpPr/>
+            <p:nvPr/>
+          </p:nvCxnSpPr>
+          <p:spPr>
+            <a:xfrm flipV="1">
+              <a:off x="1504950" y="3778250"/>
+              <a:ext cx="920750" cy="57150"/>
+            </a:xfrm>
+            <a:prstGeom prst="line">
+              <a:avLst/>
+            </a:prstGeom>
+            <a:ln w="19050">
+              <a:solidFill>
+                <a:schemeClr val="tx1"/>
+              </a:solidFill>
+            </a:ln>
+          </p:spPr>
+          <p:style>
+            <a:lnRef idx="1">
+              <a:schemeClr val="accent1"/>
+            </a:lnRef>
+            <a:fillRef idx="0">
+              <a:schemeClr val="accent1"/>
+            </a:fillRef>
+            <a:effectRef idx="0">
+              <a:schemeClr val="accent1"/>
+            </a:effectRef>
+            <a:fontRef idx="minor">
+              <a:schemeClr val="tx1"/>
+            </a:fontRef>
+          </p:style>
+        </p:cxnSp>
+        <p:cxnSp>
+          <p:nvCxnSpPr>
+            <p:cNvPr id="177" name="Straight Connector 176">
+              <a:extLst>
+                <a:ext uri="{FF2B5EF4-FFF2-40B4-BE49-F238E27FC236}">
+                  <a16:creationId xmlns:a16="http://schemas.microsoft.com/office/drawing/2014/main" id="{B7C638FA-BC7F-4148-999C-1B72DBDCEA41}"/>
+                </a:ext>
+              </a:extLst>
+            </p:cNvPr>
+            <p:cNvCxnSpPr>
+              <a:cxnSpLocks/>
+            </p:cNvCxnSpPr>
+            <p:nvPr/>
+          </p:nvCxnSpPr>
+          <p:spPr>
+            <a:xfrm flipV="1">
+              <a:off x="1587500" y="3937000"/>
+              <a:ext cx="882650" cy="50800"/>
+            </a:xfrm>
+            <a:prstGeom prst="line">
+              <a:avLst/>
+            </a:prstGeom>
+            <a:ln w="19050">
+              <a:solidFill>
+                <a:schemeClr val="tx1"/>
+              </a:solidFill>
+            </a:ln>
+          </p:spPr>
+          <p:style>
+            <a:lnRef idx="1">
+              <a:schemeClr val="accent1"/>
+            </a:lnRef>
+            <a:fillRef idx="0">
+              <a:schemeClr val="accent1"/>
+            </a:fillRef>
+            <a:effectRef idx="0">
+              <a:schemeClr val="accent1"/>
+            </a:effectRef>
+            <a:fontRef idx="minor">
+              <a:schemeClr val="tx1"/>
+            </a:fontRef>
+          </p:style>
+        </p:cxnSp>
+        <p:cxnSp>
+          <p:nvCxnSpPr>
+            <p:cNvPr id="178" name="Straight Connector 177">
+              <a:extLst>
+                <a:ext uri="{FF2B5EF4-FFF2-40B4-BE49-F238E27FC236}">
+                  <a16:creationId xmlns:a16="http://schemas.microsoft.com/office/drawing/2014/main" id="{1665961A-8522-40C3-ABCC-275141FCB4E7}"/>
+                </a:ext>
+              </a:extLst>
+            </p:cNvPr>
+            <p:cNvCxnSpPr>
+              <a:cxnSpLocks/>
+            </p:cNvCxnSpPr>
+            <p:nvPr/>
+          </p:nvCxnSpPr>
+          <p:spPr>
+            <a:xfrm flipV="1">
+              <a:off x="1657350" y="4081035"/>
+              <a:ext cx="850900" cy="52815"/>
+            </a:xfrm>
+            <a:prstGeom prst="line">
+              <a:avLst/>
+            </a:prstGeom>
+            <a:ln w="19050">
+              <a:solidFill>
+                <a:schemeClr val="tx1"/>
+              </a:solidFill>
+            </a:ln>
+          </p:spPr>
+          <p:style>
+            <a:lnRef idx="1">
+              <a:schemeClr val="accent1"/>
+            </a:lnRef>
+            <a:fillRef idx="0">
+              <a:schemeClr val="accent1"/>
+            </a:fillRef>
+            <a:effectRef idx="0">
+              <a:schemeClr val="accent1"/>
+            </a:effectRef>
+            <a:fontRef idx="minor">
+              <a:schemeClr val="tx1"/>
+            </a:fontRef>
+          </p:style>
+        </p:cxnSp>
+        <p:cxnSp>
+          <p:nvCxnSpPr>
+            <p:cNvPr id="179" name="Straight Connector 178">
+              <a:extLst>
+                <a:ext uri="{FF2B5EF4-FFF2-40B4-BE49-F238E27FC236}">
+                  <a16:creationId xmlns:a16="http://schemas.microsoft.com/office/drawing/2014/main" id="{D7B3DB9B-063F-48D3-B8AA-43960BD73147}"/>
+                </a:ext>
+              </a:extLst>
+            </p:cNvPr>
+            <p:cNvCxnSpPr>
+              <a:cxnSpLocks/>
+            </p:cNvCxnSpPr>
+            <p:nvPr/>
+          </p:nvCxnSpPr>
+          <p:spPr>
+            <a:xfrm flipV="1">
+              <a:off x="1733550" y="4227874"/>
+              <a:ext cx="838200" cy="52026"/>
+            </a:xfrm>
+            <a:prstGeom prst="line">
+              <a:avLst/>
+            </a:prstGeom>
+            <a:ln w="19050">
+              <a:solidFill>
+                <a:schemeClr val="tx1"/>
+              </a:solidFill>
+            </a:ln>
+          </p:spPr>
+          <p:style>
+            <a:lnRef idx="1">
+              <a:schemeClr val="accent1"/>
+            </a:lnRef>
+            <a:fillRef idx="0">
+              <a:schemeClr val="accent1"/>
+            </a:fillRef>
+            <a:effectRef idx="0">
+              <a:schemeClr val="accent1"/>
+            </a:effectRef>
+            <a:fontRef idx="minor">
+              <a:schemeClr val="tx1"/>
+            </a:fontRef>
+          </p:style>
+        </p:cxnSp>
+        <p:cxnSp>
+          <p:nvCxnSpPr>
+            <p:cNvPr id="180" name="Straight Connector 179">
+              <a:extLst>
+                <a:ext uri="{FF2B5EF4-FFF2-40B4-BE49-F238E27FC236}">
+                  <a16:creationId xmlns:a16="http://schemas.microsoft.com/office/drawing/2014/main" id="{13170208-539D-4D04-9661-1E52F1188548}"/>
+                </a:ext>
+              </a:extLst>
+            </p:cNvPr>
+            <p:cNvCxnSpPr>
+              <a:cxnSpLocks/>
+            </p:cNvCxnSpPr>
+            <p:nvPr/>
+          </p:nvCxnSpPr>
+          <p:spPr>
+            <a:xfrm flipV="1">
+              <a:off x="1803400" y="4371559"/>
+              <a:ext cx="876300" cy="54391"/>
+            </a:xfrm>
+            <a:prstGeom prst="line">
+              <a:avLst/>
+            </a:prstGeom>
+            <a:ln w="19050">
+              <a:solidFill>
+                <a:schemeClr val="tx1"/>
+              </a:solidFill>
+            </a:ln>
+          </p:spPr>
+          <p:style>
+            <a:lnRef idx="1">
+              <a:schemeClr val="accent1"/>
+            </a:lnRef>
+            <a:fillRef idx="0">
+              <a:schemeClr val="accent1"/>
+            </a:fillRef>
+            <a:effectRef idx="0">
+              <a:schemeClr val="accent1"/>
+            </a:effectRef>
+            <a:fontRef idx="minor">
+              <a:schemeClr val="tx1"/>
+            </a:fontRef>
+          </p:style>
+        </p:cxnSp>
+        <p:cxnSp>
+          <p:nvCxnSpPr>
+            <p:cNvPr id="181" name="Straight Connector 180">
+              <a:extLst>
+                <a:ext uri="{FF2B5EF4-FFF2-40B4-BE49-F238E27FC236}">
+                  <a16:creationId xmlns:a16="http://schemas.microsoft.com/office/drawing/2014/main" id="{AD80421F-0113-4572-BB0A-D85E5DE53AED}"/>
+                </a:ext>
+              </a:extLst>
+            </p:cNvPr>
+            <p:cNvCxnSpPr>
+              <a:cxnSpLocks/>
+            </p:cNvCxnSpPr>
+            <p:nvPr/>
+          </p:nvCxnSpPr>
+          <p:spPr>
+            <a:xfrm flipV="1">
+              <a:off x="1885950" y="4527550"/>
+              <a:ext cx="882650" cy="50800"/>
+            </a:xfrm>
+            <a:prstGeom prst="line">
+              <a:avLst/>
+            </a:prstGeom>
+            <a:ln w="19050">
+              <a:solidFill>
+                <a:schemeClr val="tx1"/>
+              </a:solidFill>
+            </a:ln>
+          </p:spPr>
+          <p:style>
+            <a:lnRef idx="1">
+              <a:schemeClr val="accent1"/>
+            </a:lnRef>
+            <a:fillRef idx="0">
+              <a:schemeClr val="accent1"/>
+            </a:fillRef>
+            <a:effectRef idx="0">
+              <a:schemeClr val="accent1"/>
+            </a:effectRef>
+            <a:fontRef idx="minor">
+              <a:schemeClr val="tx1"/>
+            </a:fontRef>
+          </p:style>
+        </p:cxnSp>
+      </p:grpSp>
+      <p:sp>
+        <p:nvSpPr>
+          <p:cNvPr id="167" name="TextBox 166">
+            <a:extLst>
+              <a:ext uri="{FF2B5EF4-FFF2-40B4-BE49-F238E27FC236}">
+                <a16:creationId xmlns:a16="http://schemas.microsoft.com/office/drawing/2014/main" id="{19C708E7-70C1-4CCA-B83D-D2318622C8A5}"/>
+              </a:ext>
+            </a:extLst>
+          </p:cNvPr>
+          <p:cNvSpPr txBox="1"/>
+          <p:nvPr/>
+        </p:nvSpPr>
+        <p:spPr>
+          <a:xfrm>
+            <a:off x="-242012" y="1510276"/>
+            <a:ext cx="1454150" cy="461665"/>
+          </a:xfrm>
+          <a:prstGeom prst="rect">
+            <a:avLst/>
+          </a:prstGeom>
+          <a:noFill/>
+        </p:spPr>
+        <p:txBody>
+          <a:bodyPr wrap="square">
+            <a:spAutoFit/>
+          </a:bodyPr>
+          <a:lstStyle/>
+          <a:p>
+            <a:pPr marL="0" marR="0" lvl="0" indent="0" algn="ctr" defTabSz="914400" rtl="0" eaLnBrk="1" fontAlgn="auto" latinLnBrk="0" hangingPunct="1">
+              <a:lnSpc>
+                <a:spcPct val="100000"/>
+              </a:lnSpc>
+              <a:spcBef>
+                <a:spcPts val="0"/>
+              </a:spcBef>
+              <a:spcAft>
+                <a:spcPts val="0"/>
+              </a:spcAft>
+              <a:buClrTx/>
+              <a:buSzTx/>
+              <a:buFontTx/>
+              <a:buNone/>
+              <a:tabLst/>
+              <a:defRPr/>
+            </a:pPr>
+            <a:r>
+              <a:rPr lang="en-US" sz="2400" dirty="0">
+                <a:solidFill>
+                  <a:prstClr val="black"/>
+                </a:solidFill>
+                <a:latin typeface="Calibri" panose="020F0502020204030204"/>
+              </a:rPr>
+              <a:t>EDIF</a:t>
+            </a:r>
+            <a:endParaRPr kumimoji="0" lang="en-US" sz="2400" b="0" i="0" u="none" strike="noStrike" kern="1200" cap="none" spc="0" normalizeH="0" baseline="0" noProof="0" dirty="0">
+              <a:ln>
+                <a:noFill/>
+              </a:ln>
+              <a:solidFill>
+                <a:prstClr val="black"/>
+              </a:solidFill>
+              <a:effectLst/>
+              <a:uLnTx/>
+              <a:uFillTx/>
+              <a:latin typeface="Calibri" panose="020F0502020204030204"/>
+              <a:ea typeface="+mn-ea"/>
+              <a:cs typeface="+mn-cs"/>
+            </a:endParaRPr>
+          </a:p>
+        </p:txBody>
+      </p:sp>
+      <p:sp>
+        <p:nvSpPr>
+          <p:cNvPr id="168" name="TextBox 167">
+            <a:extLst>
+              <a:ext uri="{FF2B5EF4-FFF2-40B4-BE49-F238E27FC236}">
+                <a16:creationId xmlns:a16="http://schemas.microsoft.com/office/drawing/2014/main" id="{3B1208AF-025A-4252-9CFD-8A16CA107336}"/>
+              </a:ext>
+            </a:extLst>
+          </p:cNvPr>
+          <p:cNvSpPr txBox="1"/>
+          <p:nvPr/>
+        </p:nvSpPr>
+        <p:spPr>
+          <a:xfrm>
+            <a:off x="798111" y="1676057"/>
+            <a:ext cx="1454150" cy="461665"/>
+          </a:xfrm>
+          <a:prstGeom prst="rect">
+            <a:avLst/>
+          </a:prstGeom>
+          <a:noFill/>
+        </p:spPr>
+        <p:txBody>
+          <a:bodyPr wrap="square">
+            <a:spAutoFit/>
+          </a:bodyPr>
+          <a:lstStyle/>
+          <a:p>
+            <a:pPr marL="0" marR="0" lvl="0" indent="0" algn="ctr" defTabSz="914400" rtl="0" eaLnBrk="1" fontAlgn="auto" latinLnBrk="0" hangingPunct="1">
+              <a:lnSpc>
+                <a:spcPct val="100000"/>
+              </a:lnSpc>
+              <a:spcBef>
+                <a:spcPts val="0"/>
+              </a:spcBef>
+              <a:spcAft>
+                <a:spcPts val="0"/>
+              </a:spcAft>
+              <a:buClrTx/>
+              <a:buSzTx/>
+              <a:buFontTx/>
+              <a:buNone/>
+              <a:tabLst/>
+              <a:defRPr/>
+            </a:pPr>
+            <a:r>
+              <a:rPr lang="en-US" sz="2400" dirty="0">
+                <a:solidFill>
+                  <a:prstClr val="black"/>
+                </a:solidFill>
+                <a:latin typeface="Calibri" panose="020F0502020204030204"/>
+              </a:rPr>
+              <a:t>VHDL</a:t>
+            </a:r>
+            <a:endParaRPr kumimoji="0" lang="en-US" sz="2400" b="0" i="0" u="none" strike="noStrike" kern="1200" cap="none" spc="0" normalizeH="0" baseline="0" noProof="0" dirty="0">
+              <a:ln>
+                <a:noFill/>
+              </a:ln>
+              <a:solidFill>
+                <a:prstClr val="black"/>
+              </a:solidFill>
+              <a:effectLst/>
+              <a:uLnTx/>
+              <a:uFillTx/>
+              <a:latin typeface="Calibri" panose="020F0502020204030204"/>
+              <a:ea typeface="+mn-ea"/>
+              <a:cs typeface="+mn-cs"/>
+            </a:endParaRPr>
+          </a:p>
+        </p:txBody>
+      </p:sp>
+      <p:sp>
+        <p:nvSpPr>
+          <p:cNvPr id="169" name="TextBox 168">
+            <a:extLst>
+              <a:ext uri="{FF2B5EF4-FFF2-40B4-BE49-F238E27FC236}">
+                <a16:creationId xmlns:a16="http://schemas.microsoft.com/office/drawing/2014/main" id="{987B1582-B30E-4B43-9C61-7DCD22FEC515}"/>
+              </a:ext>
+            </a:extLst>
+          </p:cNvPr>
+          <p:cNvSpPr txBox="1"/>
+          <p:nvPr/>
+        </p:nvSpPr>
+        <p:spPr>
+          <a:xfrm>
+            <a:off x="1681011" y="1927070"/>
+            <a:ext cx="1454150" cy="461665"/>
+          </a:xfrm>
+          <a:prstGeom prst="rect">
+            <a:avLst/>
+          </a:prstGeom>
+          <a:noFill/>
+        </p:spPr>
+        <p:txBody>
+          <a:bodyPr wrap="square">
+            <a:spAutoFit/>
+          </a:bodyPr>
+          <a:lstStyle/>
+          <a:p>
+            <a:pPr marL="0" marR="0" lvl="0" indent="0" algn="ctr" defTabSz="914400" rtl="0" eaLnBrk="1" fontAlgn="auto" latinLnBrk="0" hangingPunct="1">
+              <a:lnSpc>
+                <a:spcPct val="100000"/>
+              </a:lnSpc>
+              <a:spcBef>
+                <a:spcPts val="0"/>
+              </a:spcBef>
+              <a:spcAft>
+                <a:spcPts val="0"/>
+              </a:spcAft>
+              <a:buClrTx/>
+              <a:buSzTx/>
+              <a:buFontTx/>
+              <a:buNone/>
+              <a:tabLst/>
+              <a:defRPr/>
+            </a:pPr>
+            <a:r>
+              <a:rPr lang="en-US" sz="2400" dirty="0">
+                <a:solidFill>
+                  <a:prstClr val="black"/>
+                </a:solidFill>
+                <a:latin typeface="Calibri" panose="020F0502020204030204"/>
+              </a:rPr>
+              <a:t>Verilog</a:t>
+            </a:r>
+            <a:endParaRPr kumimoji="0" lang="en-US" sz="2400" b="0" i="0" u="none" strike="noStrike" kern="1200" cap="none" spc="0" normalizeH="0" baseline="0" noProof="0" dirty="0">
+              <a:ln>
+                <a:noFill/>
+              </a:ln>
+              <a:solidFill>
+                <a:prstClr val="black"/>
+              </a:solidFill>
+              <a:effectLst/>
+              <a:uLnTx/>
+              <a:uFillTx/>
+              <a:latin typeface="Calibri" panose="020F0502020204030204"/>
+              <a:ea typeface="+mn-ea"/>
+              <a:cs typeface="+mn-cs"/>
+            </a:endParaRPr>
+          </a:p>
+        </p:txBody>
+      </p:sp>
+      <p:sp>
+        <p:nvSpPr>
+          <p:cNvPr id="170" name="TextBox 169">
+            <a:extLst>
+              <a:ext uri="{FF2B5EF4-FFF2-40B4-BE49-F238E27FC236}">
+                <a16:creationId xmlns:a16="http://schemas.microsoft.com/office/drawing/2014/main" id="{303EF9B6-C23B-4EE5-8DB3-B9C31D68983B}"/>
+              </a:ext>
+            </a:extLst>
+          </p:cNvPr>
+          <p:cNvSpPr txBox="1"/>
+          <p:nvPr/>
+        </p:nvSpPr>
+        <p:spPr>
+          <a:xfrm>
+            <a:off x="2487783" y="2157560"/>
+            <a:ext cx="1454150" cy="461665"/>
+          </a:xfrm>
+          <a:prstGeom prst="rect">
+            <a:avLst/>
+          </a:prstGeom>
+          <a:noFill/>
+        </p:spPr>
+        <p:txBody>
+          <a:bodyPr wrap="square">
+            <a:spAutoFit/>
+          </a:bodyPr>
+          <a:lstStyle/>
+          <a:p>
+            <a:pPr marL="0" marR="0" lvl="0" indent="0" algn="ctr" defTabSz="914400" rtl="0" eaLnBrk="1" fontAlgn="auto" latinLnBrk="0" hangingPunct="1">
+              <a:lnSpc>
+                <a:spcPct val="100000"/>
+              </a:lnSpc>
+              <a:spcBef>
+                <a:spcPts val="0"/>
+              </a:spcBef>
+              <a:spcAft>
+                <a:spcPts val="0"/>
+              </a:spcAft>
+              <a:buClrTx/>
+              <a:buSzTx/>
+              <a:buFontTx/>
+              <a:buNone/>
+              <a:tabLst/>
+              <a:defRPr/>
+            </a:pPr>
+            <a:r>
+              <a:rPr kumimoji="0" lang="en-US" sz="2400" b="0" i="0" u="none" strike="noStrike" kern="1200" cap="none" spc="0" normalizeH="0" baseline="0" noProof="0" dirty="0">
+                <a:ln>
+                  <a:noFill/>
+                </a:ln>
+                <a:solidFill>
+                  <a:prstClr val="black"/>
+                </a:solidFill>
+                <a:effectLst/>
+                <a:uLnTx/>
+                <a:uFillTx/>
+                <a:latin typeface="Calibri" panose="020F0502020204030204"/>
+                <a:ea typeface="+mn-ea"/>
+                <a:cs typeface="+mn-cs"/>
+              </a:rPr>
+              <a:t>Other</a:t>
+            </a:r>
+          </a:p>
+        </p:txBody>
+      </p:sp>
+      <p:grpSp>
+        <p:nvGrpSpPr>
+          <p:cNvPr id="270" name="Group 269">
+            <a:extLst>
+              <a:ext uri="{FF2B5EF4-FFF2-40B4-BE49-F238E27FC236}">
+                <a16:creationId xmlns:a16="http://schemas.microsoft.com/office/drawing/2014/main" id="{A2345D2C-EC86-4DA1-AD09-2A91D96A03F7}"/>
+              </a:ext>
+            </a:extLst>
+          </p:cNvPr>
+          <p:cNvGrpSpPr/>
+          <p:nvPr/>
+        </p:nvGrpSpPr>
+        <p:grpSpPr>
+          <a:xfrm>
+            <a:off x="8530815" y="2331383"/>
+            <a:ext cx="1086014" cy="1289050"/>
+            <a:chOff x="1250786" y="3333750"/>
+            <a:chExt cx="1691504" cy="1723449"/>
+          </a:xfrm>
+        </p:grpSpPr>
+        <p:pic>
+          <p:nvPicPr>
+            <p:cNvPr id="271" name="Picture 270">
+              <a:extLst>
+                <a:ext uri="{FF2B5EF4-FFF2-40B4-BE49-F238E27FC236}">
+                  <a16:creationId xmlns:a16="http://schemas.microsoft.com/office/drawing/2014/main" id="{A6E31B12-9CF0-4B8D-B753-479756B66D2B}"/>
+                </a:ext>
+              </a:extLst>
+            </p:cNvPr>
+            <p:cNvPicPr>
+              <a:picLocks noChangeAspect="1"/>
+            </p:cNvPicPr>
+            <p:nvPr/>
+          </p:nvPicPr>
+          <p:blipFill>
+            <a:blip r:embed="rId2">
+              <a:extLst>
+                <a:ext uri="{28A0092B-C50C-407E-A947-70E740481C1C}">
+                  <a14:useLocalDpi xmlns:a14="http://schemas.microsoft.com/office/drawing/2010/main" val="0"/>
+                </a:ext>
+              </a:extLst>
+            </a:blip>
+            <a:stretch>
+              <a:fillRect/>
+            </a:stretch>
+          </p:blipFill>
+          <p:spPr>
+            <a:xfrm flipH="1">
+              <a:off x="1250786" y="3333750"/>
+              <a:ext cx="1691504" cy="1723449"/>
+            </a:xfrm>
+            <a:prstGeom prst="rect">
+              <a:avLst/>
+            </a:prstGeom>
+          </p:spPr>
+        </p:pic>
+        <p:cxnSp>
+          <p:nvCxnSpPr>
+            <p:cNvPr id="272" name="Straight Connector 271">
+              <a:extLst>
+                <a:ext uri="{FF2B5EF4-FFF2-40B4-BE49-F238E27FC236}">
+                  <a16:creationId xmlns:a16="http://schemas.microsoft.com/office/drawing/2014/main" id="{349831B8-1D55-400E-AC74-E6CD7DD692F5}"/>
+                </a:ext>
+              </a:extLst>
+            </p:cNvPr>
+            <p:cNvCxnSpPr/>
+            <p:nvPr/>
+          </p:nvCxnSpPr>
+          <p:spPr>
+            <a:xfrm flipV="1">
+              <a:off x="1504950" y="3778250"/>
+              <a:ext cx="920750" cy="57150"/>
+            </a:xfrm>
+            <a:prstGeom prst="line">
+              <a:avLst/>
+            </a:prstGeom>
+            <a:ln w="19050">
+              <a:solidFill>
+                <a:schemeClr val="tx1"/>
+              </a:solidFill>
+            </a:ln>
+          </p:spPr>
+          <p:style>
+            <a:lnRef idx="1">
+              <a:schemeClr val="accent1"/>
+            </a:lnRef>
+            <a:fillRef idx="0">
+              <a:schemeClr val="accent1"/>
+            </a:fillRef>
+            <a:effectRef idx="0">
+              <a:schemeClr val="accent1"/>
+            </a:effectRef>
+            <a:fontRef idx="minor">
+              <a:schemeClr val="tx1"/>
+            </a:fontRef>
+          </p:style>
+        </p:cxnSp>
+        <p:cxnSp>
+          <p:nvCxnSpPr>
+            <p:cNvPr id="273" name="Straight Connector 272">
+              <a:extLst>
+                <a:ext uri="{FF2B5EF4-FFF2-40B4-BE49-F238E27FC236}">
+                  <a16:creationId xmlns:a16="http://schemas.microsoft.com/office/drawing/2014/main" id="{FFD4FFDB-4B4E-4029-BE1C-A40EB95B129D}"/>
+                </a:ext>
+              </a:extLst>
+            </p:cNvPr>
+            <p:cNvCxnSpPr>
+              <a:cxnSpLocks/>
+            </p:cNvCxnSpPr>
+            <p:nvPr/>
+          </p:nvCxnSpPr>
+          <p:spPr>
+            <a:xfrm flipV="1">
+              <a:off x="1587500" y="3937000"/>
+              <a:ext cx="882650" cy="50800"/>
+            </a:xfrm>
+            <a:prstGeom prst="line">
+              <a:avLst/>
+            </a:prstGeom>
+            <a:ln w="19050">
+              <a:solidFill>
+                <a:schemeClr val="tx1"/>
+              </a:solidFill>
+            </a:ln>
+          </p:spPr>
+          <p:style>
+            <a:lnRef idx="1">
+              <a:schemeClr val="accent1"/>
+            </a:lnRef>
+            <a:fillRef idx="0">
+              <a:schemeClr val="accent1"/>
+            </a:fillRef>
+            <a:effectRef idx="0">
+              <a:schemeClr val="accent1"/>
+            </a:effectRef>
+            <a:fontRef idx="minor">
+              <a:schemeClr val="tx1"/>
+            </a:fontRef>
+          </p:style>
+        </p:cxnSp>
+        <p:cxnSp>
+          <p:nvCxnSpPr>
+            <p:cNvPr id="274" name="Straight Connector 273">
+              <a:extLst>
+                <a:ext uri="{FF2B5EF4-FFF2-40B4-BE49-F238E27FC236}">
+                  <a16:creationId xmlns:a16="http://schemas.microsoft.com/office/drawing/2014/main" id="{79D850BB-1A63-4A71-9646-8AED27B0B359}"/>
+                </a:ext>
+              </a:extLst>
+            </p:cNvPr>
+            <p:cNvCxnSpPr>
+              <a:cxnSpLocks/>
+            </p:cNvCxnSpPr>
+            <p:nvPr/>
+          </p:nvCxnSpPr>
+          <p:spPr>
+            <a:xfrm flipV="1">
+              <a:off x="1657350" y="4081035"/>
+              <a:ext cx="850900" cy="52815"/>
+            </a:xfrm>
+            <a:prstGeom prst="line">
+              <a:avLst/>
+            </a:prstGeom>
+            <a:ln w="19050">
+              <a:solidFill>
+                <a:schemeClr val="tx1"/>
+              </a:solidFill>
+            </a:ln>
+          </p:spPr>
+          <p:style>
+            <a:lnRef idx="1">
+              <a:schemeClr val="accent1"/>
+            </a:lnRef>
+            <a:fillRef idx="0">
+              <a:schemeClr val="accent1"/>
+            </a:fillRef>
+            <a:effectRef idx="0">
+              <a:schemeClr val="accent1"/>
+            </a:effectRef>
+            <a:fontRef idx="minor">
+              <a:schemeClr val="tx1"/>
+            </a:fontRef>
+          </p:style>
+        </p:cxnSp>
+        <p:cxnSp>
+          <p:nvCxnSpPr>
+            <p:cNvPr id="275" name="Straight Connector 274">
+              <a:extLst>
+                <a:ext uri="{FF2B5EF4-FFF2-40B4-BE49-F238E27FC236}">
+                  <a16:creationId xmlns:a16="http://schemas.microsoft.com/office/drawing/2014/main" id="{2B667799-6CAB-4946-86E8-F8A305755795}"/>
+                </a:ext>
+              </a:extLst>
+            </p:cNvPr>
+            <p:cNvCxnSpPr>
+              <a:cxnSpLocks/>
+            </p:cNvCxnSpPr>
+            <p:nvPr/>
+          </p:nvCxnSpPr>
+          <p:spPr>
+            <a:xfrm flipV="1">
+              <a:off x="1733550" y="4227874"/>
+              <a:ext cx="838200" cy="52026"/>
+            </a:xfrm>
+            <a:prstGeom prst="line">
+              <a:avLst/>
+            </a:prstGeom>
+            <a:ln w="19050">
+              <a:solidFill>
+                <a:schemeClr val="tx1"/>
+              </a:solidFill>
+            </a:ln>
+          </p:spPr>
+          <p:style>
+            <a:lnRef idx="1">
+              <a:schemeClr val="accent1"/>
+            </a:lnRef>
+            <a:fillRef idx="0">
+              <a:schemeClr val="accent1"/>
+            </a:fillRef>
+            <a:effectRef idx="0">
+              <a:schemeClr val="accent1"/>
+            </a:effectRef>
+            <a:fontRef idx="minor">
+              <a:schemeClr val="tx1"/>
+            </a:fontRef>
+          </p:style>
+        </p:cxnSp>
+        <p:cxnSp>
+          <p:nvCxnSpPr>
+            <p:cNvPr id="276" name="Straight Connector 275">
+              <a:extLst>
+                <a:ext uri="{FF2B5EF4-FFF2-40B4-BE49-F238E27FC236}">
+                  <a16:creationId xmlns:a16="http://schemas.microsoft.com/office/drawing/2014/main" id="{407B8F72-8F7E-4D17-952F-176DD6F2B68C}"/>
+                </a:ext>
+              </a:extLst>
+            </p:cNvPr>
+            <p:cNvCxnSpPr>
+              <a:cxnSpLocks/>
+            </p:cNvCxnSpPr>
+            <p:nvPr/>
+          </p:nvCxnSpPr>
+          <p:spPr>
+            <a:xfrm flipV="1">
+              <a:off x="1803400" y="4371559"/>
+              <a:ext cx="876300" cy="54391"/>
+            </a:xfrm>
+            <a:prstGeom prst="line">
+              <a:avLst/>
+            </a:prstGeom>
+            <a:ln w="19050">
+              <a:solidFill>
+                <a:schemeClr val="tx1"/>
+              </a:solidFill>
+            </a:ln>
+          </p:spPr>
+          <p:style>
+            <a:lnRef idx="1">
+              <a:schemeClr val="accent1"/>
+            </a:lnRef>
+            <a:fillRef idx="0">
+              <a:schemeClr val="accent1"/>
+            </a:fillRef>
+            <a:effectRef idx="0">
+              <a:schemeClr val="accent1"/>
+            </a:effectRef>
+            <a:fontRef idx="minor">
+              <a:schemeClr val="tx1"/>
+            </a:fontRef>
+          </p:style>
+        </p:cxnSp>
+        <p:cxnSp>
+          <p:nvCxnSpPr>
+            <p:cNvPr id="277" name="Straight Connector 276">
+              <a:extLst>
+                <a:ext uri="{FF2B5EF4-FFF2-40B4-BE49-F238E27FC236}">
+                  <a16:creationId xmlns:a16="http://schemas.microsoft.com/office/drawing/2014/main" id="{8F11AD43-2B7D-47EE-BE87-48E648B9EBB8}"/>
+                </a:ext>
+              </a:extLst>
+            </p:cNvPr>
+            <p:cNvCxnSpPr>
+              <a:cxnSpLocks/>
+            </p:cNvCxnSpPr>
+            <p:nvPr/>
+          </p:nvCxnSpPr>
+          <p:spPr>
+            <a:xfrm flipV="1">
+              <a:off x="1885950" y="4527550"/>
+              <a:ext cx="882650" cy="50800"/>
+            </a:xfrm>
+            <a:prstGeom prst="line">
+              <a:avLst/>
+            </a:prstGeom>
+            <a:ln w="19050">
+              <a:solidFill>
+                <a:schemeClr val="tx1"/>
+              </a:solidFill>
+            </a:ln>
+          </p:spPr>
+          <p:style>
+            <a:lnRef idx="1">
+              <a:schemeClr val="accent1"/>
+            </a:lnRef>
+            <a:fillRef idx="0">
+              <a:schemeClr val="accent1"/>
+            </a:fillRef>
+            <a:effectRef idx="0">
+              <a:schemeClr val="accent1"/>
+            </a:effectRef>
+            <a:fontRef idx="minor">
+              <a:schemeClr val="tx1"/>
+            </a:fontRef>
+          </p:style>
+        </p:cxnSp>
+      </p:grpSp>
+      <p:grpSp>
+        <p:nvGrpSpPr>
+          <p:cNvPr id="278" name="Group 277">
+            <a:extLst>
+              <a:ext uri="{FF2B5EF4-FFF2-40B4-BE49-F238E27FC236}">
+                <a16:creationId xmlns:a16="http://schemas.microsoft.com/office/drawing/2014/main" id="{CAD520B5-54D5-443A-B444-A43140C63877}"/>
+              </a:ext>
+            </a:extLst>
+          </p:cNvPr>
+          <p:cNvGrpSpPr/>
+          <p:nvPr/>
+        </p:nvGrpSpPr>
+        <p:grpSpPr>
+          <a:xfrm>
+            <a:off x="9295918" y="2537722"/>
+            <a:ext cx="1086014" cy="1289050"/>
+            <a:chOff x="1250786" y="3333750"/>
+            <a:chExt cx="1691504" cy="1723449"/>
+          </a:xfrm>
+        </p:grpSpPr>
+        <p:pic>
+          <p:nvPicPr>
+            <p:cNvPr id="279" name="Picture 278">
+              <a:extLst>
+                <a:ext uri="{FF2B5EF4-FFF2-40B4-BE49-F238E27FC236}">
+                  <a16:creationId xmlns:a16="http://schemas.microsoft.com/office/drawing/2014/main" id="{89098280-79E2-4CB5-AB6B-7028F6F03240}"/>
+                </a:ext>
+              </a:extLst>
+            </p:cNvPr>
+            <p:cNvPicPr>
+              <a:picLocks noChangeAspect="1"/>
+            </p:cNvPicPr>
+            <p:nvPr/>
+          </p:nvPicPr>
+          <p:blipFill>
+            <a:blip r:embed="rId2">
+              <a:extLst>
+                <a:ext uri="{28A0092B-C50C-407E-A947-70E740481C1C}">
+                  <a14:useLocalDpi xmlns:a14="http://schemas.microsoft.com/office/drawing/2010/main" val="0"/>
+                </a:ext>
+              </a:extLst>
+            </a:blip>
+            <a:stretch>
+              <a:fillRect/>
+            </a:stretch>
+          </p:blipFill>
+          <p:spPr>
+            <a:xfrm flipH="1">
+              <a:off x="1250786" y="3333750"/>
+              <a:ext cx="1691504" cy="1723449"/>
+            </a:xfrm>
+            <a:prstGeom prst="rect">
+              <a:avLst/>
+            </a:prstGeom>
+          </p:spPr>
+        </p:pic>
+        <p:cxnSp>
+          <p:nvCxnSpPr>
+            <p:cNvPr id="280" name="Straight Connector 279">
+              <a:extLst>
+                <a:ext uri="{FF2B5EF4-FFF2-40B4-BE49-F238E27FC236}">
+                  <a16:creationId xmlns:a16="http://schemas.microsoft.com/office/drawing/2014/main" id="{7717B63A-CB4C-411F-B076-6A3BE77CA634}"/>
+                </a:ext>
+              </a:extLst>
+            </p:cNvPr>
+            <p:cNvCxnSpPr/>
+            <p:nvPr/>
+          </p:nvCxnSpPr>
+          <p:spPr>
+            <a:xfrm flipV="1">
+              <a:off x="1504950" y="3778250"/>
+              <a:ext cx="920750" cy="57150"/>
+            </a:xfrm>
+            <a:prstGeom prst="line">
+              <a:avLst/>
+            </a:prstGeom>
+            <a:ln w="19050">
+              <a:solidFill>
+                <a:schemeClr val="tx1"/>
+              </a:solidFill>
+            </a:ln>
+          </p:spPr>
+          <p:style>
+            <a:lnRef idx="1">
+              <a:schemeClr val="accent1"/>
+            </a:lnRef>
+            <a:fillRef idx="0">
+              <a:schemeClr val="accent1"/>
+            </a:fillRef>
+            <a:effectRef idx="0">
+              <a:schemeClr val="accent1"/>
+            </a:effectRef>
+            <a:fontRef idx="minor">
+              <a:schemeClr val="tx1"/>
+            </a:fontRef>
+          </p:style>
+        </p:cxnSp>
+        <p:cxnSp>
+          <p:nvCxnSpPr>
+            <p:cNvPr id="281" name="Straight Connector 280">
+              <a:extLst>
+                <a:ext uri="{FF2B5EF4-FFF2-40B4-BE49-F238E27FC236}">
+                  <a16:creationId xmlns:a16="http://schemas.microsoft.com/office/drawing/2014/main" id="{6F303438-2355-49AD-9890-C457FC486E9B}"/>
+                </a:ext>
+              </a:extLst>
+            </p:cNvPr>
+            <p:cNvCxnSpPr>
+              <a:cxnSpLocks/>
+            </p:cNvCxnSpPr>
+            <p:nvPr/>
+          </p:nvCxnSpPr>
+          <p:spPr>
+            <a:xfrm flipV="1">
+              <a:off x="1587500" y="3937000"/>
+              <a:ext cx="882650" cy="50800"/>
+            </a:xfrm>
+            <a:prstGeom prst="line">
+              <a:avLst/>
+            </a:prstGeom>
+            <a:ln w="19050">
+              <a:solidFill>
+                <a:schemeClr val="tx1"/>
+              </a:solidFill>
+            </a:ln>
+          </p:spPr>
+          <p:style>
+            <a:lnRef idx="1">
+              <a:schemeClr val="accent1"/>
+            </a:lnRef>
+            <a:fillRef idx="0">
+              <a:schemeClr val="accent1"/>
+            </a:fillRef>
+            <a:effectRef idx="0">
+              <a:schemeClr val="accent1"/>
+            </a:effectRef>
+            <a:fontRef idx="minor">
+              <a:schemeClr val="tx1"/>
+            </a:fontRef>
+          </p:style>
+        </p:cxnSp>
+        <p:cxnSp>
+          <p:nvCxnSpPr>
+            <p:cNvPr id="282" name="Straight Connector 281">
+              <a:extLst>
+                <a:ext uri="{FF2B5EF4-FFF2-40B4-BE49-F238E27FC236}">
+                  <a16:creationId xmlns:a16="http://schemas.microsoft.com/office/drawing/2014/main" id="{916A1259-62A6-4875-8261-70D7F5C972E4}"/>
+                </a:ext>
+              </a:extLst>
+            </p:cNvPr>
+            <p:cNvCxnSpPr>
+              <a:cxnSpLocks/>
+            </p:cNvCxnSpPr>
+            <p:nvPr/>
+          </p:nvCxnSpPr>
+          <p:spPr>
+            <a:xfrm flipV="1">
+              <a:off x="1657350" y="4081035"/>
+              <a:ext cx="850900" cy="52815"/>
+            </a:xfrm>
+            <a:prstGeom prst="line">
+              <a:avLst/>
+            </a:prstGeom>
+            <a:ln w="19050">
+              <a:solidFill>
+                <a:schemeClr val="tx1"/>
+              </a:solidFill>
+            </a:ln>
+          </p:spPr>
+          <p:style>
+            <a:lnRef idx="1">
+              <a:schemeClr val="accent1"/>
+            </a:lnRef>
+            <a:fillRef idx="0">
+              <a:schemeClr val="accent1"/>
+            </a:fillRef>
+            <a:effectRef idx="0">
+              <a:schemeClr val="accent1"/>
+            </a:effectRef>
+            <a:fontRef idx="minor">
+              <a:schemeClr val="tx1"/>
+            </a:fontRef>
+          </p:style>
+        </p:cxnSp>
+        <p:cxnSp>
+          <p:nvCxnSpPr>
+            <p:cNvPr id="283" name="Straight Connector 282">
+              <a:extLst>
+                <a:ext uri="{FF2B5EF4-FFF2-40B4-BE49-F238E27FC236}">
+                  <a16:creationId xmlns:a16="http://schemas.microsoft.com/office/drawing/2014/main" id="{5EF22438-947A-4A8B-A24B-B55F04915C99}"/>
+                </a:ext>
+              </a:extLst>
+            </p:cNvPr>
+            <p:cNvCxnSpPr>
+              <a:cxnSpLocks/>
+            </p:cNvCxnSpPr>
+            <p:nvPr/>
+          </p:nvCxnSpPr>
+          <p:spPr>
+            <a:xfrm flipV="1">
+              <a:off x="1733550" y="4227874"/>
+              <a:ext cx="838200" cy="52026"/>
+            </a:xfrm>
+            <a:prstGeom prst="line">
+              <a:avLst/>
+            </a:prstGeom>
+            <a:ln w="19050">
+              <a:solidFill>
+                <a:schemeClr val="tx1"/>
+              </a:solidFill>
+            </a:ln>
+          </p:spPr>
+          <p:style>
+            <a:lnRef idx="1">
+              <a:schemeClr val="accent1"/>
+            </a:lnRef>
+            <a:fillRef idx="0">
+              <a:schemeClr val="accent1"/>
+            </a:fillRef>
+            <a:effectRef idx="0">
+              <a:schemeClr val="accent1"/>
+            </a:effectRef>
+            <a:fontRef idx="minor">
+              <a:schemeClr val="tx1"/>
+            </a:fontRef>
+          </p:style>
+        </p:cxnSp>
+        <p:cxnSp>
+          <p:nvCxnSpPr>
+            <p:cNvPr id="284" name="Straight Connector 283">
+              <a:extLst>
+                <a:ext uri="{FF2B5EF4-FFF2-40B4-BE49-F238E27FC236}">
+                  <a16:creationId xmlns:a16="http://schemas.microsoft.com/office/drawing/2014/main" id="{89AF10D0-1AC9-4203-BFA9-6D80C93986EB}"/>
+                </a:ext>
+              </a:extLst>
+            </p:cNvPr>
+            <p:cNvCxnSpPr>
+              <a:cxnSpLocks/>
+            </p:cNvCxnSpPr>
+            <p:nvPr/>
+          </p:nvCxnSpPr>
+          <p:spPr>
+            <a:xfrm flipV="1">
+              <a:off x="1803400" y="4371559"/>
+              <a:ext cx="876300" cy="54391"/>
+            </a:xfrm>
+            <a:prstGeom prst="line">
+              <a:avLst/>
+            </a:prstGeom>
+            <a:ln w="19050">
+              <a:solidFill>
+                <a:schemeClr val="tx1"/>
+              </a:solidFill>
+            </a:ln>
+          </p:spPr>
+          <p:style>
+            <a:lnRef idx="1">
+              <a:schemeClr val="accent1"/>
+            </a:lnRef>
+            <a:fillRef idx="0">
+              <a:schemeClr val="accent1"/>
+            </a:fillRef>
+            <a:effectRef idx="0">
+              <a:schemeClr val="accent1"/>
+            </a:effectRef>
+            <a:fontRef idx="minor">
+              <a:schemeClr val="tx1"/>
+            </a:fontRef>
+          </p:style>
+        </p:cxnSp>
+        <p:cxnSp>
+          <p:nvCxnSpPr>
+            <p:cNvPr id="285" name="Straight Connector 284">
+              <a:extLst>
+                <a:ext uri="{FF2B5EF4-FFF2-40B4-BE49-F238E27FC236}">
+                  <a16:creationId xmlns:a16="http://schemas.microsoft.com/office/drawing/2014/main" id="{71CF9E4F-BDA9-4CBA-8CEA-0269110883E8}"/>
+                </a:ext>
+              </a:extLst>
+            </p:cNvPr>
+            <p:cNvCxnSpPr>
+              <a:cxnSpLocks/>
+            </p:cNvCxnSpPr>
+            <p:nvPr/>
+          </p:nvCxnSpPr>
+          <p:spPr>
+            <a:xfrm flipV="1">
+              <a:off x="1885950" y="4527550"/>
+              <a:ext cx="882650" cy="50800"/>
+            </a:xfrm>
+            <a:prstGeom prst="line">
+              <a:avLst/>
+            </a:prstGeom>
+            <a:ln w="19050">
+              <a:solidFill>
+                <a:schemeClr val="tx1"/>
+              </a:solidFill>
+            </a:ln>
+          </p:spPr>
+          <p:style>
+            <a:lnRef idx="1">
+              <a:schemeClr val="accent1"/>
+            </a:lnRef>
+            <a:fillRef idx="0">
+              <a:schemeClr val="accent1"/>
+            </a:fillRef>
+            <a:effectRef idx="0">
+              <a:schemeClr val="accent1"/>
+            </a:effectRef>
+            <a:fontRef idx="minor">
+              <a:schemeClr val="tx1"/>
+            </a:fontRef>
+          </p:style>
+        </p:cxnSp>
+      </p:grpSp>
+      <p:grpSp>
+        <p:nvGrpSpPr>
+          <p:cNvPr id="286" name="Group 285">
+            <a:extLst>
+              <a:ext uri="{FF2B5EF4-FFF2-40B4-BE49-F238E27FC236}">
+                <a16:creationId xmlns:a16="http://schemas.microsoft.com/office/drawing/2014/main" id="{6337D52A-0240-4B5E-AEB1-1048B3535098}"/>
+              </a:ext>
+            </a:extLst>
+          </p:cNvPr>
+          <p:cNvGrpSpPr/>
+          <p:nvPr/>
+        </p:nvGrpSpPr>
+        <p:grpSpPr>
+          <a:xfrm>
+            <a:off x="10061021" y="2733351"/>
+            <a:ext cx="1086014" cy="1289050"/>
+            <a:chOff x="1250786" y="3333750"/>
+            <a:chExt cx="1691504" cy="1723449"/>
+          </a:xfrm>
+        </p:grpSpPr>
+        <p:pic>
+          <p:nvPicPr>
+            <p:cNvPr id="287" name="Picture 286">
+              <a:extLst>
+                <a:ext uri="{FF2B5EF4-FFF2-40B4-BE49-F238E27FC236}">
+                  <a16:creationId xmlns:a16="http://schemas.microsoft.com/office/drawing/2014/main" id="{20943E76-A25E-40D2-9C80-7C9DAFFAF747}"/>
+                </a:ext>
+              </a:extLst>
+            </p:cNvPr>
+            <p:cNvPicPr>
+              <a:picLocks noChangeAspect="1"/>
+            </p:cNvPicPr>
+            <p:nvPr/>
+          </p:nvPicPr>
+          <p:blipFill>
+            <a:blip r:embed="rId2">
+              <a:extLst>
+                <a:ext uri="{28A0092B-C50C-407E-A947-70E740481C1C}">
+                  <a14:useLocalDpi xmlns:a14="http://schemas.microsoft.com/office/drawing/2010/main" val="0"/>
+                </a:ext>
+              </a:extLst>
+            </a:blip>
+            <a:stretch>
+              <a:fillRect/>
+            </a:stretch>
+          </p:blipFill>
+          <p:spPr>
+            <a:xfrm flipH="1">
+              <a:off x="1250786" y="3333750"/>
+              <a:ext cx="1691504" cy="1723449"/>
+            </a:xfrm>
+            <a:prstGeom prst="rect">
+              <a:avLst/>
+            </a:prstGeom>
+          </p:spPr>
+        </p:pic>
+        <p:cxnSp>
+          <p:nvCxnSpPr>
+            <p:cNvPr id="288" name="Straight Connector 287">
+              <a:extLst>
+                <a:ext uri="{FF2B5EF4-FFF2-40B4-BE49-F238E27FC236}">
+                  <a16:creationId xmlns:a16="http://schemas.microsoft.com/office/drawing/2014/main" id="{E6029134-1BD4-4C56-B3C0-F66052EF2042}"/>
+                </a:ext>
+              </a:extLst>
+            </p:cNvPr>
+            <p:cNvCxnSpPr/>
+            <p:nvPr/>
+          </p:nvCxnSpPr>
+          <p:spPr>
+            <a:xfrm flipV="1">
+              <a:off x="1504950" y="3778250"/>
+              <a:ext cx="920750" cy="57150"/>
+            </a:xfrm>
+            <a:prstGeom prst="line">
+              <a:avLst/>
+            </a:prstGeom>
+            <a:ln w="19050">
+              <a:solidFill>
+                <a:schemeClr val="tx1"/>
+              </a:solidFill>
+            </a:ln>
+          </p:spPr>
+          <p:style>
+            <a:lnRef idx="1">
+              <a:schemeClr val="accent1"/>
+            </a:lnRef>
+            <a:fillRef idx="0">
+              <a:schemeClr val="accent1"/>
+            </a:fillRef>
+            <a:effectRef idx="0">
+              <a:schemeClr val="accent1"/>
+            </a:effectRef>
+            <a:fontRef idx="minor">
+              <a:schemeClr val="tx1"/>
+            </a:fontRef>
+          </p:style>
+        </p:cxnSp>
+        <p:cxnSp>
+          <p:nvCxnSpPr>
+            <p:cNvPr id="289" name="Straight Connector 288">
+              <a:extLst>
+                <a:ext uri="{FF2B5EF4-FFF2-40B4-BE49-F238E27FC236}">
+                  <a16:creationId xmlns:a16="http://schemas.microsoft.com/office/drawing/2014/main" id="{2CABB116-5B8D-4595-8BD7-A520779DA7FA}"/>
+                </a:ext>
+              </a:extLst>
+            </p:cNvPr>
+            <p:cNvCxnSpPr>
+              <a:cxnSpLocks/>
+            </p:cNvCxnSpPr>
+            <p:nvPr/>
+          </p:nvCxnSpPr>
+          <p:spPr>
+            <a:xfrm flipV="1">
+              <a:off x="1587500" y="3937000"/>
+              <a:ext cx="882650" cy="50800"/>
+            </a:xfrm>
+            <a:prstGeom prst="line">
+              <a:avLst/>
+            </a:prstGeom>
+            <a:ln w="19050">
+              <a:solidFill>
+                <a:schemeClr val="tx1"/>
+              </a:solidFill>
+            </a:ln>
+          </p:spPr>
+          <p:style>
+            <a:lnRef idx="1">
+              <a:schemeClr val="accent1"/>
+            </a:lnRef>
+            <a:fillRef idx="0">
+              <a:schemeClr val="accent1"/>
+            </a:fillRef>
+            <a:effectRef idx="0">
+              <a:schemeClr val="accent1"/>
+            </a:effectRef>
+            <a:fontRef idx="minor">
+              <a:schemeClr val="tx1"/>
+            </a:fontRef>
+          </p:style>
+        </p:cxnSp>
+        <p:cxnSp>
+          <p:nvCxnSpPr>
+            <p:cNvPr id="290" name="Straight Connector 289">
+              <a:extLst>
+                <a:ext uri="{FF2B5EF4-FFF2-40B4-BE49-F238E27FC236}">
+                  <a16:creationId xmlns:a16="http://schemas.microsoft.com/office/drawing/2014/main" id="{EA005020-596D-45D2-BC93-1A4F6E2F4BB1}"/>
+                </a:ext>
+              </a:extLst>
+            </p:cNvPr>
+            <p:cNvCxnSpPr>
+              <a:cxnSpLocks/>
+            </p:cNvCxnSpPr>
+            <p:nvPr/>
+          </p:nvCxnSpPr>
+          <p:spPr>
+            <a:xfrm flipV="1">
+              <a:off x="1657350" y="4081035"/>
+              <a:ext cx="850900" cy="52815"/>
+            </a:xfrm>
+            <a:prstGeom prst="line">
+              <a:avLst/>
+            </a:prstGeom>
+            <a:ln w="19050">
+              <a:solidFill>
+                <a:schemeClr val="tx1"/>
+              </a:solidFill>
+            </a:ln>
+          </p:spPr>
+          <p:style>
+            <a:lnRef idx="1">
+              <a:schemeClr val="accent1"/>
+            </a:lnRef>
+            <a:fillRef idx="0">
+              <a:schemeClr val="accent1"/>
+            </a:fillRef>
+            <a:effectRef idx="0">
+              <a:schemeClr val="accent1"/>
+            </a:effectRef>
+            <a:fontRef idx="minor">
+              <a:schemeClr val="tx1"/>
+            </a:fontRef>
+          </p:style>
+        </p:cxnSp>
+        <p:cxnSp>
+          <p:nvCxnSpPr>
+            <p:cNvPr id="291" name="Straight Connector 290">
+              <a:extLst>
+                <a:ext uri="{FF2B5EF4-FFF2-40B4-BE49-F238E27FC236}">
+                  <a16:creationId xmlns:a16="http://schemas.microsoft.com/office/drawing/2014/main" id="{3E9693B7-7D25-4DF5-B7C2-8310ACD1C6B2}"/>
+                </a:ext>
+              </a:extLst>
+            </p:cNvPr>
+            <p:cNvCxnSpPr>
+              <a:cxnSpLocks/>
+            </p:cNvCxnSpPr>
+            <p:nvPr/>
+          </p:nvCxnSpPr>
+          <p:spPr>
+            <a:xfrm flipV="1">
+              <a:off x="1733550" y="4227874"/>
+              <a:ext cx="838200" cy="52026"/>
+            </a:xfrm>
+            <a:prstGeom prst="line">
+              <a:avLst/>
+            </a:prstGeom>
+            <a:ln w="19050">
+              <a:solidFill>
+                <a:schemeClr val="tx1"/>
+              </a:solidFill>
+            </a:ln>
+          </p:spPr>
+          <p:style>
+            <a:lnRef idx="1">
+              <a:schemeClr val="accent1"/>
+            </a:lnRef>
+            <a:fillRef idx="0">
+              <a:schemeClr val="accent1"/>
+            </a:fillRef>
+            <a:effectRef idx="0">
+              <a:schemeClr val="accent1"/>
+            </a:effectRef>
+            <a:fontRef idx="minor">
+              <a:schemeClr val="tx1"/>
+            </a:fontRef>
+          </p:style>
+        </p:cxnSp>
+        <p:cxnSp>
+          <p:nvCxnSpPr>
+            <p:cNvPr id="292" name="Straight Connector 291">
+              <a:extLst>
+                <a:ext uri="{FF2B5EF4-FFF2-40B4-BE49-F238E27FC236}">
+                  <a16:creationId xmlns:a16="http://schemas.microsoft.com/office/drawing/2014/main" id="{4FFEA406-A9F9-4EA7-9A83-00045CE89497}"/>
+                </a:ext>
+              </a:extLst>
+            </p:cNvPr>
+            <p:cNvCxnSpPr>
+              <a:cxnSpLocks/>
+            </p:cNvCxnSpPr>
+            <p:nvPr/>
+          </p:nvCxnSpPr>
+          <p:spPr>
+            <a:xfrm flipV="1">
+              <a:off x="1803400" y="4371559"/>
+              <a:ext cx="876300" cy="54391"/>
+            </a:xfrm>
+            <a:prstGeom prst="line">
+              <a:avLst/>
+            </a:prstGeom>
+            <a:ln w="19050">
+              <a:solidFill>
+                <a:schemeClr val="tx1"/>
+              </a:solidFill>
+            </a:ln>
+          </p:spPr>
+          <p:style>
+            <a:lnRef idx="1">
+              <a:schemeClr val="accent1"/>
+            </a:lnRef>
+            <a:fillRef idx="0">
+              <a:schemeClr val="accent1"/>
+            </a:fillRef>
+            <a:effectRef idx="0">
+              <a:schemeClr val="accent1"/>
+            </a:effectRef>
+            <a:fontRef idx="minor">
+              <a:schemeClr val="tx1"/>
+            </a:fontRef>
+          </p:style>
+        </p:cxnSp>
+        <p:cxnSp>
+          <p:nvCxnSpPr>
+            <p:cNvPr id="293" name="Straight Connector 292">
+              <a:extLst>
+                <a:ext uri="{FF2B5EF4-FFF2-40B4-BE49-F238E27FC236}">
+                  <a16:creationId xmlns:a16="http://schemas.microsoft.com/office/drawing/2014/main" id="{02C6E381-6ECD-4AA8-A711-F188CEE8120B}"/>
+                </a:ext>
+              </a:extLst>
+            </p:cNvPr>
+            <p:cNvCxnSpPr>
+              <a:cxnSpLocks/>
+            </p:cNvCxnSpPr>
+            <p:nvPr/>
+          </p:nvCxnSpPr>
+          <p:spPr>
+            <a:xfrm flipV="1">
+              <a:off x="1885950" y="4527550"/>
+              <a:ext cx="882650" cy="50800"/>
+            </a:xfrm>
+            <a:prstGeom prst="line">
+              <a:avLst/>
+            </a:prstGeom>
+            <a:ln w="19050">
+              <a:solidFill>
+                <a:schemeClr val="tx1"/>
+              </a:solidFill>
+            </a:ln>
+          </p:spPr>
+          <p:style>
+            <a:lnRef idx="1">
+              <a:schemeClr val="accent1"/>
+            </a:lnRef>
+            <a:fillRef idx="0">
+              <a:schemeClr val="accent1"/>
+            </a:fillRef>
+            <a:effectRef idx="0">
+              <a:schemeClr val="accent1"/>
+            </a:effectRef>
+            <a:fontRef idx="minor">
+              <a:schemeClr val="tx1"/>
+            </a:fontRef>
+          </p:style>
+        </p:cxnSp>
+      </p:grpSp>
+      <p:grpSp>
+        <p:nvGrpSpPr>
+          <p:cNvPr id="294" name="Group 293">
+            <a:extLst>
+              <a:ext uri="{FF2B5EF4-FFF2-40B4-BE49-F238E27FC236}">
+                <a16:creationId xmlns:a16="http://schemas.microsoft.com/office/drawing/2014/main" id="{1813D951-E73E-49F6-B09B-C5CDD4BBF15C}"/>
+              </a:ext>
+            </a:extLst>
+          </p:cNvPr>
+          <p:cNvGrpSpPr/>
+          <p:nvPr/>
+        </p:nvGrpSpPr>
+        <p:grpSpPr>
+          <a:xfrm>
+            <a:off x="10826124" y="2948740"/>
+            <a:ext cx="1086014" cy="1289050"/>
+            <a:chOff x="1250786" y="3333750"/>
+            <a:chExt cx="1691504" cy="1723449"/>
+          </a:xfrm>
+        </p:grpSpPr>
+        <p:pic>
+          <p:nvPicPr>
+            <p:cNvPr id="295" name="Picture 294">
+              <a:extLst>
+                <a:ext uri="{FF2B5EF4-FFF2-40B4-BE49-F238E27FC236}">
+                  <a16:creationId xmlns:a16="http://schemas.microsoft.com/office/drawing/2014/main" id="{5574F0A6-3CA6-44E3-8E49-762511B22C7D}"/>
+                </a:ext>
+              </a:extLst>
+            </p:cNvPr>
+            <p:cNvPicPr>
+              <a:picLocks noChangeAspect="1"/>
+            </p:cNvPicPr>
+            <p:nvPr/>
+          </p:nvPicPr>
+          <p:blipFill>
+            <a:blip r:embed="rId2">
+              <a:extLst>
+                <a:ext uri="{28A0092B-C50C-407E-A947-70E740481C1C}">
+                  <a14:useLocalDpi xmlns:a14="http://schemas.microsoft.com/office/drawing/2010/main" val="0"/>
+                </a:ext>
+              </a:extLst>
+            </a:blip>
+            <a:stretch>
+              <a:fillRect/>
+            </a:stretch>
+          </p:blipFill>
+          <p:spPr>
+            <a:xfrm flipH="1">
+              <a:off x="1250786" y="3333750"/>
+              <a:ext cx="1691504" cy="1723449"/>
+            </a:xfrm>
+            <a:prstGeom prst="rect">
+              <a:avLst/>
+            </a:prstGeom>
+          </p:spPr>
+        </p:pic>
+        <p:cxnSp>
+          <p:nvCxnSpPr>
+            <p:cNvPr id="296" name="Straight Connector 295">
+              <a:extLst>
+                <a:ext uri="{FF2B5EF4-FFF2-40B4-BE49-F238E27FC236}">
+                  <a16:creationId xmlns:a16="http://schemas.microsoft.com/office/drawing/2014/main" id="{8A4045DE-4A58-4DB6-83E8-C695804B4D82}"/>
+                </a:ext>
+              </a:extLst>
+            </p:cNvPr>
+            <p:cNvCxnSpPr/>
+            <p:nvPr/>
+          </p:nvCxnSpPr>
+          <p:spPr>
+            <a:xfrm flipV="1">
+              <a:off x="1504950" y="3778250"/>
+              <a:ext cx="920750" cy="57150"/>
+            </a:xfrm>
+            <a:prstGeom prst="line">
+              <a:avLst/>
+            </a:prstGeom>
+            <a:ln w="19050">
+              <a:solidFill>
+                <a:schemeClr val="tx1"/>
+              </a:solidFill>
+            </a:ln>
+          </p:spPr>
+          <p:style>
+            <a:lnRef idx="1">
+              <a:schemeClr val="accent1"/>
+            </a:lnRef>
+            <a:fillRef idx="0">
+              <a:schemeClr val="accent1"/>
+            </a:fillRef>
+            <a:effectRef idx="0">
+              <a:schemeClr val="accent1"/>
+            </a:effectRef>
+            <a:fontRef idx="minor">
+              <a:schemeClr val="tx1"/>
+            </a:fontRef>
+          </p:style>
+        </p:cxnSp>
+        <p:cxnSp>
+          <p:nvCxnSpPr>
+            <p:cNvPr id="297" name="Straight Connector 296">
+              <a:extLst>
+                <a:ext uri="{FF2B5EF4-FFF2-40B4-BE49-F238E27FC236}">
+                  <a16:creationId xmlns:a16="http://schemas.microsoft.com/office/drawing/2014/main" id="{E5D3171C-1AB9-4F27-9930-B52EBC004A86}"/>
+                </a:ext>
+              </a:extLst>
+            </p:cNvPr>
+            <p:cNvCxnSpPr>
+              <a:cxnSpLocks/>
+            </p:cNvCxnSpPr>
+            <p:nvPr/>
+          </p:nvCxnSpPr>
+          <p:spPr>
+            <a:xfrm flipV="1">
+              <a:off x="1587500" y="3937000"/>
+              <a:ext cx="882650" cy="50800"/>
+            </a:xfrm>
+            <a:prstGeom prst="line">
+              <a:avLst/>
+            </a:prstGeom>
+            <a:ln w="19050">
+              <a:solidFill>
+                <a:schemeClr val="tx1"/>
+              </a:solidFill>
+            </a:ln>
+          </p:spPr>
+          <p:style>
+            <a:lnRef idx="1">
+              <a:schemeClr val="accent1"/>
+            </a:lnRef>
+            <a:fillRef idx="0">
+              <a:schemeClr val="accent1"/>
+            </a:fillRef>
+            <a:effectRef idx="0">
+              <a:schemeClr val="accent1"/>
+            </a:effectRef>
+            <a:fontRef idx="minor">
+              <a:schemeClr val="tx1"/>
+            </a:fontRef>
+          </p:style>
+        </p:cxnSp>
+        <p:cxnSp>
+          <p:nvCxnSpPr>
+            <p:cNvPr id="298" name="Straight Connector 297">
+              <a:extLst>
+                <a:ext uri="{FF2B5EF4-FFF2-40B4-BE49-F238E27FC236}">
+                  <a16:creationId xmlns:a16="http://schemas.microsoft.com/office/drawing/2014/main" id="{67733816-42D7-409E-AF8D-2B20073704B2}"/>
+                </a:ext>
+              </a:extLst>
+            </p:cNvPr>
+            <p:cNvCxnSpPr>
+              <a:cxnSpLocks/>
+            </p:cNvCxnSpPr>
+            <p:nvPr/>
+          </p:nvCxnSpPr>
+          <p:spPr>
+            <a:xfrm flipV="1">
+              <a:off x="1657350" y="4081035"/>
+              <a:ext cx="850900" cy="52815"/>
+            </a:xfrm>
+            <a:prstGeom prst="line">
+              <a:avLst/>
+            </a:prstGeom>
+            <a:ln w="19050">
+              <a:solidFill>
+                <a:schemeClr val="tx1"/>
+              </a:solidFill>
+            </a:ln>
+          </p:spPr>
+          <p:style>
+            <a:lnRef idx="1">
+              <a:schemeClr val="accent1"/>
+            </a:lnRef>
+            <a:fillRef idx="0">
+              <a:schemeClr val="accent1"/>
+            </a:fillRef>
+            <a:effectRef idx="0">
+              <a:schemeClr val="accent1"/>
+            </a:effectRef>
+            <a:fontRef idx="minor">
+              <a:schemeClr val="tx1"/>
+            </a:fontRef>
+          </p:style>
+        </p:cxnSp>
+        <p:cxnSp>
+          <p:nvCxnSpPr>
+            <p:cNvPr id="299" name="Straight Connector 298">
+              <a:extLst>
+                <a:ext uri="{FF2B5EF4-FFF2-40B4-BE49-F238E27FC236}">
+                  <a16:creationId xmlns:a16="http://schemas.microsoft.com/office/drawing/2014/main" id="{F9D78849-B60F-41B1-8E72-04BB7928F85D}"/>
+                </a:ext>
+              </a:extLst>
+            </p:cNvPr>
+            <p:cNvCxnSpPr>
+              <a:cxnSpLocks/>
+            </p:cNvCxnSpPr>
+            <p:nvPr/>
+          </p:nvCxnSpPr>
+          <p:spPr>
+            <a:xfrm flipV="1">
+              <a:off x="1733550" y="4227874"/>
+              <a:ext cx="838200" cy="52026"/>
+            </a:xfrm>
+            <a:prstGeom prst="line">
+              <a:avLst/>
+            </a:prstGeom>
+            <a:ln w="19050">
+              <a:solidFill>
+                <a:schemeClr val="tx1"/>
+              </a:solidFill>
+            </a:ln>
+          </p:spPr>
+          <p:style>
+            <a:lnRef idx="1">
+              <a:schemeClr val="accent1"/>
+            </a:lnRef>
+            <a:fillRef idx="0">
+              <a:schemeClr val="accent1"/>
+            </a:fillRef>
+            <a:effectRef idx="0">
+              <a:schemeClr val="accent1"/>
+            </a:effectRef>
+            <a:fontRef idx="minor">
+              <a:schemeClr val="tx1"/>
+            </a:fontRef>
+          </p:style>
+        </p:cxnSp>
+        <p:cxnSp>
+          <p:nvCxnSpPr>
+            <p:cNvPr id="300" name="Straight Connector 299">
+              <a:extLst>
+                <a:ext uri="{FF2B5EF4-FFF2-40B4-BE49-F238E27FC236}">
+                  <a16:creationId xmlns:a16="http://schemas.microsoft.com/office/drawing/2014/main" id="{D39038C9-0BD3-4CA4-AEFB-DC2538E906F8}"/>
+                </a:ext>
+              </a:extLst>
+            </p:cNvPr>
+            <p:cNvCxnSpPr>
+              <a:cxnSpLocks/>
+            </p:cNvCxnSpPr>
+            <p:nvPr/>
+          </p:nvCxnSpPr>
+          <p:spPr>
+            <a:xfrm flipV="1">
+              <a:off x="1803400" y="4371559"/>
+              <a:ext cx="876300" cy="54391"/>
+            </a:xfrm>
+            <a:prstGeom prst="line">
+              <a:avLst/>
+            </a:prstGeom>
+            <a:ln w="19050">
+              <a:solidFill>
+                <a:schemeClr val="tx1"/>
+              </a:solidFill>
+            </a:ln>
+          </p:spPr>
+          <p:style>
+            <a:lnRef idx="1">
+              <a:schemeClr val="accent1"/>
+            </a:lnRef>
+            <a:fillRef idx="0">
+              <a:schemeClr val="accent1"/>
+            </a:fillRef>
+            <a:effectRef idx="0">
+              <a:schemeClr val="accent1"/>
+            </a:effectRef>
+            <a:fontRef idx="minor">
+              <a:schemeClr val="tx1"/>
+            </a:fontRef>
+          </p:style>
+        </p:cxnSp>
+        <p:cxnSp>
+          <p:nvCxnSpPr>
+            <p:cNvPr id="301" name="Straight Connector 300">
+              <a:extLst>
+                <a:ext uri="{FF2B5EF4-FFF2-40B4-BE49-F238E27FC236}">
+                  <a16:creationId xmlns:a16="http://schemas.microsoft.com/office/drawing/2014/main" id="{5AA504DE-DCD4-4FDF-B963-9F8CE9B43E21}"/>
+                </a:ext>
+              </a:extLst>
+            </p:cNvPr>
+            <p:cNvCxnSpPr>
+              <a:cxnSpLocks/>
+            </p:cNvCxnSpPr>
+            <p:nvPr/>
+          </p:nvCxnSpPr>
+          <p:spPr>
+            <a:xfrm flipV="1">
+              <a:off x="1885950" y="4527550"/>
+              <a:ext cx="882650" cy="50800"/>
+            </a:xfrm>
+            <a:prstGeom prst="line">
+              <a:avLst/>
+            </a:prstGeom>
+            <a:ln w="19050">
+              <a:solidFill>
+                <a:schemeClr val="tx1"/>
+              </a:solidFill>
+            </a:ln>
+          </p:spPr>
+          <p:style>
+            <a:lnRef idx="1">
+              <a:schemeClr val="accent1"/>
+            </a:lnRef>
+            <a:fillRef idx="0">
+              <a:schemeClr val="accent1"/>
+            </a:fillRef>
+            <a:effectRef idx="0">
+              <a:schemeClr val="accent1"/>
+            </a:effectRef>
+            <a:fontRef idx="minor">
+              <a:schemeClr val="tx1"/>
+            </a:fontRef>
+          </p:style>
+        </p:cxnSp>
+      </p:grpSp>
+      <p:sp>
+        <p:nvSpPr>
+          <p:cNvPr id="302" name="TextBox 301">
+            <a:extLst>
+              <a:ext uri="{FF2B5EF4-FFF2-40B4-BE49-F238E27FC236}">
+                <a16:creationId xmlns:a16="http://schemas.microsoft.com/office/drawing/2014/main" id="{412E52A1-E69F-4B16-B998-DA4BE29584A2}"/>
+              </a:ext>
+            </a:extLst>
+          </p:cNvPr>
+          <p:cNvSpPr txBox="1"/>
+          <p:nvPr/>
+        </p:nvSpPr>
+        <p:spPr>
+          <a:xfrm>
+            <a:off x="8203294" y="1883475"/>
+            <a:ext cx="1454150" cy="461665"/>
+          </a:xfrm>
+          <a:prstGeom prst="rect">
+            <a:avLst/>
+          </a:prstGeom>
+          <a:noFill/>
+        </p:spPr>
+        <p:txBody>
+          <a:bodyPr wrap="square">
+            <a:spAutoFit/>
+          </a:bodyPr>
+          <a:lstStyle/>
+          <a:p>
+            <a:pPr marL="0" marR="0" lvl="0" indent="0" algn="ctr" defTabSz="914400" rtl="0" eaLnBrk="1" fontAlgn="auto" latinLnBrk="0" hangingPunct="1">
+              <a:lnSpc>
+                <a:spcPct val="100000"/>
+              </a:lnSpc>
+              <a:spcBef>
+                <a:spcPts val="0"/>
+              </a:spcBef>
+              <a:spcAft>
+                <a:spcPts val="0"/>
+              </a:spcAft>
+              <a:buClrTx/>
+              <a:buSzTx/>
+              <a:buFontTx/>
+              <a:buNone/>
+              <a:tabLst/>
+              <a:defRPr/>
+            </a:pPr>
+            <a:r>
+              <a:rPr lang="en-US" sz="2400" dirty="0">
+                <a:solidFill>
+                  <a:prstClr val="black"/>
+                </a:solidFill>
+                <a:latin typeface="Calibri" panose="020F0502020204030204"/>
+              </a:rPr>
+              <a:t>EDIF</a:t>
+            </a:r>
+            <a:endParaRPr kumimoji="0" lang="en-US" sz="2400" b="0" i="0" u="none" strike="noStrike" kern="1200" cap="none" spc="0" normalizeH="0" baseline="0" noProof="0" dirty="0">
+              <a:ln>
+                <a:noFill/>
+              </a:ln>
+              <a:solidFill>
+                <a:prstClr val="black"/>
+              </a:solidFill>
+              <a:effectLst/>
+              <a:uLnTx/>
+              <a:uFillTx/>
+              <a:latin typeface="Calibri" panose="020F0502020204030204"/>
+              <a:ea typeface="+mn-ea"/>
+              <a:cs typeface="+mn-cs"/>
+            </a:endParaRPr>
+          </a:p>
+        </p:txBody>
+      </p:sp>
+      <p:sp>
+        <p:nvSpPr>
+          <p:cNvPr id="303" name="TextBox 302">
+            <a:extLst>
+              <a:ext uri="{FF2B5EF4-FFF2-40B4-BE49-F238E27FC236}">
+                <a16:creationId xmlns:a16="http://schemas.microsoft.com/office/drawing/2014/main" id="{0083A077-EACA-4D40-BF29-DF94A52D1DE3}"/>
+              </a:ext>
+            </a:extLst>
+          </p:cNvPr>
+          <p:cNvSpPr txBox="1"/>
+          <p:nvPr/>
+        </p:nvSpPr>
+        <p:spPr>
+          <a:xfrm>
+            <a:off x="9243417" y="2049256"/>
+            <a:ext cx="1454150" cy="461665"/>
+          </a:xfrm>
+          <a:prstGeom prst="rect">
+            <a:avLst/>
+          </a:prstGeom>
+          <a:noFill/>
+        </p:spPr>
+        <p:txBody>
+          <a:bodyPr wrap="square">
+            <a:spAutoFit/>
+          </a:bodyPr>
+          <a:lstStyle/>
+          <a:p>
+            <a:pPr marL="0" marR="0" lvl="0" indent="0" algn="ctr" defTabSz="914400" rtl="0" eaLnBrk="1" fontAlgn="auto" latinLnBrk="0" hangingPunct="1">
+              <a:lnSpc>
+                <a:spcPct val="100000"/>
+              </a:lnSpc>
+              <a:spcBef>
+                <a:spcPts val="0"/>
+              </a:spcBef>
+              <a:spcAft>
+                <a:spcPts val="0"/>
+              </a:spcAft>
+              <a:buClrTx/>
+              <a:buSzTx/>
+              <a:buFontTx/>
+              <a:buNone/>
+              <a:tabLst/>
+              <a:defRPr/>
+            </a:pPr>
+            <a:r>
+              <a:rPr lang="en-US" sz="2400" dirty="0">
+                <a:solidFill>
+                  <a:prstClr val="black"/>
+                </a:solidFill>
+                <a:latin typeface="Calibri" panose="020F0502020204030204"/>
+              </a:rPr>
+              <a:t>VHDL</a:t>
+            </a:r>
+            <a:endParaRPr kumimoji="0" lang="en-US" sz="2400" b="0" i="0" u="none" strike="noStrike" kern="1200" cap="none" spc="0" normalizeH="0" baseline="0" noProof="0" dirty="0">
+              <a:ln>
+                <a:noFill/>
+              </a:ln>
+              <a:solidFill>
+                <a:prstClr val="black"/>
+              </a:solidFill>
+              <a:effectLst/>
+              <a:uLnTx/>
+              <a:uFillTx/>
+              <a:latin typeface="Calibri" panose="020F0502020204030204"/>
+              <a:ea typeface="+mn-ea"/>
+              <a:cs typeface="+mn-cs"/>
+            </a:endParaRPr>
+          </a:p>
+        </p:txBody>
+      </p:sp>
+      <p:sp>
+        <p:nvSpPr>
+          <p:cNvPr id="304" name="TextBox 303">
+            <a:extLst>
+              <a:ext uri="{FF2B5EF4-FFF2-40B4-BE49-F238E27FC236}">
+                <a16:creationId xmlns:a16="http://schemas.microsoft.com/office/drawing/2014/main" id="{0F4DB984-D862-4116-B1C3-50C97868C0C2}"/>
+              </a:ext>
+            </a:extLst>
+          </p:cNvPr>
+          <p:cNvSpPr txBox="1"/>
+          <p:nvPr/>
+        </p:nvSpPr>
+        <p:spPr>
+          <a:xfrm>
+            <a:off x="10126317" y="2300269"/>
+            <a:ext cx="1454150" cy="461665"/>
+          </a:xfrm>
+          <a:prstGeom prst="rect">
+            <a:avLst/>
+          </a:prstGeom>
+          <a:noFill/>
+        </p:spPr>
+        <p:txBody>
+          <a:bodyPr wrap="square">
+            <a:spAutoFit/>
+          </a:bodyPr>
+          <a:lstStyle/>
+          <a:p>
+            <a:pPr marL="0" marR="0" lvl="0" indent="0" algn="ctr" defTabSz="914400" rtl="0" eaLnBrk="1" fontAlgn="auto" latinLnBrk="0" hangingPunct="1">
+              <a:lnSpc>
+                <a:spcPct val="100000"/>
+              </a:lnSpc>
+              <a:spcBef>
+                <a:spcPts val="0"/>
+              </a:spcBef>
+              <a:spcAft>
+                <a:spcPts val="0"/>
+              </a:spcAft>
+              <a:buClrTx/>
+              <a:buSzTx/>
+              <a:buFontTx/>
+              <a:buNone/>
+              <a:tabLst/>
+              <a:defRPr/>
+            </a:pPr>
+            <a:r>
+              <a:rPr lang="en-US" sz="2400" dirty="0">
+                <a:solidFill>
+                  <a:prstClr val="black"/>
+                </a:solidFill>
+                <a:latin typeface="Calibri" panose="020F0502020204030204"/>
+              </a:rPr>
+              <a:t>Verilog</a:t>
+            </a:r>
+            <a:endParaRPr kumimoji="0" lang="en-US" sz="2400" b="0" i="0" u="none" strike="noStrike" kern="1200" cap="none" spc="0" normalizeH="0" baseline="0" noProof="0" dirty="0">
+              <a:ln>
+                <a:noFill/>
+              </a:ln>
+              <a:solidFill>
+                <a:prstClr val="black"/>
+              </a:solidFill>
+              <a:effectLst/>
+              <a:uLnTx/>
+              <a:uFillTx/>
+              <a:latin typeface="Calibri" panose="020F0502020204030204"/>
+              <a:ea typeface="+mn-ea"/>
+              <a:cs typeface="+mn-cs"/>
+            </a:endParaRPr>
+          </a:p>
+        </p:txBody>
+      </p:sp>
+      <p:sp>
+        <p:nvSpPr>
+          <p:cNvPr id="305" name="TextBox 304">
+            <a:extLst>
+              <a:ext uri="{FF2B5EF4-FFF2-40B4-BE49-F238E27FC236}">
+                <a16:creationId xmlns:a16="http://schemas.microsoft.com/office/drawing/2014/main" id="{2FA847A5-A424-43B9-9391-EB2C15C9BE98}"/>
+              </a:ext>
+            </a:extLst>
+          </p:cNvPr>
+          <p:cNvSpPr txBox="1"/>
+          <p:nvPr/>
+        </p:nvSpPr>
+        <p:spPr>
+          <a:xfrm>
+            <a:off x="10933089" y="2530759"/>
+            <a:ext cx="1454150" cy="461665"/>
+          </a:xfrm>
+          <a:prstGeom prst="rect">
+            <a:avLst/>
+          </a:prstGeom>
+          <a:noFill/>
+        </p:spPr>
+        <p:txBody>
+          <a:bodyPr wrap="square">
+            <a:spAutoFit/>
+          </a:bodyPr>
+          <a:lstStyle/>
+          <a:p>
+            <a:pPr marL="0" marR="0" lvl="0" indent="0" algn="ctr" defTabSz="914400" rtl="0" eaLnBrk="1" fontAlgn="auto" latinLnBrk="0" hangingPunct="1">
+              <a:lnSpc>
+                <a:spcPct val="100000"/>
+              </a:lnSpc>
+              <a:spcBef>
+                <a:spcPts val="0"/>
+              </a:spcBef>
+              <a:spcAft>
+                <a:spcPts val="0"/>
+              </a:spcAft>
+              <a:buClrTx/>
+              <a:buSzTx/>
+              <a:buFontTx/>
+              <a:buNone/>
+              <a:tabLst/>
+              <a:defRPr/>
+            </a:pPr>
+            <a:r>
+              <a:rPr kumimoji="0" lang="en-US" sz="2400" b="0" i="0" u="none" strike="noStrike" kern="1200" cap="none" spc="0" normalizeH="0" baseline="0" noProof="0" dirty="0">
+                <a:ln>
+                  <a:noFill/>
+                </a:ln>
+                <a:solidFill>
+                  <a:prstClr val="black"/>
+                </a:solidFill>
+                <a:effectLst/>
+                <a:uLnTx/>
+                <a:uFillTx/>
+                <a:latin typeface="Calibri" panose="020F0502020204030204"/>
+                <a:ea typeface="+mn-ea"/>
+                <a:cs typeface="+mn-cs"/>
+              </a:rPr>
+              <a:t>Other</a:t>
+            </a:r>
+          </a:p>
+        </p:txBody>
+      </p:sp>
     </p:spTree>
     <p:extLst>
       <p:ext uri="{BB962C8B-B14F-4D97-AF65-F5344CB8AC3E}">
-        <p14:creationId xmlns:p14="http://schemas.microsoft.com/office/powerpoint/2010/main" val="4172829601"/>
+        <p14:creationId xmlns:p14="http://schemas.microsoft.com/office/powerpoint/2010/main" val="732644293"/>
       </p:ext>
     </p:extLst>
   </p:cSld>
